--- a/Slides/Lesson 6.2 Trees.pptx
+++ b/Slides/Lesson 6.2 Trees.pptx
@@ -228,7 +228,7 @@
           <a:p>
             <a:fld id="{1AC50D25-69DA-4251-A3B1-10895C6A89D6}" type="datetimeFigureOut">
               <a:rPr lang="en-US" smtClean="0"/>
-              <a:t>8/31/2015</a:t>
+              <a:t>10/13/2015</a:t>
             </a:fld>
             <a:endParaRPr lang="en-US"/>
           </a:p>
@@ -1094,7 +1094,7 @@
           <a:p>
             <a:fld id="{2F1F79F5-7BEC-496A-AFC7-876E38F64D71}" type="datetime1">
               <a:rPr lang="en-US" smtClean="0"/>
-              <a:t>8/31/2015</a:t>
+              <a:t>10/13/2015</a:t>
             </a:fld>
             <a:endParaRPr lang="en-US"/>
           </a:p>
@@ -1196,7 +1196,7 @@
           <a:p>
             <a:fld id="{0A05703A-7669-4FEA-9056-25299B4D29D4}" type="datetime1">
               <a:rPr lang="en-US" smtClean="0"/>
-              <a:t>8/31/2015</a:t>
+              <a:t>10/13/2015</a:t>
             </a:fld>
             <a:endParaRPr lang="en-US"/>
           </a:p>
@@ -1473,7 +1473,7 @@
           <a:p>
             <a:fld id="{6E5077B5-BB57-49DB-88CA-226A139E5C01}" type="datetime1">
               <a:rPr lang="en-US" smtClean="0"/>
-              <a:t>8/31/2015</a:t>
+              <a:t>10/13/2015</a:t>
             </a:fld>
             <a:endParaRPr lang="en-US"/>
           </a:p>
@@ -1726,7 +1726,7 @@
           <a:p>
             <a:fld id="{C48D9447-CBD6-49A1-89FD-8512A8CF8999}" type="datetime1">
               <a:rPr lang="en-US" smtClean="0"/>
-              <a:t>8/31/2015</a:t>
+              <a:t>10/13/2015</a:t>
             </a:fld>
             <a:endParaRPr lang="en-US"/>
           </a:p>
@@ -1896,7 +1896,7 @@
           <a:p>
             <a:fld id="{A3639A2A-823D-48B7-9ACE-7FAF42870BA9}" type="datetime1">
               <a:rPr lang="en-US" smtClean="0"/>
-              <a:t>8/31/2015</a:t>
+              <a:t>10/13/2015</a:t>
             </a:fld>
             <a:endParaRPr lang="en-US"/>
           </a:p>
@@ -2076,7 +2076,7 @@
           <a:p>
             <a:fld id="{ED1B6996-82E9-463C-972C-7B56056E426C}" type="datetime1">
               <a:rPr lang="en-US" smtClean="0"/>
-              <a:t>8/31/2015</a:t>
+              <a:t>10/13/2015</a:t>
             </a:fld>
             <a:endParaRPr lang="en-US"/>
           </a:p>
@@ -2259,7 +2259,7 @@
           <a:p>
             <a:fld id="{E22ED4DA-448D-4BB1-B935-CC112220207B}" type="datetime1">
               <a:rPr lang="en-US" smtClean="0"/>
-              <a:t>8/31/2015</a:t>
+              <a:t>10/13/2015</a:t>
             </a:fld>
             <a:endParaRPr lang="en-US"/>
           </a:p>
@@ -2441,7 +2441,7 @@
           <a:p>
             <a:fld id="{E22ED4DA-448D-4BB1-B935-CC112220207B}" type="datetime1">
               <a:rPr lang="en-US" smtClean="0"/>
-              <a:t>8/31/2015</a:t>
+              <a:t>10/13/2015</a:t>
             </a:fld>
             <a:endParaRPr lang="en-US"/>
           </a:p>
@@ -2710,7 +2710,7 @@
           <a:p>
             <a:fld id="{FF5D65A6-AB94-4435-B0B7-3743215FA46C}" type="datetime1">
               <a:rPr lang="en-US" smtClean="0"/>
-              <a:t>8/31/2015</a:t>
+              <a:t>10/13/2015</a:t>
             </a:fld>
             <a:endParaRPr lang="en-US"/>
           </a:p>
@@ -2895,7 +2895,7 @@
           <a:p>
             <a:fld id="{FF5D65A6-AB94-4435-B0B7-3743215FA46C}" type="datetime1">
               <a:rPr lang="en-US" smtClean="0"/>
-              <a:t>8/31/2015</a:t>
+              <a:t>10/13/2015</a:t>
             </a:fld>
             <a:endParaRPr lang="en-US"/>
           </a:p>
@@ -3197,7 +3197,7 @@
           <a:p>
             <a:fld id="{7C193DC4-6EF0-48C9-B29C-616106A645E1}" type="datetime1">
               <a:rPr lang="en-US" smtClean="0"/>
-              <a:t>8/31/2015</a:t>
+              <a:t>10/13/2015</a:t>
             </a:fld>
             <a:endParaRPr lang="en-US"/>
           </a:p>
@@ -3485,7 +3485,7 @@
           <a:p>
             <a:fld id="{5D1846AD-9252-4647-9435-4C2AC365653A}" type="datetime1">
               <a:rPr lang="en-US" smtClean="0"/>
-              <a:t>8/31/2015</a:t>
+              <a:t>10/13/2015</a:t>
             </a:fld>
             <a:endParaRPr lang="en-US"/>
           </a:p>
@@ -3907,7 +3907,7 @@
           <a:p>
             <a:fld id="{CE56DC10-3561-4063-A6AF-C1CC7A41040A}" type="datetime1">
               <a:rPr lang="en-US" smtClean="0"/>
-              <a:t>8/31/2015</a:t>
+              <a:t>10/13/2015</a:t>
             </a:fld>
             <a:endParaRPr lang="en-US"/>
           </a:p>
@@ -4025,7 +4025,7 @@
           <a:p>
             <a:fld id="{2F7B77F5-1464-4F6B-92A8-64FC8A508293}" type="datetime1">
               <a:rPr lang="en-US" smtClean="0"/>
-              <a:t>8/31/2015</a:t>
+              <a:t>10/13/2015</a:t>
             </a:fld>
             <a:endParaRPr lang="en-US"/>
           </a:p>
@@ -4257,7 +4257,7 @@
           <a:p>
             <a:fld id="{02B3F677-983B-48DB-ADFD-63FE6CBC7FB2}" type="datetime1">
               <a:rPr lang="en-US" smtClean="0"/>
-              <a:t>8/31/2015</a:t>
+              <a:t>10/13/2015</a:t>
             </a:fld>
             <a:endParaRPr lang="en-US"/>
           </a:p>
@@ -7987,7 +7987,23 @@
                   <a:schemeClr val="tx1"/>
                 </a:solidFill>
               </a:rPr>
-              <a:t>And here are the template questions.  When we write a function using structural decomposition, we fill in the template with the answers to these questions.</a:t>
+              <a:t>And here are the template questions.  When we write a function </a:t>
+            </a:r>
+            <a:r>
+              <a:rPr lang="en-US" dirty="0" smtClean="0">
+                <a:solidFill>
+                  <a:schemeClr val="tx1"/>
+                </a:solidFill>
+              </a:rPr>
+              <a:t>using the template, </a:t>
+            </a:r>
+            <a:r>
+              <a:rPr lang="en-US" dirty="0">
+                <a:solidFill>
+                  <a:schemeClr val="tx1"/>
+                </a:solidFill>
+              </a:rPr>
+              <a:t>we fill in the template with the answers to these questions.</a:t>
             </a:r>
           </a:p>
         </p:txBody>

--- a/Slides/Lesson 6.2 Trees.pptx
+++ b/Slides/Lesson 6.2 Trees.pptx
@@ -228,7 +228,7 @@
           <a:p>
             <a:fld id="{1AC50D25-69DA-4251-A3B1-10895C6A89D6}" type="datetimeFigureOut">
               <a:rPr lang="en-US" smtClean="0"/>
-              <a:t>10/13/2015</a:t>
+              <a:t>10/19/2015</a:t>
             </a:fld>
             <a:endParaRPr lang="en-US"/>
           </a:p>
@@ -1094,7 +1094,7 @@
           <a:p>
             <a:fld id="{2F1F79F5-7BEC-496A-AFC7-876E38F64D71}" type="datetime1">
               <a:rPr lang="en-US" smtClean="0"/>
-              <a:t>10/13/2015</a:t>
+              <a:t>10/19/2015</a:t>
             </a:fld>
             <a:endParaRPr lang="en-US"/>
           </a:p>
@@ -1196,7 +1196,7 @@
           <a:p>
             <a:fld id="{0A05703A-7669-4FEA-9056-25299B4D29D4}" type="datetime1">
               <a:rPr lang="en-US" smtClean="0"/>
-              <a:t>10/13/2015</a:t>
+              <a:t>10/19/2015</a:t>
             </a:fld>
             <a:endParaRPr lang="en-US"/>
           </a:p>
@@ -1473,7 +1473,7 @@
           <a:p>
             <a:fld id="{6E5077B5-BB57-49DB-88CA-226A139E5C01}" type="datetime1">
               <a:rPr lang="en-US" smtClean="0"/>
-              <a:t>10/13/2015</a:t>
+              <a:t>10/19/2015</a:t>
             </a:fld>
             <a:endParaRPr lang="en-US"/>
           </a:p>
@@ -1726,7 +1726,7 @@
           <a:p>
             <a:fld id="{C48D9447-CBD6-49A1-89FD-8512A8CF8999}" type="datetime1">
               <a:rPr lang="en-US" smtClean="0"/>
-              <a:t>10/13/2015</a:t>
+              <a:t>10/19/2015</a:t>
             </a:fld>
             <a:endParaRPr lang="en-US"/>
           </a:p>
@@ -1896,7 +1896,7 @@
           <a:p>
             <a:fld id="{A3639A2A-823D-48B7-9ACE-7FAF42870BA9}" type="datetime1">
               <a:rPr lang="en-US" smtClean="0"/>
-              <a:t>10/13/2015</a:t>
+              <a:t>10/19/2015</a:t>
             </a:fld>
             <a:endParaRPr lang="en-US"/>
           </a:p>
@@ -2076,7 +2076,7 @@
           <a:p>
             <a:fld id="{ED1B6996-82E9-463C-972C-7B56056E426C}" type="datetime1">
               <a:rPr lang="en-US" smtClean="0"/>
-              <a:t>10/13/2015</a:t>
+              <a:t>10/19/2015</a:t>
             </a:fld>
             <a:endParaRPr lang="en-US"/>
           </a:p>
@@ -2259,7 +2259,7 @@
           <a:p>
             <a:fld id="{E22ED4DA-448D-4BB1-B935-CC112220207B}" type="datetime1">
               <a:rPr lang="en-US" smtClean="0"/>
-              <a:t>10/13/2015</a:t>
+              <a:t>10/19/2015</a:t>
             </a:fld>
             <a:endParaRPr lang="en-US"/>
           </a:p>
@@ -2441,7 +2441,7 @@
           <a:p>
             <a:fld id="{E22ED4DA-448D-4BB1-B935-CC112220207B}" type="datetime1">
               <a:rPr lang="en-US" smtClean="0"/>
-              <a:t>10/13/2015</a:t>
+              <a:t>10/19/2015</a:t>
             </a:fld>
             <a:endParaRPr lang="en-US"/>
           </a:p>
@@ -2710,7 +2710,7 @@
           <a:p>
             <a:fld id="{FF5D65A6-AB94-4435-B0B7-3743215FA46C}" type="datetime1">
               <a:rPr lang="en-US" smtClean="0"/>
-              <a:t>10/13/2015</a:t>
+              <a:t>10/19/2015</a:t>
             </a:fld>
             <a:endParaRPr lang="en-US"/>
           </a:p>
@@ -2895,7 +2895,7 @@
           <a:p>
             <a:fld id="{FF5D65A6-AB94-4435-B0B7-3743215FA46C}" type="datetime1">
               <a:rPr lang="en-US" smtClean="0"/>
-              <a:t>10/13/2015</a:t>
+              <a:t>10/19/2015</a:t>
             </a:fld>
             <a:endParaRPr lang="en-US"/>
           </a:p>
@@ -3197,7 +3197,7 @@
           <a:p>
             <a:fld id="{7C193DC4-6EF0-48C9-B29C-616106A645E1}" type="datetime1">
               <a:rPr lang="en-US" smtClean="0"/>
-              <a:t>10/13/2015</a:t>
+              <a:t>10/19/2015</a:t>
             </a:fld>
             <a:endParaRPr lang="en-US"/>
           </a:p>
@@ -3485,7 +3485,7 @@
           <a:p>
             <a:fld id="{5D1846AD-9252-4647-9435-4C2AC365653A}" type="datetime1">
               <a:rPr lang="en-US" smtClean="0"/>
-              <a:t>10/13/2015</a:t>
+              <a:t>10/19/2015</a:t>
             </a:fld>
             <a:endParaRPr lang="en-US"/>
           </a:p>
@@ -3907,7 +3907,7 @@
           <a:p>
             <a:fld id="{CE56DC10-3561-4063-A6AF-C1CC7A41040A}" type="datetime1">
               <a:rPr lang="en-US" smtClean="0"/>
-              <a:t>10/13/2015</a:t>
+              <a:t>10/19/2015</a:t>
             </a:fld>
             <a:endParaRPr lang="en-US"/>
           </a:p>
@@ -4025,7 +4025,7 @@
           <a:p>
             <a:fld id="{2F7B77F5-1464-4F6B-92A8-64FC8A508293}" type="datetime1">
               <a:rPr lang="en-US" smtClean="0"/>
-              <a:t>10/13/2015</a:t>
+              <a:t>10/19/2015</a:t>
             </a:fld>
             <a:endParaRPr lang="en-US"/>
           </a:p>
@@ -4257,7 +4257,7 @@
           <a:p>
             <a:fld id="{02B3F677-983B-48DB-ADFD-63FE6CBC7FB2}" type="datetime1">
               <a:rPr lang="en-US" smtClean="0"/>
-              <a:t>10/13/2015</a:t>
+              <a:t>10/19/2015</a:t>
             </a:fld>
             <a:endParaRPr lang="en-US"/>
           </a:p>
@@ -5781,7 +5781,21 @@
           <a:p>
             <a:r>
               <a:rPr lang="en-US" dirty="0" smtClean="0"/>
-              <a:t>If you have questions about this lesson, ask them on the Discussion Board</a:t>
+              <a:t>Study the file 06-2-trees.rkt in the </a:t>
+            </a:r>
+            <a:r>
+              <a:rPr lang="en-US" smtClean="0"/>
+              <a:t>Examples folder.</a:t>
+            </a:r>
+          </a:p>
+          <a:p>
+            <a:r>
+              <a:rPr lang="en-US" dirty="0" smtClean="0"/>
+              <a:t>If </a:t>
+            </a:r>
+            <a:r>
+              <a:rPr lang="en-US" dirty="0" smtClean="0"/>
+              <a:t>you have questions about this lesson, ask them on the Discussion Board</a:t>
             </a:r>
           </a:p>
           <a:p>

--- a/Slides/Lesson 6.2 Trees.pptx
+++ b/Slides/Lesson 6.2 Trees.pptx
@@ -5,7 +5,7 @@
     <p:sldMasterId id="2147483660" r:id="rId1"/>
   </p:sldMasterIdLst>
   <p:notesMasterIdLst>
-    <p:notesMasterId r:id="rId14"/>
+    <p:notesMasterId r:id="rId15"/>
   </p:notesMasterIdLst>
   <p:sldIdLst>
     <p:sldId id="256" r:id="rId2"/>
@@ -16,15 +16,16 @@
     <p:sldId id="259" r:id="rId7"/>
     <p:sldId id="281" r:id="rId8"/>
     <p:sldId id="276" r:id="rId9"/>
-    <p:sldId id="277" r:id="rId10"/>
-    <p:sldId id="278" r:id="rId11"/>
-    <p:sldId id="282" r:id="rId12"/>
-    <p:sldId id="284" r:id="rId13"/>
+    <p:sldId id="285" r:id="rId10"/>
+    <p:sldId id="277" r:id="rId11"/>
+    <p:sldId id="278" r:id="rId12"/>
+    <p:sldId id="282" r:id="rId13"/>
+    <p:sldId id="284" r:id="rId14"/>
   </p:sldIdLst>
   <p:sldSz cx="9144000" cy="6858000" type="screen4x3"/>
   <p:notesSz cx="6858000" cy="9144000"/>
   <p:custDataLst>
-    <p:tags r:id="rId15"/>
+    <p:tags r:id="rId16"/>
   </p:custDataLst>
   <p:defaultTextStyle>
     <a:defPPr>
@@ -228,7 +229,7 @@
           <a:p>
             <a:fld id="{1AC50D25-69DA-4251-A3B1-10895C6A89D6}" type="datetimeFigureOut">
               <a:rPr lang="en-US" smtClean="0"/>
-              <a:t>10/19/2015</a:t>
+              <a:t>9/5/2016</a:t>
             </a:fld>
             <a:endParaRPr lang="en-US"/>
           </a:p>
@@ -292,38 +293,37 @@
           <a:p>
             <a:pPr lvl="0"/>
             <a:r>
-              <a:rPr lang="en-US" smtClean="0"/>
+              <a:rPr lang="en-US"/>
               <a:t>Click to edit Master text styles</a:t>
             </a:r>
           </a:p>
           <a:p>
             <a:pPr lvl="1"/>
             <a:r>
-              <a:rPr lang="en-US" smtClean="0"/>
+              <a:rPr lang="en-US"/>
               <a:t>Second level</a:t>
             </a:r>
           </a:p>
           <a:p>
             <a:pPr lvl="2"/>
             <a:r>
-              <a:rPr lang="en-US" smtClean="0"/>
+              <a:rPr lang="en-US"/>
               <a:t>Third level</a:t>
             </a:r>
           </a:p>
           <a:p>
             <a:pPr lvl="3"/>
             <a:r>
-              <a:rPr lang="en-US" smtClean="0"/>
+              <a:rPr lang="en-US"/>
               <a:t>Fourth level</a:t>
             </a:r>
           </a:p>
           <a:p>
             <a:pPr lvl="4"/>
             <a:r>
-              <a:rPr lang="en-US" smtClean="0"/>
+              <a:rPr lang="en-US"/>
               <a:t>Fifth level</a:t>
             </a:r>
-            <a:endParaRPr lang="en-US"/>
           </a:p>
         </p:txBody>
       </p:sp>
@@ -642,7 +642,7 @@
               <a:defRPr/>
             </a:pPr>
             <a:r>
-              <a:rPr lang="en-US" sz="1200" kern="1200" dirty="0" smtClean="0">
+              <a:rPr lang="en-US" sz="1200" kern="1200" dirty="0">
                 <a:solidFill>
                   <a:schemeClr val="tx1"/>
                 </a:solidFill>
@@ -758,7 +758,7 @@
               <a:defRPr/>
             </a:pPr>
             <a:r>
-              <a:rPr lang="en-US" sz="1200" kern="1200" dirty="0" smtClean="0">
+              <a:rPr lang="en-US" sz="1200" kern="1200" dirty="0">
                 <a:solidFill>
                   <a:schemeClr val="tx1"/>
                 </a:solidFill>
@@ -793,7 +793,7 @@
             <a:fld id="{00E1DFD8-B619-4FFF-B366-BDCC98D08110}" type="slidenum">
               <a:rPr lang="en-US" smtClean="0"/>
               <a:pPr/>
-              <a:t>9</a:t>
+              <a:t>10</a:t>
             </a:fld>
             <a:endParaRPr lang="en-US"/>
           </a:p>
@@ -857,19 +857,19 @@
           <a:lstStyle/>
           <a:p>
             <a:r>
-              <a:rPr lang="en-US" dirty="0" smtClean="0"/>
+              <a:rPr lang="en-US" dirty="0"/>
               <a:t>And</a:t>
             </a:r>
             <a:r>
-              <a:rPr lang="en-US" baseline="0" dirty="0" smtClean="0"/>
+              <a:rPr lang="en-US" baseline="0" dirty="0"/>
               <a:t> </a:t>
             </a:r>
             <a:r>
-              <a:rPr lang="en-US" b="1" baseline="0" dirty="0" smtClean="0"/>
+              <a:rPr lang="en-US" b="1" baseline="0" dirty="0"/>
               <a:t>leaf-min</a:t>
             </a:r>
             <a:r>
-              <a:rPr lang="en-US" baseline="0" dirty="0" smtClean="0"/>
+              <a:rPr lang="en-US" baseline="0" dirty="0"/>
               <a:t> is similar.</a:t>
             </a:r>
             <a:endParaRPr lang="en-US" dirty="0"/>
@@ -894,7 +894,7 @@
             <a:fld id="{00E1DFD8-B619-4FFF-B366-BDCC98D08110}" type="slidenum">
               <a:rPr lang="en-US" smtClean="0"/>
               <a:pPr/>
-              <a:t>10</a:t>
+              <a:t>11</a:t>
             </a:fld>
             <a:endParaRPr lang="en-US"/>
           </a:p>
@@ -951,10 +951,9 @@
           <a:lstStyle/>
           <a:p>
             <a:r>
-              <a:rPr lang="en-US" smtClean="0"/>
+              <a:rPr lang="en-US"/>
               <a:t>Click to edit Master title style</a:t>
             </a:r>
-            <a:endParaRPr lang="en-US"/>
           </a:p>
         </p:txBody>
       </p:sp>
@@ -1070,10 +1069,9 @@
           </a:lstStyle>
           <a:p>
             <a:r>
-              <a:rPr lang="en-US" smtClean="0"/>
+              <a:rPr lang="en-US"/>
               <a:t>Click to edit Master subtitle style</a:t>
             </a:r>
-            <a:endParaRPr lang="en-US"/>
           </a:p>
         </p:txBody>
       </p:sp>
@@ -1094,7 +1092,7 @@
           <a:p>
             <a:fld id="{2F1F79F5-7BEC-496A-AFC7-876E38F64D71}" type="datetime1">
               <a:rPr lang="en-US" smtClean="0"/>
-              <a:t>10/19/2015</a:t>
+              <a:t>9/5/2016</a:t>
             </a:fld>
             <a:endParaRPr lang="en-US"/>
           </a:p>
@@ -1152,13 +1150,6 @@
   <p:clrMapOvr>
     <a:masterClrMapping/>
   </p:clrMapOvr>
-  <p:timing>
-    <p:tnLst>
-      <p:par>
-        <p:cTn id="1" dur="indefinite" restart="never" nodeType="tmRoot"/>
-      </p:par>
-    </p:tnLst>
-  </p:timing>
 </p:sldLayout>
 </file>
 
@@ -1196,7 +1187,7 @@
           <a:p>
             <a:fld id="{0A05703A-7669-4FEA-9056-25299B4D29D4}" type="datetime1">
               <a:rPr lang="en-US" smtClean="0"/>
-              <a:t>10/19/2015</a:t>
+              <a:t>9/5/2016</a:t>
             </a:fld>
             <a:endParaRPr lang="en-US"/>
           </a:p>
@@ -1299,10 +1290,9 @@
           </a:lstStyle>
           <a:p>
             <a:r>
-              <a:rPr lang="en-US" smtClean="0"/>
+              <a:rPr lang="en-US"/>
               <a:t>Click to edit Master title style</a:t>
             </a:r>
-            <a:endParaRPr lang="en-US"/>
           </a:p>
         </p:txBody>
       </p:sp>
@@ -1356,38 +1346,37 @@
           <a:p>
             <a:pPr lvl="0"/>
             <a:r>
-              <a:rPr lang="en-US" smtClean="0"/>
+              <a:rPr lang="en-US"/>
               <a:t>Click to edit Master text styles</a:t>
             </a:r>
           </a:p>
           <a:p>
             <a:pPr lvl="1"/>
             <a:r>
-              <a:rPr lang="en-US" smtClean="0"/>
+              <a:rPr lang="en-US"/>
               <a:t>Second level</a:t>
             </a:r>
           </a:p>
           <a:p>
             <a:pPr lvl="2"/>
             <a:r>
-              <a:rPr lang="en-US" smtClean="0"/>
+              <a:rPr lang="en-US"/>
               <a:t>Third level</a:t>
             </a:r>
           </a:p>
           <a:p>
             <a:pPr lvl="3"/>
             <a:r>
-              <a:rPr lang="en-US" smtClean="0"/>
+              <a:rPr lang="en-US"/>
               <a:t>Fourth level</a:t>
             </a:r>
           </a:p>
           <a:p>
             <a:pPr lvl="4"/>
             <a:r>
-              <a:rPr lang="en-US" smtClean="0"/>
+              <a:rPr lang="en-US"/>
               <a:t>Fifth level</a:t>
             </a:r>
-            <a:endParaRPr lang="en-US"/>
           </a:p>
         </p:txBody>
       </p:sp>
@@ -1450,7 +1439,7 @@
           <a:p>
             <a:pPr lvl="0"/>
             <a:r>
-              <a:rPr lang="en-US" smtClean="0"/>
+              <a:rPr lang="en-US"/>
               <a:t>Click to edit Master text styles</a:t>
             </a:r>
           </a:p>
@@ -1473,7 +1462,7 @@
           <a:p>
             <a:fld id="{6E5077B5-BB57-49DB-88CA-226A139E5C01}" type="datetime1">
               <a:rPr lang="en-US" smtClean="0"/>
-              <a:t>10/19/2015</a:t>
+              <a:t>9/5/2016</a:t>
             </a:fld>
             <a:endParaRPr lang="en-US"/>
           </a:p>
@@ -1576,10 +1565,9 @@
           </a:lstStyle>
           <a:p>
             <a:r>
-              <a:rPr lang="en-US" smtClean="0"/>
+              <a:rPr lang="en-US"/>
               <a:t>Click to edit Master title style</a:t>
             </a:r>
-            <a:endParaRPr lang="en-US"/>
           </a:p>
         </p:txBody>
       </p:sp>
@@ -1703,7 +1691,7 @@
           <a:p>
             <a:pPr lvl="0"/>
             <a:r>
-              <a:rPr lang="en-US" smtClean="0"/>
+              <a:rPr lang="en-US"/>
               <a:t>Click to edit Master text styles</a:t>
             </a:r>
           </a:p>
@@ -1726,7 +1714,7 @@
           <a:p>
             <a:fld id="{C48D9447-CBD6-49A1-89FD-8512A8CF8999}" type="datetime1">
               <a:rPr lang="en-US" smtClean="0"/>
-              <a:t>10/19/2015</a:t>
+              <a:t>9/5/2016</a:t>
             </a:fld>
             <a:endParaRPr lang="en-US"/>
           </a:p>
@@ -1820,10 +1808,9 @@
           <a:lstStyle/>
           <a:p>
             <a:r>
-              <a:rPr lang="en-US" smtClean="0"/>
+              <a:rPr lang="en-US"/>
               <a:t>Click to edit Master title style</a:t>
             </a:r>
-            <a:endParaRPr lang="en-US"/>
           </a:p>
         </p:txBody>
       </p:sp>
@@ -1844,38 +1831,37 @@
           <a:p>
             <a:pPr lvl="0"/>
             <a:r>
-              <a:rPr lang="en-US" smtClean="0"/>
+              <a:rPr lang="en-US"/>
               <a:t>Click to edit Master text styles</a:t>
             </a:r>
           </a:p>
           <a:p>
             <a:pPr lvl="1"/>
             <a:r>
-              <a:rPr lang="en-US" smtClean="0"/>
+              <a:rPr lang="en-US"/>
               <a:t>Second level</a:t>
             </a:r>
           </a:p>
           <a:p>
             <a:pPr lvl="2"/>
             <a:r>
-              <a:rPr lang="en-US" smtClean="0"/>
+              <a:rPr lang="en-US"/>
               <a:t>Third level</a:t>
             </a:r>
           </a:p>
           <a:p>
             <a:pPr lvl="3"/>
             <a:r>
-              <a:rPr lang="en-US" smtClean="0"/>
+              <a:rPr lang="en-US"/>
               <a:t>Fourth level</a:t>
             </a:r>
           </a:p>
           <a:p>
             <a:pPr lvl="4"/>
             <a:r>
-              <a:rPr lang="en-US" smtClean="0"/>
+              <a:rPr lang="en-US"/>
               <a:t>Fifth level</a:t>
             </a:r>
-            <a:endParaRPr lang="en-US"/>
           </a:p>
         </p:txBody>
       </p:sp>
@@ -1896,7 +1882,7 @@
           <a:p>
             <a:fld id="{A3639A2A-823D-48B7-9ACE-7FAF42870BA9}" type="datetime1">
               <a:rPr lang="en-US" smtClean="0"/>
-              <a:t>10/19/2015</a:t>
+              <a:t>9/5/2016</a:t>
             </a:fld>
             <a:endParaRPr lang="en-US"/>
           </a:p>
@@ -1995,10 +1981,9 @@
           <a:lstStyle/>
           <a:p>
             <a:r>
-              <a:rPr lang="en-US" smtClean="0"/>
+              <a:rPr lang="en-US"/>
               <a:t>Click to edit Master title style</a:t>
             </a:r>
-            <a:endParaRPr lang="en-US"/>
           </a:p>
         </p:txBody>
       </p:sp>
@@ -2024,38 +2009,37 @@
           <a:p>
             <a:pPr lvl="0"/>
             <a:r>
-              <a:rPr lang="en-US" smtClean="0"/>
+              <a:rPr lang="en-US"/>
               <a:t>Click to edit Master text styles</a:t>
             </a:r>
           </a:p>
           <a:p>
             <a:pPr lvl="1"/>
             <a:r>
-              <a:rPr lang="en-US" smtClean="0"/>
+              <a:rPr lang="en-US"/>
               <a:t>Second level</a:t>
             </a:r>
           </a:p>
           <a:p>
             <a:pPr lvl="2"/>
             <a:r>
-              <a:rPr lang="en-US" smtClean="0"/>
+              <a:rPr lang="en-US"/>
               <a:t>Third level</a:t>
             </a:r>
           </a:p>
           <a:p>
             <a:pPr lvl="3"/>
             <a:r>
-              <a:rPr lang="en-US" smtClean="0"/>
+              <a:rPr lang="en-US"/>
               <a:t>Fourth level</a:t>
             </a:r>
           </a:p>
           <a:p>
             <a:pPr lvl="4"/>
             <a:r>
-              <a:rPr lang="en-US" smtClean="0"/>
+              <a:rPr lang="en-US"/>
               <a:t>Fifth level</a:t>
             </a:r>
-            <a:endParaRPr lang="en-US"/>
           </a:p>
         </p:txBody>
       </p:sp>
@@ -2076,7 +2060,7 @@
           <a:p>
             <a:fld id="{ED1B6996-82E9-463C-972C-7B56056E426C}" type="datetime1">
               <a:rPr lang="en-US" smtClean="0"/>
-              <a:t>10/19/2015</a:t>
+              <a:t>9/5/2016</a:t>
             </a:fld>
             <a:endParaRPr lang="en-US"/>
           </a:p>
@@ -2134,13 +2118,6 @@
   <p:clrMapOvr>
     <a:masterClrMapping/>
   </p:clrMapOvr>
-  <p:timing>
-    <p:tnLst>
-      <p:par>
-        <p:cTn id="1" dur="indefinite" restart="never" nodeType="tmRoot"/>
-      </p:par>
-    </p:tnLst>
-  </p:timing>
 </p:sldLayout>
 </file>
 
@@ -2183,10 +2160,9 @@
           <a:lstStyle/>
           <a:p>
             <a:r>
-              <a:rPr lang="en-US" dirty="0" smtClean="0"/>
+              <a:rPr lang="en-US" dirty="0"/>
               <a:t>Click to edit Master title style</a:t>
             </a:r>
-            <a:endParaRPr lang="en-US" dirty="0"/>
           </a:p>
         </p:txBody>
       </p:sp>
@@ -2207,38 +2183,37 @@
           <a:p>
             <a:pPr lvl="0"/>
             <a:r>
-              <a:rPr lang="en-US" smtClean="0"/>
+              <a:rPr lang="en-US"/>
               <a:t>Click to edit Master text styles</a:t>
             </a:r>
           </a:p>
           <a:p>
             <a:pPr lvl="1"/>
             <a:r>
-              <a:rPr lang="en-US" smtClean="0"/>
+              <a:rPr lang="en-US"/>
               <a:t>Second level</a:t>
             </a:r>
           </a:p>
           <a:p>
             <a:pPr lvl="2"/>
             <a:r>
-              <a:rPr lang="en-US" smtClean="0"/>
+              <a:rPr lang="en-US"/>
               <a:t>Third level</a:t>
             </a:r>
           </a:p>
           <a:p>
             <a:pPr lvl="3"/>
             <a:r>
-              <a:rPr lang="en-US" smtClean="0"/>
+              <a:rPr lang="en-US"/>
               <a:t>Fourth level</a:t>
             </a:r>
           </a:p>
           <a:p>
             <a:pPr lvl="4"/>
             <a:r>
-              <a:rPr lang="en-US" smtClean="0"/>
+              <a:rPr lang="en-US"/>
               <a:t>Fifth level</a:t>
             </a:r>
-            <a:endParaRPr lang="en-US"/>
           </a:p>
         </p:txBody>
       </p:sp>
@@ -2259,7 +2234,7 @@
           <a:p>
             <a:fld id="{E22ED4DA-448D-4BB1-B935-CC112220207B}" type="datetime1">
               <a:rPr lang="en-US" smtClean="0"/>
-              <a:t>10/19/2015</a:t>
+              <a:t>9/5/2016</a:t>
             </a:fld>
             <a:endParaRPr lang="en-US"/>
           </a:p>
@@ -2317,13 +2292,6 @@
   <p:clrMapOvr>
     <a:masterClrMapping/>
   </p:clrMapOvr>
-  <p:timing>
-    <p:tnLst>
-      <p:par>
-        <p:cTn id="1" dur="indefinite" restart="never" nodeType="tmRoot"/>
-      </p:par>
-    </p:tnLst>
-  </p:timing>
 </p:sldLayout>
 </file>
 
@@ -2360,10 +2328,9 @@
           <a:lstStyle/>
           <a:p>
             <a:r>
-              <a:rPr lang="en-US" smtClean="0"/>
+              <a:rPr lang="en-US"/>
               <a:t>Click to edit Master title style</a:t>
             </a:r>
-            <a:endParaRPr lang="en-US"/>
           </a:p>
         </p:txBody>
       </p:sp>
@@ -2389,38 +2356,37 @@
           <a:p>
             <a:pPr lvl="0"/>
             <a:r>
-              <a:rPr lang="en-US" dirty="0" smtClean="0"/>
+              <a:rPr lang="en-US" dirty="0"/>
               <a:t>Click to edit Master text styles</a:t>
             </a:r>
           </a:p>
           <a:p>
             <a:pPr lvl="1"/>
             <a:r>
-              <a:rPr lang="en-US" dirty="0" smtClean="0"/>
+              <a:rPr lang="en-US" dirty="0"/>
               <a:t>Second level</a:t>
             </a:r>
           </a:p>
           <a:p>
             <a:pPr lvl="2"/>
             <a:r>
-              <a:rPr lang="en-US" dirty="0" smtClean="0"/>
+              <a:rPr lang="en-US" dirty="0"/>
               <a:t>Third level</a:t>
             </a:r>
           </a:p>
           <a:p>
             <a:pPr lvl="3"/>
             <a:r>
-              <a:rPr lang="en-US" dirty="0" smtClean="0"/>
+              <a:rPr lang="en-US" dirty="0"/>
               <a:t>Fourth level</a:t>
             </a:r>
           </a:p>
           <a:p>
             <a:pPr lvl="4"/>
             <a:r>
-              <a:rPr lang="en-US" dirty="0" smtClean="0"/>
+              <a:rPr lang="en-US" dirty="0"/>
               <a:t>Fifth level</a:t>
             </a:r>
-            <a:endParaRPr lang="en-US" dirty="0"/>
           </a:p>
         </p:txBody>
       </p:sp>
@@ -2441,7 +2407,7 @@
           <a:p>
             <a:fld id="{E22ED4DA-448D-4BB1-B935-CC112220207B}" type="datetime1">
               <a:rPr lang="en-US" smtClean="0"/>
-              <a:t>10/19/2015</a:t>
+              <a:t>9/5/2016</a:t>
             </a:fld>
             <a:endParaRPr lang="en-US"/>
           </a:p>
@@ -2531,7 +2497,7 @@
           <a:lstStyle/>
           <a:p>
             <a:pPr algn="ctr"/>
-            <a:endParaRPr lang="en-US" dirty="0" smtClean="0">
+            <a:endParaRPr lang="en-US" dirty="0">
               <a:solidFill>
                 <a:schemeClr val="tx1"/>
               </a:solidFill>
@@ -2562,11 +2528,11 @@
           <a:lstStyle/>
           <a:p>
             <a:r>
-              <a:rPr lang="en-US" dirty="0" smtClean="0"/>
+              <a:rPr lang="en-US" dirty="0"/>
               <a:t>Resize video to this</a:t>
             </a:r>
             <a:r>
-              <a:rPr lang="en-US" baseline="0" dirty="0" smtClean="0"/>
+              <a:rPr lang="en-US" baseline="0" dirty="0"/>
               <a:t> box.</a:t>
             </a:r>
             <a:endParaRPr lang="en-US" dirty="0"/>
@@ -2583,13 +2549,6 @@
   <p:clrMapOvr>
     <a:masterClrMapping/>
   </p:clrMapOvr>
-  <p:timing>
-    <p:tnLst>
-      <p:par>
-        <p:cTn id="1" dur="indefinite" restart="never" nodeType="tmRoot"/>
-      </p:par>
-    </p:tnLst>
-  </p:timing>
 </p:sldLayout>
 </file>
 
@@ -2626,10 +2585,9 @@
           <a:lstStyle/>
           <a:p>
             <a:r>
-              <a:rPr lang="en-US" smtClean="0"/>
+              <a:rPr lang="en-US"/>
               <a:t>Click to edit Master title style</a:t>
             </a:r>
-            <a:endParaRPr lang="en-US"/>
           </a:p>
         </p:txBody>
       </p:sp>
@@ -2658,38 +2616,37 @@
           <a:p>
             <a:pPr lvl="0"/>
             <a:r>
-              <a:rPr lang="en-US" dirty="0" smtClean="0"/>
+              <a:rPr lang="en-US" dirty="0"/>
               <a:t>Click to edit Master text styles</a:t>
             </a:r>
           </a:p>
           <a:p>
             <a:pPr lvl="1"/>
             <a:r>
-              <a:rPr lang="en-US" dirty="0" smtClean="0"/>
+              <a:rPr lang="en-US" dirty="0"/>
               <a:t>Second level</a:t>
             </a:r>
           </a:p>
           <a:p>
             <a:pPr lvl="2"/>
             <a:r>
-              <a:rPr lang="en-US" dirty="0" smtClean="0"/>
+              <a:rPr lang="en-US" dirty="0"/>
               <a:t>Third level</a:t>
             </a:r>
           </a:p>
           <a:p>
             <a:pPr lvl="3"/>
             <a:r>
-              <a:rPr lang="en-US" dirty="0" smtClean="0"/>
+              <a:rPr lang="en-US" dirty="0"/>
               <a:t>Fourth level</a:t>
             </a:r>
           </a:p>
           <a:p>
             <a:pPr lvl="4"/>
             <a:r>
-              <a:rPr lang="en-US" dirty="0" smtClean="0"/>
+              <a:rPr lang="en-US" dirty="0"/>
               <a:t>Fifth level</a:t>
             </a:r>
-            <a:endParaRPr lang="en-US" dirty="0"/>
           </a:p>
         </p:txBody>
       </p:sp>
@@ -2710,7 +2667,7 @@
           <a:p>
             <a:fld id="{FF5D65A6-AB94-4435-B0B7-3743215FA46C}" type="datetime1">
               <a:rPr lang="en-US" smtClean="0"/>
-              <a:t>10/19/2015</a:t>
+              <a:t>9/5/2016</a:t>
             </a:fld>
             <a:endParaRPr lang="en-US"/>
           </a:p>
@@ -2768,13 +2725,6 @@
   <p:clrMapOvr>
     <a:masterClrMapping/>
   </p:clrMapOvr>
-  <p:timing>
-    <p:tnLst>
-      <p:par>
-        <p:cTn id="1" dur="indefinite" restart="never" nodeType="tmRoot"/>
-      </p:par>
-    </p:tnLst>
-  </p:timing>
 </p:sldLayout>
 </file>
 
@@ -2811,10 +2761,9 @@
           <a:lstStyle/>
           <a:p>
             <a:r>
-              <a:rPr lang="en-US" smtClean="0"/>
+              <a:rPr lang="en-US"/>
               <a:t>Click to edit Master title style</a:t>
             </a:r>
-            <a:endParaRPr lang="en-US"/>
           </a:p>
         </p:txBody>
       </p:sp>
@@ -2843,38 +2792,37 @@
           <a:p>
             <a:pPr lvl="0"/>
             <a:r>
-              <a:rPr lang="en-US" dirty="0" smtClean="0"/>
+              <a:rPr lang="en-US" dirty="0"/>
               <a:t>Click to edit Master text styles</a:t>
             </a:r>
           </a:p>
           <a:p>
             <a:pPr lvl="1"/>
             <a:r>
-              <a:rPr lang="en-US" dirty="0" smtClean="0"/>
+              <a:rPr lang="en-US" dirty="0"/>
               <a:t>Second level</a:t>
             </a:r>
           </a:p>
           <a:p>
             <a:pPr lvl="2"/>
             <a:r>
-              <a:rPr lang="en-US" dirty="0" smtClean="0"/>
+              <a:rPr lang="en-US" dirty="0"/>
               <a:t>Third level</a:t>
             </a:r>
           </a:p>
           <a:p>
             <a:pPr lvl="3"/>
             <a:r>
-              <a:rPr lang="en-US" dirty="0" smtClean="0"/>
+              <a:rPr lang="en-US" dirty="0"/>
               <a:t>Fourth level</a:t>
             </a:r>
           </a:p>
           <a:p>
             <a:pPr lvl="4"/>
             <a:r>
-              <a:rPr lang="en-US" dirty="0" smtClean="0"/>
+              <a:rPr lang="en-US" dirty="0"/>
               <a:t>Fifth level</a:t>
             </a:r>
-            <a:endParaRPr lang="en-US" dirty="0"/>
           </a:p>
         </p:txBody>
       </p:sp>
@@ -2895,7 +2843,7 @@
           <a:p>
             <a:fld id="{FF5D65A6-AB94-4435-B0B7-3743215FA46C}" type="datetime1">
               <a:rPr lang="en-US" smtClean="0"/>
-              <a:t>10/19/2015</a:t>
+              <a:t>9/5/2016</a:t>
             </a:fld>
             <a:endParaRPr lang="en-US"/>
           </a:p>
@@ -3002,13 +2950,6 @@
   <p:clrMapOvr>
     <a:masterClrMapping/>
   </p:clrMapOvr>
-  <p:timing>
-    <p:tnLst>
-      <p:par>
-        <p:cTn id="1" dur="indefinite" restart="never" nodeType="tmRoot"/>
-      </p:par>
-    </p:tnLst>
-  </p:timing>
 </p:sldLayout>
 </file>
 
@@ -3054,10 +2995,9 @@
           </a:lstStyle>
           <a:p>
             <a:r>
-              <a:rPr lang="en-US" smtClean="0"/>
+              <a:rPr lang="en-US"/>
               <a:t>Click to edit Master title style</a:t>
             </a:r>
-            <a:endParaRPr lang="en-US"/>
           </a:p>
         </p:txBody>
       </p:sp>
@@ -3174,7 +3114,7 @@
           <a:p>
             <a:pPr lvl="0"/>
             <a:r>
-              <a:rPr lang="en-US" smtClean="0"/>
+              <a:rPr lang="en-US"/>
               <a:t>Click to edit Master text styles</a:t>
             </a:r>
           </a:p>
@@ -3197,7 +3137,7 @@
           <a:p>
             <a:fld id="{7C193DC4-6EF0-48C9-B29C-616106A645E1}" type="datetime1">
               <a:rPr lang="en-US" smtClean="0"/>
-              <a:t>10/19/2015</a:t>
+              <a:t>9/5/2016</a:t>
             </a:fld>
             <a:endParaRPr lang="en-US"/>
           </a:p>
@@ -3291,10 +3231,9 @@
           <a:lstStyle/>
           <a:p>
             <a:r>
-              <a:rPr lang="en-US" smtClean="0"/>
+              <a:rPr lang="en-US"/>
               <a:t>Click to edit Master title style</a:t>
             </a:r>
-            <a:endParaRPr lang="en-US"/>
           </a:p>
         </p:txBody>
       </p:sp>
@@ -3348,38 +3287,37 @@
           <a:p>
             <a:pPr lvl="0"/>
             <a:r>
-              <a:rPr lang="en-US" smtClean="0"/>
+              <a:rPr lang="en-US"/>
               <a:t>Click to edit Master text styles</a:t>
             </a:r>
           </a:p>
           <a:p>
             <a:pPr lvl="1"/>
             <a:r>
-              <a:rPr lang="en-US" smtClean="0"/>
+              <a:rPr lang="en-US"/>
               <a:t>Second level</a:t>
             </a:r>
           </a:p>
           <a:p>
             <a:pPr lvl="2"/>
             <a:r>
-              <a:rPr lang="en-US" smtClean="0"/>
+              <a:rPr lang="en-US"/>
               <a:t>Third level</a:t>
             </a:r>
           </a:p>
           <a:p>
             <a:pPr lvl="3"/>
             <a:r>
-              <a:rPr lang="en-US" smtClean="0"/>
+              <a:rPr lang="en-US"/>
               <a:t>Fourth level</a:t>
             </a:r>
           </a:p>
           <a:p>
             <a:pPr lvl="4"/>
             <a:r>
-              <a:rPr lang="en-US" smtClean="0"/>
+              <a:rPr lang="en-US"/>
               <a:t>Fifth level</a:t>
             </a:r>
-            <a:endParaRPr lang="en-US"/>
           </a:p>
         </p:txBody>
       </p:sp>
@@ -3433,38 +3371,37 @@
           <a:p>
             <a:pPr lvl="0"/>
             <a:r>
-              <a:rPr lang="en-US" smtClean="0"/>
+              <a:rPr lang="en-US"/>
               <a:t>Click to edit Master text styles</a:t>
             </a:r>
           </a:p>
           <a:p>
             <a:pPr lvl="1"/>
             <a:r>
-              <a:rPr lang="en-US" smtClean="0"/>
+              <a:rPr lang="en-US"/>
               <a:t>Second level</a:t>
             </a:r>
           </a:p>
           <a:p>
             <a:pPr lvl="2"/>
             <a:r>
-              <a:rPr lang="en-US" smtClean="0"/>
+              <a:rPr lang="en-US"/>
               <a:t>Third level</a:t>
             </a:r>
           </a:p>
           <a:p>
             <a:pPr lvl="3"/>
             <a:r>
-              <a:rPr lang="en-US" smtClean="0"/>
+              <a:rPr lang="en-US"/>
               <a:t>Fourth level</a:t>
             </a:r>
           </a:p>
           <a:p>
             <a:pPr lvl="4"/>
             <a:r>
-              <a:rPr lang="en-US" smtClean="0"/>
+              <a:rPr lang="en-US"/>
               <a:t>Fifth level</a:t>
             </a:r>
-            <a:endParaRPr lang="en-US"/>
           </a:p>
         </p:txBody>
       </p:sp>
@@ -3485,7 +3422,7 @@
           <a:p>
             <a:fld id="{5D1846AD-9252-4647-9435-4C2AC365653A}" type="datetime1">
               <a:rPr lang="en-US" smtClean="0"/>
-              <a:t>10/19/2015</a:t>
+              <a:t>9/5/2016</a:t>
             </a:fld>
             <a:endParaRPr lang="en-US"/>
           </a:p>
@@ -3583,10 +3520,9 @@
           </a:lstStyle>
           <a:p>
             <a:r>
-              <a:rPr lang="en-US" smtClean="0"/>
+              <a:rPr lang="en-US"/>
               <a:t>Click to edit Master title style</a:t>
             </a:r>
-            <a:endParaRPr lang="en-US"/>
           </a:p>
         </p:txBody>
       </p:sp>
@@ -3649,7 +3585,7 @@
           <a:p>
             <a:pPr lvl="0"/>
             <a:r>
-              <a:rPr lang="en-US" smtClean="0"/>
+              <a:rPr lang="en-US"/>
               <a:t>Click to edit Master text styles</a:t>
             </a:r>
           </a:p>
@@ -3705,38 +3641,37 @@
           <a:p>
             <a:pPr lvl="0"/>
             <a:r>
-              <a:rPr lang="en-US" smtClean="0"/>
+              <a:rPr lang="en-US"/>
               <a:t>Click to edit Master text styles</a:t>
             </a:r>
           </a:p>
           <a:p>
             <a:pPr lvl="1"/>
             <a:r>
-              <a:rPr lang="en-US" smtClean="0"/>
+              <a:rPr lang="en-US"/>
               <a:t>Second level</a:t>
             </a:r>
           </a:p>
           <a:p>
             <a:pPr lvl="2"/>
             <a:r>
-              <a:rPr lang="en-US" smtClean="0"/>
+              <a:rPr lang="en-US"/>
               <a:t>Third level</a:t>
             </a:r>
           </a:p>
           <a:p>
             <a:pPr lvl="3"/>
             <a:r>
-              <a:rPr lang="en-US" smtClean="0"/>
+              <a:rPr lang="en-US"/>
               <a:t>Fourth level</a:t>
             </a:r>
           </a:p>
           <a:p>
             <a:pPr lvl="4"/>
             <a:r>
-              <a:rPr lang="en-US" smtClean="0"/>
+              <a:rPr lang="en-US"/>
               <a:t>Fifth level</a:t>
             </a:r>
-            <a:endParaRPr lang="en-US"/>
           </a:p>
         </p:txBody>
       </p:sp>
@@ -3799,7 +3734,7 @@
           <a:p>
             <a:pPr lvl="0"/>
             <a:r>
-              <a:rPr lang="en-US" smtClean="0"/>
+              <a:rPr lang="en-US"/>
               <a:t>Click to edit Master text styles</a:t>
             </a:r>
           </a:p>
@@ -3855,38 +3790,37 @@
           <a:p>
             <a:pPr lvl="0"/>
             <a:r>
-              <a:rPr lang="en-US" smtClean="0"/>
+              <a:rPr lang="en-US"/>
               <a:t>Click to edit Master text styles</a:t>
             </a:r>
           </a:p>
           <a:p>
             <a:pPr lvl="1"/>
             <a:r>
-              <a:rPr lang="en-US" smtClean="0"/>
+              <a:rPr lang="en-US"/>
               <a:t>Second level</a:t>
             </a:r>
           </a:p>
           <a:p>
             <a:pPr lvl="2"/>
             <a:r>
-              <a:rPr lang="en-US" smtClean="0"/>
+              <a:rPr lang="en-US"/>
               <a:t>Third level</a:t>
             </a:r>
           </a:p>
           <a:p>
             <a:pPr lvl="3"/>
             <a:r>
-              <a:rPr lang="en-US" smtClean="0"/>
+              <a:rPr lang="en-US"/>
               <a:t>Fourth level</a:t>
             </a:r>
           </a:p>
           <a:p>
             <a:pPr lvl="4"/>
             <a:r>
-              <a:rPr lang="en-US" smtClean="0"/>
+              <a:rPr lang="en-US"/>
               <a:t>Fifth level</a:t>
             </a:r>
-            <a:endParaRPr lang="en-US"/>
           </a:p>
         </p:txBody>
       </p:sp>
@@ -3907,7 +3841,7 @@
           <a:p>
             <a:fld id="{CE56DC10-3561-4063-A6AF-C1CC7A41040A}" type="datetime1">
               <a:rPr lang="en-US" smtClean="0"/>
-              <a:t>10/19/2015</a:t>
+              <a:t>9/5/2016</a:t>
             </a:fld>
             <a:endParaRPr lang="en-US"/>
           </a:p>
@@ -4001,10 +3935,9 @@
           <a:lstStyle/>
           <a:p>
             <a:r>
-              <a:rPr lang="en-US" smtClean="0"/>
+              <a:rPr lang="en-US"/>
               <a:t>Click to edit Master title style</a:t>
             </a:r>
-            <a:endParaRPr lang="en-US"/>
           </a:p>
         </p:txBody>
       </p:sp>
@@ -4025,7 +3958,7 @@
           <a:p>
             <a:fld id="{2F7B77F5-1464-4F6B-92A8-64FC8A508293}" type="datetime1">
               <a:rPr lang="en-US" smtClean="0"/>
-              <a:t>10/19/2015</a:t>
+              <a:t>9/5/2016</a:t>
             </a:fld>
             <a:endParaRPr lang="en-US"/>
           </a:p>
@@ -4083,13 +4016,6 @@
   <p:clrMapOvr>
     <a:masterClrMapping/>
   </p:clrMapOvr>
-  <p:timing>
-    <p:tnLst>
-      <p:par>
-        <p:cTn id="1" dur="indefinite" restart="never" nodeType="tmRoot"/>
-      </p:par>
-    </p:tnLst>
-  </p:timing>
 </p:sldLayout>
 </file>
 
@@ -4153,10 +4079,9 @@
           <a:lstStyle/>
           <a:p>
             <a:r>
-              <a:rPr lang="en-US" smtClean="0"/>
+              <a:rPr lang="en-US"/>
               <a:t>Click to edit Master title style</a:t>
             </a:r>
-            <a:endParaRPr lang="en-US"/>
           </a:p>
         </p:txBody>
       </p:sp>
@@ -4187,38 +4112,37 @@
           <a:p>
             <a:pPr lvl="0"/>
             <a:r>
-              <a:rPr lang="en-US" smtClean="0"/>
+              <a:rPr lang="en-US"/>
               <a:t>Click to edit Master text styles</a:t>
             </a:r>
           </a:p>
           <a:p>
             <a:pPr lvl="1"/>
             <a:r>
-              <a:rPr lang="en-US" smtClean="0"/>
+              <a:rPr lang="en-US"/>
               <a:t>Second level</a:t>
             </a:r>
           </a:p>
           <a:p>
             <a:pPr lvl="2"/>
             <a:r>
-              <a:rPr lang="en-US" smtClean="0"/>
+              <a:rPr lang="en-US"/>
               <a:t>Third level</a:t>
             </a:r>
           </a:p>
           <a:p>
             <a:pPr lvl="3"/>
             <a:r>
-              <a:rPr lang="en-US" smtClean="0"/>
+              <a:rPr lang="en-US"/>
               <a:t>Fourth level</a:t>
             </a:r>
           </a:p>
           <a:p>
             <a:pPr lvl="4"/>
             <a:r>
-              <a:rPr lang="en-US" smtClean="0"/>
+              <a:rPr lang="en-US"/>
               <a:t>Fifth level</a:t>
             </a:r>
-            <a:endParaRPr lang="en-US"/>
           </a:p>
         </p:txBody>
       </p:sp>
@@ -4257,7 +4181,7 @@
           <a:p>
             <a:fld id="{02B3F677-983B-48DB-ADFD-63FE6CBC7FB2}" type="datetime1">
               <a:rPr lang="en-US" smtClean="0"/>
-              <a:t>10/19/2015</a:t>
+              <a:t>9/5/2016</a:t>
             </a:fld>
             <a:endParaRPr lang="en-US"/>
           </a:p>
@@ -4365,13 +4289,6 @@
     <p:sldLayoutId id="2147483673" r:id="rId13"/>
     <p:sldLayoutId id="2147483674" r:id="rId14"/>
   </p:sldLayoutIdLst>
-  <p:timing>
-    <p:tnLst>
-      <p:par>
-        <p:cTn id="1" dur="indefinite" restart="never" nodeType="tmRoot"/>
-      </p:par>
-    </p:tnLst>
-  </p:timing>
   <p:hf hdr="0" ftr="0" dt="0"/>
   <p:txStyles>
     <p:titleStyle>
@@ -4659,10 +4576,9 @@
           <a:lstStyle/>
           <a:p>
             <a:r>
-              <a:rPr lang="en-US" dirty="0" smtClean="0"/>
+              <a:rPr lang="en-US" dirty="0"/>
               <a:t>Trees</a:t>
             </a:r>
-            <a:endParaRPr lang="en-US" dirty="0"/>
           </a:p>
         </p:txBody>
       </p:sp>
@@ -4682,21 +4598,21 @@
           <a:lstStyle/>
           <a:p>
             <a:r>
-              <a:rPr lang="en-US" dirty="0" smtClean="0"/>
+              <a:rPr lang="en-US" dirty="0"/>
               <a:t>CS 5010 Program Design Paradigms “</a:t>
             </a:r>
             <a:r>
-              <a:rPr lang="en-US" dirty="0" err="1" smtClean="0"/>
+              <a:rPr lang="en-US" dirty="0" err="1"/>
               <a:t>Bootcamp</a:t>
             </a:r>
             <a:r>
-              <a:rPr lang="en-US" dirty="0" smtClean="0"/>
+              <a:rPr lang="en-US" dirty="0"/>
               <a:t>”</a:t>
             </a:r>
           </a:p>
           <a:p>
             <a:r>
-              <a:rPr lang="en-US" dirty="0" smtClean="0"/>
+              <a:rPr lang="en-US" dirty="0"/>
               <a:t>Lesson 6.2</a:t>
             </a:r>
           </a:p>
@@ -4796,27 +4712,13 @@
             <a:p>
               <a:r>
                 <a:rPr lang="en-US" sz="1000" dirty="0"/>
-                <a:t>© Mitchell Wand, </a:t>
-              </a:r>
-              <a:r>
-                <a:rPr lang="en-US" sz="1000" dirty="0" smtClean="0"/>
-                <a:t>2012-2014</a:t>
+                <a:t>© Mitchell Wand, 2012-2014</a:t>
               </a:r>
             </a:p>
             <a:p>
               <a:r>
-                <a:rPr lang="en-US" sz="1000" dirty="0" smtClean="0"/>
+                <a:rPr lang="en-US" sz="1000" dirty="0"/>
                 <a:t>This work is licensed under a </a:t>
-              </a:r>
-              <a:r>
-                <a:rPr lang="en-US" altLang="en-US" sz="1000" dirty="0" smtClean="0">
-                  <a:solidFill>
-                    <a:srgbClr val="4374B7"/>
-                  </a:solidFill>
-                  <a:latin typeface="Helvetica Neue"/>
-                  <a:hlinkClick r:id="rId4"/>
-                </a:rPr>
-                <a:t>Creative </a:t>
               </a:r>
               <a:r>
                 <a:rPr lang="en-US" altLang="en-US" sz="1000" dirty="0">
@@ -4826,7 +4728,7 @@
                   <a:latin typeface="Helvetica Neue"/>
                   <a:hlinkClick r:id="rId4"/>
                 </a:rPr>
-                <a:t>Commons Attribution-</a:t>
+                <a:t>Creative Commons Attribution-</a:t>
               </a:r>
               <a:r>
                 <a:rPr lang="en-US" altLang="en-US" sz="1000" dirty="0" err="1">
@@ -4849,10 +4751,9 @@
                 <a:t> 4.0 International License</a:t>
               </a:r>
               <a:r>
-                <a:rPr lang="en-US" sz="1000" dirty="0" smtClean="0"/>
+                <a:rPr lang="en-US" sz="1000" dirty="0"/>
                 <a:t>.</a:t>
               </a:r>
-              <a:endParaRPr lang="en-US" sz="1000" dirty="0"/>
             </a:p>
           </p:txBody>
         </p:sp>
@@ -4867,13 +4768,6 @@
   <p:clrMapOvr>
     <a:masterClrMapping/>
   </p:clrMapOvr>
-  <p:timing>
-    <p:tnLst>
-      <p:par>
-        <p:cTn id="1" dur="indefinite" restart="never" nodeType="tmRoot"/>
-      </p:par>
-    </p:tnLst>
-  </p:timing>
 </p:sld>
 </file>
 
@@ -4910,10 +4804,9 @@
           <a:lstStyle/>
           <a:p>
             <a:r>
-              <a:rPr lang="en-US" dirty="0" smtClean="0"/>
-              <a:t>leaf-min</a:t>
-            </a:r>
-            <a:endParaRPr lang="en-US" dirty="0"/>
+              <a:rPr lang="en-US" dirty="0"/>
+              <a:t>leaf-max</a:t>
+            </a:r>
           </a:p>
         </p:txBody>
       </p:sp>
@@ -4938,17 +4831,17 @@
               <a:buNone/>
             </a:pPr>
             <a:r>
-              <a:rPr lang="en-US" sz="2400" b="1" dirty="0" smtClean="0">
+              <a:rPr lang="en-US" sz="2400" b="1" dirty="0">
                 <a:solidFill>
                   <a:srgbClr val="FF0000"/>
                 </a:solidFill>
                 <a:latin typeface="Consolas" pitchFamily="49" charset="0"/>
                 <a:cs typeface="Consolas" pitchFamily="49" charset="0"/>
               </a:rPr>
-              <a:t>leaf-min</a:t>
-            </a:r>
-            <a:r>
-              <a:rPr lang="en-US" sz="2400" b="1" dirty="0" smtClean="0">
+              <a:t>leaf-max</a:t>
+            </a:r>
+            <a:r>
+              <a:rPr lang="en-US" sz="2400" b="1" dirty="0">
                 <a:latin typeface="Consolas" pitchFamily="49" charset="0"/>
                 <a:cs typeface="Consolas" pitchFamily="49" charset="0"/>
               </a:rPr>
@@ -4960,24 +4853,24 @@
               <a:buNone/>
             </a:pPr>
             <a:r>
-              <a:rPr lang="en-US" sz="2400" b="1" dirty="0" smtClean="0">
+              <a:rPr lang="en-US" sz="2400" b="1" dirty="0">
                 <a:latin typeface="Consolas" pitchFamily="49" charset="0"/>
                 <a:cs typeface="Consolas" pitchFamily="49" charset="0"/>
               </a:rPr>
               <a:t>(define (</a:t>
             </a:r>
             <a:r>
-              <a:rPr lang="en-US" sz="2400" b="1" dirty="0" smtClean="0">
+              <a:rPr lang="en-US" sz="2400" b="1" dirty="0">
                 <a:solidFill>
                   <a:srgbClr val="FF0000"/>
                 </a:solidFill>
                 <a:latin typeface="Consolas" pitchFamily="49" charset="0"/>
                 <a:cs typeface="Consolas" pitchFamily="49" charset="0"/>
               </a:rPr>
-              <a:t>leaf-min</a:t>
-            </a:r>
-            <a:r>
-              <a:rPr lang="en-US" sz="2400" b="1" dirty="0" smtClean="0">
+              <a:t>leaf-max</a:t>
+            </a:r>
+            <a:r>
+              <a:rPr lang="en-US" sz="2400" b="1" dirty="0">
                 <a:latin typeface="Consolas" pitchFamily="49" charset="0"/>
                 <a:cs typeface="Consolas" pitchFamily="49" charset="0"/>
               </a:rPr>
@@ -4989,147 +4882,143 @@
               <a:buNone/>
             </a:pPr>
             <a:r>
-              <a:rPr lang="en-US" sz="2400" b="1" dirty="0" smtClean="0">
+              <a:rPr lang="en-US" sz="2400" b="1" dirty="0">
                 <a:latin typeface="Consolas" pitchFamily="49" charset="0"/>
                 <a:cs typeface="Consolas" pitchFamily="49" charset="0"/>
               </a:rPr>
               <a:t>  (</a:t>
             </a:r>
             <a:r>
-              <a:rPr lang="en-US" sz="2400" b="1" dirty="0" err="1" smtClean="0">
+              <a:rPr lang="en-US" sz="2400" b="1" dirty="0" err="1">
                 <a:latin typeface="Consolas" pitchFamily="49" charset="0"/>
                 <a:cs typeface="Consolas" pitchFamily="49" charset="0"/>
               </a:rPr>
               <a:t>cond</a:t>
-            </a:r>
-            <a:endParaRPr lang="en-US" sz="2400" b="1" dirty="0" smtClean="0">
-              <a:latin typeface="Consolas" pitchFamily="49" charset="0"/>
-              <a:cs typeface="Consolas" pitchFamily="49" charset="0"/>
-            </a:endParaRPr>
-          </a:p>
-          <a:p>
-            <a:pPr>
-              <a:buNone/>
-            </a:pPr>
-            <a:r>
-              <a:rPr lang="en-US" sz="2400" b="1" dirty="0" smtClean="0">
-                <a:latin typeface="Consolas" pitchFamily="49" charset="0"/>
-                <a:cs typeface="Consolas" pitchFamily="49" charset="0"/>
-              </a:rPr>
-              <a:t>    [(leaf? t) (leaf-datum t)]</a:t>
-            </a:r>
-          </a:p>
-          <a:p>
-            <a:pPr>
-              <a:buNone/>
-            </a:pPr>
-            <a:r>
-              <a:rPr lang="en-US" sz="2400" b="1" dirty="0" smtClean="0">
-                <a:latin typeface="Consolas" pitchFamily="49" charset="0"/>
-                <a:cs typeface="Consolas" pitchFamily="49" charset="0"/>
-              </a:rPr>
-              <a:t>    [else (</a:t>
-            </a:r>
-            <a:r>
-              <a:rPr lang="en-US" sz="2400" b="1" dirty="0" smtClean="0">
-                <a:solidFill>
-                  <a:srgbClr val="FF0000"/>
-                </a:solidFill>
-                <a:latin typeface="Consolas" pitchFamily="49" charset="0"/>
-                <a:cs typeface="Consolas" pitchFamily="49" charset="0"/>
-              </a:rPr>
-              <a:t>min</a:t>
-            </a:r>
-          </a:p>
-          <a:p>
-            <a:pPr>
-              <a:buNone/>
-            </a:pPr>
-            <a:r>
-              <a:rPr lang="en-US" sz="2400" b="1" dirty="0" smtClean="0">
-                <a:latin typeface="Consolas" pitchFamily="49" charset="0"/>
-                <a:cs typeface="Consolas" pitchFamily="49" charset="0"/>
-              </a:rPr>
-              <a:t>            (</a:t>
-            </a:r>
-            <a:r>
-              <a:rPr lang="en-US" sz="2400" b="1" dirty="0" smtClean="0">
-                <a:solidFill>
-                  <a:srgbClr val="FF0000"/>
-                </a:solidFill>
-                <a:latin typeface="Consolas" pitchFamily="49" charset="0"/>
-                <a:cs typeface="Consolas" pitchFamily="49" charset="0"/>
-              </a:rPr>
-              <a:t>leaf-min</a:t>
-            </a:r>
-            <a:r>
-              <a:rPr lang="en-US" sz="2400" b="1" dirty="0" smtClean="0">
-                <a:latin typeface="Consolas" pitchFamily="49" charset="0"/>
-                <a:cs typeface="Consolas" pitchFamily="49" charset="0"/>
-              </a:rPr>
-              <a:t> (node-</a:t>
-            </a:r>
-            <a:r>
-              <a:rPr lang="en-US" sz="2400" b="1" dirty="0" err="1" smtClean="0">
-                <a:latin typeface="Consolas" pitchFamily="49" charset="0"/>
-                <a:cs typeface="Consolas" pitchFamily="49" charset="0"/>
-              </a:rPr>
-              <a:t>lson</a:t>
-            </a:r>
-            <a:r>
-              <a:rPr lang="en-US" sz="2400" b="1" dirty="0" smtClean="0">
-                <a:latin typeface="Consolas" pitchFamily="49" charset="0"/>
-                <a:cs typeface="Consolas" pitchFamily="49" charset="0"/>
-              </a:rPr>
-              <a:t> t))</a:t>
-            </a:r>
-          </a:p>
-          <a:p>
-            <a:pPr>
-              <a:buNone/>
-            </a:pPr>
-            <a:r>
-              <a:rPr lang="en-US" sz="2400" b="1" dirty="0" smtClean="0">
-                <a:latin typeface="Consolas" pitchFamily="49" charset="0"/>
-                <a:cs typeface="Consolas" pitchFamily="49" charset="0"/>
-              </a:rPr>
-              <a:t>            (</a:t>
-            </a:r>
-            <a:r>
-              <a:rPr lang="en-US" sz="2400" b="1" dirty="0" smtClean="0">
-                <a:solidFill>
-                  <a:srgbClr val="FF0000"/>
-                </a:solidFill>
-                <a:latin typeface="Consolas" pitchFamily="49" charset="0"/>
-                <a:cs typeface="Consolas" pitchFamily="49" charset="0"/>
-              </a:rPr>
-              <a:t>leaf-min</a:t>
-            </a:r>
-            <a:r>
-              <a:rPr lang="en-US" sz="2400" b="1" dirty="0" smtClean="0">
-                <a:latin typeface="Consolas" pitchFamily="49" charset="0"/>
-                <a:cs typeface="Consolas" pitchFamily="49" charset="0"/>
-              </a:rPr>
-              <a:t> (node-</a:t>
-            </a:r>
-            <a:r>
-              <a:rPr lang="en-US" sz="2400" b="1" dirty="0" err="1" smtClean="0">
-                <a:latin typeface="Consolas" pitchFamily="49" charset="0"/>
-                <a:cs typeface="Consolas" pitchFamily="49" charset="0"/>
-              </a:rPr>
-              <a:t>rson</a:t>
-            </a:r>
-            <a:r>
-              <a:rPr lang="en-US" sz="2400" b="1" dirty="0" smtClean="0">
-                <a:latin typeface="Consolas" pitchFamily="49" charset="0"/>
-                <a:cs typeface="Consolas" pitchFamily="49" charset="0"/>
-              </a:rPr>
-              <a:t> t)))]))</a:t>
             </a:r>
             <a:endParaRPr lang="en-US" sz="2400" b="1" dirty="0">
               <a:latin typeface="Consolas" pitchFamily="49" charset="0"/>
               <a:cs typeface="Consolas" pitchFamily="49" charset="0"/>
             </a:endParaRPr>
+          </a:p>
+          <a:p>
+            <a:pPr>
+              <a:buNone/>
+            </a:pPr>
+            <a:r>
+              <a:rPr lang="en-US" sz="2400" b="1" dirty="0">
+                <a:latin typeface="Consolas" pitchFamily="49" charset="0"/>
+                <a:cs typeface="Consolas" pitchFamily="49" charset="0"/>
+              </a:rPr>
+              <a:t>    [(leaf? t) (leaf-datum t)]</a:t>
+            </a:r>
+          </a:p>
+          <a:p>
+            <a:pPr>
+              <a:buNone/>
+            </a:pPr>
+            <a:r>
+              <a:rPr lang="en-US" sz="2400" b="1" dirty="0">
+                <a:latin typeface="Consolas" pitchFamily="49" charset="0"/>
+                <a:cs typeface="Consolas" pitchFamily="49" charset="0"/>
+              </a:rPr>
+              <a:t>    [else (</a:t>
+            </a:r>
+            <a:r>
+              <a:rPr lang="en-US" sz="2400" b="1" dirty="0">
+                <a:solidFill>
+                  <a:srgbClr val="FF0000"/>
+                </a:solidFill>
+                <a:latin typeface="Consolas" pitchFamily="49" charset="0"/>
+                <a:cs typeface="Consolas" pitchFamily="49" charset="0"/>
+              </a:rPr>
+              <a:t>max</a:t>
+            </a:r>
+          </a:p>
+          <a:p>
+            <a:pPr>
+              <a:buNone/>
+            </a:pPr>
+            <a:r>
+              <a:rPr lang="en-US" sz="2400" b="1" dirty="0">
+                <a:latin typeface="Consolas" pitchFamily="49" charset="0"/>
+                <a:cs typeface="Consolas" pitchFamily="49" charset="0"/>
+              </a:rPr>
+              <a:t>            (</a:t>
+            </a:r>
+            <a:r>
+              <a:rPr lang="en-US" sz="2400" b="1" dirty="0">
+                <a:solidFill>
+                  <a:srgbClr val="FF0000"/>
+                </a:solidFill>
+                <a:latin typeface="Consolas" pitchFamily="49" charset="0"/>
+                <a:cs typeface="Consolas" pitchFamily="49" charset="0"/>
+              </a:rPr>
+              <a:t>leaf-max</a:t>
+            </a:r>
+            <a:r>
+              <a:rPr lang="en-US" sz="2400" b="1" dirty="0">
+                <a:latin typeface="Consolas" pitchFamily="49" charset="0"/>
+                <a:cs typeface="Consolas" pitchFamily="49" charset="0"/>
+              </a:rPr>
+              <a:t> (node-</a:t>
+            </a:r>
+            <a:r>
+              <a:rPr lang="en-US" sz="2400" b="1" dirty="0" err="1">
+                <a:latin typeface="Consolas" pitchFamily="49" charset="0"/>
+                <a:cs typeface="Consolas" pitchFamily="49" charset="0"/>
+              </a:rPr>
+              <a:t>lson</a:t>
+            </a:r>
+            <a:r>
+              <a:rPr lang="en-US" sz="2400" b="1" dirty="0">
+                <a:latin typeface="Consolas" pitchFamily="49" charset="0"/>
+                <a:cs typeface="Consolas" pitchFamily="49" charset="0"/>
+              </a:rPr>
+              <a:t> t))</a:t>
+            </a:r>
+          </a:p>
+          <a:p>
+            <a:pPr>
+              <a:buNone/>
+            </a:pPr>
+            <a:r>
+              <a:rPr lang="en-US" sz="2400" b="1" dirty="0">
+                <a:latin typeface="Consolas" pitchFamily="49" charset="0"/>
+                <a:cs typeface="Consolas" pitchFamily="49" charset="0"/>
+              </a:rPr>
+              <a:t>            (</a:t>
+            </a:r>
+            <a:r>
+              <a:rPr lang="en-US" sz="2400" b="1" dirty="0">
+                <a:solidFill>
+                  <a:srgbClr val="FF0000"/>
+                </a:solidFill>
+                <a:latin typeface="Consolas" pitchFamily="49" charset="0"/>
+                <a:cs typeface="Consolas" pitchFamily="49" charset="0"/>
+              </a:rPr>
+              <a:t>leaf-max</a:t>
+            </a:r>
+            <a:r>
+              <a:rPr lang="en-US" sz="2400" b="1" dirty="0">
+                <a:latin typeface="Consolas" pitchFamily="49" charset="0"/>
+                <a:cs typeface="Consolas" pitchFamily="49" charset="0"/>
+              </a:rPr>
+              <a:t> (node-</a:t>
+            </a:r>
+            <a:r>
+              <a:rPr lang="en-US" sz="2400" b="1" dirty="0" err="1">
+                <a:latin typeface="Consolas" pitchFamily="49" charset="0"/>
+                <a:cs typeface="Consolas" pitchFamily="49" charset="0"/>
+              </a:rPr>
+              <a:t>rson</a:t>
+            </a:r>
+            <a:r>
+              <a:rPr lang="en-US" sz="2400" b="1" dirty="0">
+                <a:latin typeface="Consolas" pitchFamily="49" charset="0"/>
+                <a:cs typeface="Consolas" pitchFamily="49" charset="0"/>
+              </a:rPr>
+              <a:t> t)))]))</a:t>
+            </a:r>
           </a:p>
         </p:txBody>
       </p:sp>
@@ -5206,7 +5095,7 @@
             <a:p>
               <a:pPr algn="ctr"/>
               <a:r>
-                <a:rPr lang="en-US" dirty="0" smtClean="0">
+                <a:rPr lang="en-US" dirty="0">
                   <a:solidFill>
                     <a:schemeClr val="tx1"/>
                   </a:solidFill>
@@ -5349,7 +5238,716 @@
             <a:p>
               <a:pPr algn="ctr"/>
               <a:r>
-                <a:rPr lang="en-US" dirty="0" smtClean="0">
+                <a:rPr lang="en-US" dirty="0">
+                  <a:solidFill>
+                    <a:schemeClr val="tx1"/>
+                  </a:solidFill>
+                </a:rPr>
+                <a:t>If you knew the answers for the 2 sons, how could you find the answer for the whole tree?</a:t>
+              </a:r>
+            </a:p>
+          </p:txBody>
+        </p:sp>
+        <p:sp>
+          <p:nvSpPr>
+            <p:cNvPr id="16" name="Freeform 15"/>
+            <p:cNvSpPr/>
+            <p:nvPr/>
+          </p:nvSpPr>
+          <p:spPr>
+            <a:xfrm>
+              <a:off x="216370" y="3793067"/>
+              <a:ext cx="2391363" cy="2227674"/>
+            </a:xfrm>
+            <a:custGeom>
+              <a:avLst/>
+              <a:gdLst>
+                <a:gd name="connsiteX0" fmla="*/ 1454386 w 2391363"/>
+                <a:gd name="connsiteY0" fmla="*/ 1919111 h 2227674"/>
+                <a:gd name="connsiteX1" fmla="*/ 156163 w 2391363"/>
+                <a:gd name="connsiteY1" fmla="*/ 1907822 h 2227674"/>
+                <a:gd name="connsiteX2" fmla="*/ 2391363 w 2391363"/>
+                <a:gd name="connsiteY2" fmla="*/ 0 h 2227674"/>
+              </a:gdLst>
+              <a:ahLst/>
+              <a:cxnLst>
+                <a:cxn ang="0">
+                  <a:pos x="connsiteX0" y="connsiteY0"/>
+                </a:cxn>
+                <a:cxn ang="0">
+                  <a:pos x="connsiteX1" y="connsiteY1"/>
+                </a:cxn>
+                <a:cxn ang="0">
+                  <a:pos x="connsiteX2" y="connsiteY2"/>
+                </a:cxn>
+              </a:cxnLst>
+              <a:rect l="l" t="t" r="r" b="b"/>
+              <a:pathLst>
+                <a:path w="2391363" h="2227674">
+                  <a:moveTo>
+                    <a:pt x="1454386" y="1919111"/>
+                  </a:moveTo>
+                  <a:cubicBezTo>
+                    <a:pt x="727193" y="2073392"/>
+                    <a:pt x="0" y="2227674"/>
+                    <a:pt x="156163" y="1907822"/>
+                  </a:cubicBezTo>
+                  <a:cubicBezTo>
+                    <a:pt x="312326" y="1587970"/>
+                    <a:pt x="1351844" y="793985"/>
+                    <a:pt x="2391363" y="0"/>
+                  </a:cubicBezTo>
+                </a:path>
+              </a:pathLst>
+            </a:custGeom>
+            <a:ln w="12700">
+              <a:solidFill>
+                <a:schemeClr val="tx1"/>
+              </a:solidFill>
+              <a:tailEnd type="stealth" w="lg" len="lg"/>
+            </a:ln>
+          </p:spPr>
+          <p:style>
+            <a:lnRef idx="1">
+              <a:schemeClr val="accent1"/>
+            </a:lnRef>
+            <a:fillRef idx="0">
+              <a:schemeClr val="accent1"/>
+            </a:fillRef>
+            <a:effectRef idx="0">
+              <a:schemeClr val="accent1"/>
+            </a:effectRef>
+            <a:fontRef idx="minor">
+              <a:schemeClr val="tx1"/>
+            </a:fontRef>
+          </p:style>
+          <p:txBody>
+            <a:bodyPr rtlCol="0" anchor="ctr"/>
+            <a:lstStyle/>
+            <a:p>
+              <a:pPr algn="ctr"/>
+              <a:endParaRPr lang="en-US"/>
+            </a:p>
+          </p:txBody>
+        </p:sp>
+      </p:grpSp>
+    </p:spTree>
+    <p:extLst>
+      <p:ext uri="{BB962C8B-B14F-4D97-AF65-F5344CB8AC3E}">
+        <p14:creationId xmlns:p14="http://schemas.microsoft.com/office/powerpoint/2010/main" val="2348661399"/>
+      </p:ext>
+    </p:extLst>
+  </p:cSld>
+  <p:clrMapOvr>
+    <a:masterClrMapping/>
+  </p:clrMapOvr>
+  <p:timing>
+    <p:tnLst>
+      <p:par>
+        <p:cTn id="1" dur="indefinite" restart="never" nodeType="tmRoot">
+          <p:childTnLst>
+            <p:seq concurrent="1" nextAc="seek">
+              <p:cTn id="2" dur="indefinite" nodeType="mainSeq">
+                <p:childTnLst>
+                  <p:par>
+                    <p:cTn id="3" fill="hold">
+                      <p:stCondLst>
+                        <p:cond delay="indefinite"/>
+                      </p:stCondLst>
+                      <p:childTnLst>
+                        <p:par>
+                          <p:cTn id="4" fill="hold">
+                            <p:stCondLst>
+                              <p:cond delay="0"/>
+                            </p:stCondLst>
+                            <p:childTnLst>
+                              <p:par>
+                                <p:cTn id="5" presetID="10" presetClass="entr" presetSubtype="0" fill="hold" nodeType="clickEffect">
+                                  <p:stCondLst>
+                                    <p:cond delay="0"/>
+                                  </p:stCondLst>
+                                  <p:childTnLst>
+                                    <p:set>
+                                      <p:cBhvr>
+                                        <p:cTn id="6" dur="1" fill="hold">
+                                          <p:stCondLst>
+                                            <p:cond delay="0"/>
+                                          </p:stCondLst>
+                                        </p:cTn>
+                                        <p:tgtEl>
+                                          <p:spTgt spid="4"/>
+                                        </p:tgtEl>
+                                        <p:attrNameLst>
+                                          <p:attrName>style.visibility</p:attrName>
+                                        </p:attrNameLst>
+                                      </p:cBhvr>
+                                      <p:to>
+                                        <p:strVal val="visible"/>
+                                      </p:to>
+                                    </p:set>
+                                    <p:animEffect transition="in" filter="fade">
+                                      <p:cBhvr>
+                                        <p:cTn id="7" dur="2000"/>
+                                        <p:tgtEl>
+                                          <p:spTgt spid="4"/>
+                                        </p:tgtEl>
+                                      </p:cBhvr>
+                                    </p:animEffect>
+                                  </p:childTnLst>
+                                </p:cTn>
+                              </p:par>
+                            </p:childTnLst>
+                          </p:cTn>
+                        </p:par>
+                      </p:childTnLst>
+                    </p:cTn>
+                  </p:par>
+                  <p:par>
+                    <p:cTn id="8" fill="hold">
+                      <p:stCondLst>
+                        <p:cond delay="indefinite"/>
+                      </p:stCondLst>
+                      <p:childTnLst>
+                        <p:par>
+                          <p:cTn id="9" fill="hold">
+                            <p:stCondLst>
+                              <p:cond delay="0"/>
+                            </p:stCondLst>
+                            <p:childTnLst>
+                              <p:par>
+                                <p:cTn id="10" presetID="22" presetClass="entr" presetSubtype="4" fill="hold" nodeType="clickEffect">
+                                  <p:stCondLst>
+                                    <p:cond delay="0"/>
+                                  </p:stCondLst>
+                                  <p:childTnLst>
+                                    <p:set>
+                                      <p:cBhvr>
+                                        <p:cTn id="11" dur="1" fill="hold">
+                                          <p:stCondLst>
+                                            <p:cond delay="0"/>
+                                          </p:stCondLst>
+                                        </p:cTn>
+                                        <p:tgtEl>
+                                          <p:spTgt spid="5"/>
+                                        </p:tgtEl>
+                                        <p:attrNameLst>
+                                          <p:attrName>style.visibility</p:attrName>
+                                        </p:attrNameLst>
+                                      </p:cBhvr>
+                                      <p:to>
+                                        <p:strVal val="visible"/>
+                                      </p:to>
+                                    </p:set>
+                                    <p:animEffect transition="in" filter="wipe(down)">
+                                      <p:cBhvr>
+                                        <p:cTn id="12" dur="500"/>
+                                        <p:tgtEl>
+                                          <p:spTgt spid="5"/>
+                                        </p:tgtEl>
+                                      </p:cBhvr>
+                                    </p:animEffect>
+                                  </p:childTnLst>
+                                </p:cTn>
+                              </p:par>
+                            </p:childTnLst>
+                          </p:cTn>
+                        </p:par>
+                      </p:childTnLst>
+                    </p:cTn>
+                  </p:par>
+                </p:childTnLst>
+              </p:cTn>
+              <p:prevCondLst>
+                <p:cond evt="onPrev" delay="0">
+                  <p:tgtEl>
+                    <p:sldTgt/>
+                  </p:tgtEl>
+                </p:cond>
+              </p:prevCondLst>
+              <p:nextCondLst>
+                <p:cond evt="onNext" delay="0">
+                  <p:tgtEl>
+                    <p:sldTgt/>
+                  </p:tgtEl>
+                </p:cond>
+              </p:nextCondLst>
+            </p:seq>
+          </p:childTnLst>
+        </p:cTn>
+      </p:par>
+    </p:tnLst>
+  </p:timing>
+</p:sld>
+</file>
+
+<file path=ppt/slides/slide11.xml><?xml version="1.0" encoding="utf-8"?>
+<p:sld xmlns:a="http://schemas.openxmlformats.org/drawingml/2006/main" xmlns:r="http://schemas.openxmlformats.org/officeDocument/2006/relationships" xmlns:p="http://schemas.openxmlformats.org/presentationml/2006/main">
+  <p:cSld>
+    <p:spTree>
+      <p:nvGrpSpPr>
+        <p:cNvPr id="1" name=""/>
+        <p:cNvGrpSpPr/>
+        <p:nvPr/>
+      </p:nvGrpSpPr>
+      <p:grpSpPr>
+        <a:xfrm>
+          <a:off x="0" y="0"/>
+          <a:ext cx="0" cy="0"/>
+          <a:chOff x="0" y="0"/>
+          <a:chExt cx="0" cy="0"/>
+        </a:xfrm>
+      </p:grpSpPr>
+      <p:sp>
+        <p:nvSpPr>
+          <p:cNvPr id="2" name="Title 1"/>
+          <p:cNvSpPr>
+            <a:spLocks noGrp="1"/>
+          </p:cNvSpPr>
+          <p:nvPr>
+            <p:ph type="title"/>
+          </p:nvPr>
+        </p:nvSpPr>
+        <p:spPr/>
+        <p:txBody>
+          <a:bodyPr/>
+          <a:lstStyle/>
+          <a:p>
+            <a:r>
+              <a:rPr lang="en-US" dirty="0"/>
+              <a:t>leaf-min</a:t>
+            </a:r>
+          </a:p>
+        </p:txBody>
+      </p:sp>
+      <p:sp>
+        <p:nvSpPr>
+          <p:cNvPr id="3" name="Content Placeholder 2"/>
+          <p:cNvSpPr>
+            <a:spLocks noGrp="1"/>
+          </p:cNvSpPr>
+          <p:nvPr>
+            <p:ph idx="1"/>
+          </p:nvPr>
+        </p:nvSpPr>
+        <p:spPr/>
+        <p:txBody>
+          <a:bodyPr>
+            <a:normAutofit/>
+          </a:bodyPr>
+          <a:lstStyle/>
+          <a:p>
+            <a:pPr>
+              <a:buNone/>
+            </a:pPr>
+            <a:r>
+              <a:rPr lang="en-US" sz="2400" b="1" dirty="0">
+                <a:solidFill>
+                  <a:srgbClr val="FF0000"/>
+                </a:solidFill>
+                <a:latin typeface="Consolas" pitchFamily="49" charset="0"/>
+                <a:cs typeface="Consolas" pitchFamily="49" charset="0"/>
+              </a:rPr>
+              <a:t>leaf-min</a:t>
+            </a:r>
+            <a:r>
+              <a:rPr lang="en-US" sz="2400" b="1" dirty="0">
+                <a:latin typeface="Consolas" pitchFamily="49" charset="0"/>
+                <a:cs typeface="Consolas" pitchFamily="49" charset="0"/>
+              </a:rPr>
+              <a:t> : Tree -&gt; Number</a:t>
+            </a:r>
+          </a:p>
+          <a:p>
+            <a:pPr>
+              <a:buNone/>
+            </a:pPr>
+            <a:r>
+              <a:rPr lang="en-US" sz="2400" b="1" dirty="0">
+                <a:latin typeface="Consolas" pitchFamily="49" charset="0"/>
+                <a:cs typeface="Consolas" pitchFamily="49" charset="0"/>
+              </a:rPr>
+              <a:t>(define (</a:t>
+            </a:r>
+            <a:r>
+              <a:rPr lang="en-US" sz="2400" b="1" dirty="0">
+                <a:solidFill>
+                  <a:srgbClr val="FF0000"/>
+                </a:solidFill>
+                <a:latin typeface="Consolas" pitchFamily="49" charset="0"/>
+                <a:cs typeface="Consolas" pitchFamily="49" charset="0"/>
+              </a:rPr>
+              <a:t>leaf-min</a:t>
+            </a:r>
+            <a:r>
+              <a:rPr lang="en-US" sz="2400" b="1" dirty="0">
+                <a:latin typeface="Consolas" pitchFamily="49" charset="0"/>
+                <a:cs typeface="Consolas" pitchFamily="49" charset="0"/>
+              </a:rPr>
+              <a:t> t)</a:t>
+            </a:r>
+          </a:p>
+          <a:p>
+            <a:pPr>
+              <a:buNone/>
+            </a:pPr>
+            <a:r>
+              <a:rPr lang="en-US" sz="2400" b="1" dirty="0">
+                <a:latin typeface="Consolas" pitchFamily="49" charset="0"/>
+                <a:cs typeface="Consolas" pitchFamily="49" charset="0"/>
+              </a:rPr>
+              <a:t>  (</a:t>
+            </a:r>
+            <a:r>
+              <a:rPr lang="en-US" sz="2400" b="1" dirty="0" err="1">
+                <a:latin typeface="Consolas" pitchFamily="49" charset="0"/>
+                <a:cs typeface="Consolas" pitchFamily="49" charset="0"/>
+              </a:rPr>
+              <a:t>cond</a:t>
+            </a:r>
+            <a:endParaRPr lang="en-US" sz="2400" b="1" dirty="0">
+              <a:latin typeface="Consolas" pitchFamily="49" charset="0"/>
+              <a:cs typeface="Consolas" pitchFamily="49" charset="0"/>
+            </a:endParaRPr>
+          </a:p>
+          <a:p>
+            <a:pPr>
+              <a:buNone/>
+            </a:pPr>
+            <a:r>
+              <a:rPr lang="en-US" sz="2400" b="1" dirty="0">
+                <a:latin typeface="Consolas" pitchFamily="49" charset="0"/>
+                <a:cs typeface="Consolas" pitchFamily="49" charset="0"/>
+              </a:rPr>
+              <a:t>    [(leaf? t) (leaf-datum t)]</a:t>
+            </a:r>
+          </a:p>
+          <a:p>
+            <a:pPr>
+              <a:buNone/>
+            </a:pPr>
+            <a:r>
+              <a:rPr lang="en-US" sz="2400" b="1" dirty="0">
+                <a:latin typeface="Consolas" pitchFamily="49" charset="0"/>
+                <a:cs typeface="Consolas" pitchFamily="49" charset="0"/>
+              </a:rPr>
+              <a:t>    [else (</a:t>
+            </a:r>
+            <a:r>
+              <a:rPr lang="en-US" sz="2400" b="1" dirty="0">
+                <a:solidFill>
+                  <a:srgbClr val="FF0000"/>
+                </a:solidFill>
+                <a:latin typeface="Consolas" pitchFamily="49" charset="0"/>
+                <a:cs typeface="Consolas" pitchFamily="49" charset="0"/>
+              </a:rPr>
+              <a:t>min</a:t>
+            </a:r>
+          </a:p>
+          <a:p>
+            <a:pPr>
+              <a:buNone/>
+            </a:pPr>
+            <a:r>
+              <a:rPr lang="en-US" sz="2400" b="1" dirty="0">
+                <a:latin typeface="Consolas" pitchFamily="49" charset="0"/>
+                <a:cs typeface="Consolas" pitchFamily="49" charset="0"/>
+              </a:rPr>
+              <a:t>            (</a:t>
+            </a:r>
+            <a:r>
+              <a:rPr lang="en-US" sz="2400" b="1" dirty="0">
+                <a:solidFill>
+                  <a:srgbClr val="FF0000"/>
+                </a:solidFill>
+                <a:latin typeface="Consolas" pitchFamily="49" charset="0"/>
+                <a:cs typeface="Consolas" pitchFamily="49" charset="0"/>
+              </a:rPr>
+              <a:t>leaf-min</a:t>
+            </a:r>
+            <a:r>
+              <a:rPr lang="en-US" sz="2400" b="1" dirty="0">
+                <a:latin typeface="Consolas" pitchFamily="49" charset="0"/>
+                <a:cs typeface="Consolas" pitchFamily="49" charset="0"/>
+              </a:rPr>
+              <a:t> (node-</a:t>
+            </a:r>
+            <a:r>
+              <a:rPr lang="en-US" sz="2400" b="1" dirty="0" err="1">
+                <a:latin typeface="Consolas" pitchFamily="49" charset="0"/>
+                <a:cs typeface="Consolas" pitchFamily="49" charset="0"/>
+              </a:rPr>
+              <a:t>lson</a:t>
+            </a:r>
+            <a:r>
+              <a:rPr lang="en-US" sz="2400" b="1" dirty="0">
+                <a:latin typeface="Consolas" pitchFamily="49" charset="0"/>
+                <a:cs typeface="Consolas" pitchFamily="49" charset="0"/>
+              </a:rPr>
+              <a:t> t))</a:t>
+            </a:r>
+          </a:p>
+          <a:p>
+            <a:pPr>
+              <a:buNone/>
+            </a:pPr>
+            <a:r>
+              <a:rPr lang="en-US" sz="2400" b="1" dirty="0">
+                <a:latin typeface="Consolas" pitchFamily="49" charset="0"/>
+                <a:cs typeface="Consolas" pitchFamily="49" charset="0"/>
+              </a:rPr>
+              <a:t>            (</a:t>
+            </a:r>
+            <a:r>
+              <a:rPr lang="en-US" sz="2400" b="1" dirty="0">
+                <a:solidFill>
+                  <a:srgbClr val="FF0000"/>
+                </a:solidFill>
+                <a:latin typeface="Consolas" pitchFamily="49" charset="0"/>
+                <a:cs typeface="Consolas" pitchFamily="49" charset="0"/>
+              </a:rPr>
+              <a:t>leaf-min</a:t>
+            </a:r>
+            <a:r>
+              <a:rPr lang="en-US" sz="2400" b="1" dirty="0">
+                <a:latin typeface="Consolas" pitchFamily="49" charset="0"/>
+                <a:cs typeface="Consolas" pitchFamily="49" charset="0"/>
+              </a:rPr>
+              <a:t> (node-</a:t>
+            </a:r>
+            <a:r>
+              <a:rPr lang="en-US" sz="2400" b="1" dirty="0" err="1">
+                <a:latin typeface="Consolas" pitchFamily="49" charset="0"/>
+                <a:cs typeface="Consolas" pitchFamily="49" charset="0"/>
+              </a:rPr>
+              <a:t>rson</a:t>
+            </a:r>
+            <a:r>
+              <a:rPr lang="en-US" sz="2400" b="1" dirty="0">
+                <a:latin typeface="Consolas" pitchFamily="49" charset="0"/>
+                <a:cs typeface="Consolas" pitchFamily="49" charset="0"/>
+              </a:rPr>
+              <a:t> t)))]))</a:t>
+            </a:r>
+          </a:p>
+        </p:txBody>
+      </p:sp>
+      <p:sp>
+        <p:nvSpPr>
+          <p:cNvPr id="6" name="Slide Number Placeholder 5"/>
+          <p:cNvSpPr>
+            <a:spLocks noGrp="1"/>
+          </p:cNvSpPr>
+          <p:nvPr>
+            <p:ph type="sldNum" sz="quarter" idx="12"/>
+          </p:nvPr>
+        </p:nvSpPr>
+        <p:spPr/>
+        <p:txBody>
+          <a:bodyPr/>
+          <a:lstStyle/>
+          <a:p>
+            <a:fld id="{C1D4534E-1B22-4A44-850A-B3E8E9EE687A}" type="slidenum">
+              <a:rPr lang="en-US" smtClean="0"/>
+              <a:t>11</a:t>
+            </a:fld>
+            <a:endParaRPr lang="en-US"/>
+          </a:p>
+        </p:txBody>
+      </p:sp>
+      <p:grpSp>
+        <p:nvGrpSpPr>
+          <p:cNvPr id="4" name="Group 8"/>
+          <p:cNvGrpSpPr/>
+          <p:nvPr/>
+        </p:nvGrpSpPr>
+        <p:grpSpPr>
+          <a:xfrm>
+            <a:off x="3793067" y="1066800"/>
+            <a:ext cx="4360333" cy="1936044"/>
+            <a:chOff x="3793067" y="1066800"/>
+            <a:chExt cx="4360333" cy="1936044"/>
+          </a:xfrm>
+        </p:grpSpPr>
+        <p:sp>
+          <p:nvSpPr>
+            <p:cNvPr id="7" name="Rectangle 6"/>
+            <p:cNvSpPr/>
+            <p:nvPr/>
+          </p:nvSpPr>
+          <p:spPr>
+            <a:xfrm>
+              <a:off x="5943600" y="1066800"/>
+              <a:ext cx="2209800" cy="914400"/>
+            </a:xfrm>
+            <a:prstGeom prst="rect">
+              <a:avLst/>
+            </a:prstGeom>
+            <a:ln/>
+          </p:spPr>
+          <p:style>
+            <a:lnRef idx="1">
+              <a:schemeClr val="accent3"/>
+            </a:lnRef>
+            <a:fillRef idx="3">
+              <a:schemeClr val="accent3"/>
+            </a:fillRef>
+            <a:effectRef idx="2">
+              <a:schemeClr val="accent3"/>
+            </a:effectRef>
+            <a:fontRef idx="minor">
+              <a:schemeClr val="lt1"/>
+            </a:fontRef>
+          </p:style>
+          <p:txBody>
+            <a:bodyPr rtlCol="0" anchor="ctr"/>
+            <a:lstStyle/>
+            <a:p>
+              <a:pPr algn="ctr"/>
+              <a:r>
+                <a:rPr lang="en-US" dirty="0">
+                  <a:solidFill>
+                    <a:schemeClr val="tx1"/>
+                  </a:solidFill>
+                </a:rPr>
+                <a:t>What’s the answer for a leaf?</a:t>
+              </a:r>
+            </a:p>
+          </p:txBody>
+        </p:sp>
+        <p:sp>
+          <p:nvSpPr>
+            <p:cNvPr id="8" name="Freeform 7"/>
+            <p:cNvSpPr/>
+            <p:nvPr/>
+          </p:nvSpPr>
+          <p:spPr>
+            <a:xfrm>
+              <a:off x="3793067" y="1275644"/>
+              <a:ext cx="2133600" cy="1727200"/>
+            </a:xfrm>
+            <a:custGeom>
+              <a:avLst/>
+              <a:gdLst>
+                <a:gd name="connsiteX0" fmla="*/ 2133600 w 2133600"/>
+                <a:gd name="connsiteY0" fmla="*/ 237067 h 1727200"/>
+                <a:gd name="connsiteX1" fmla="*/ 1004711 w 2133600"/>
+                <a:gd name="connsiteY1" fmla="*/ 248356 h 1727200"/>
+                <a:gd name="connsiteX2" fmla="*/ 0 w 2133600"/>
+                <a:gd name="connsiteY2" fmla="*/ 1727200 h 1727200"/>
+              </a:gdLst>
+              <a:ahLst/>
+              <a:cxnLst>
+                <a:cxn ang="0">
+                  <a:pos x="connsiteX0" y="connsiteY0"/>
+                </a:cxn>
+                <a:cxn ang="0">
+                  <a:pos x="connsiteX1" y="connsiteY1"/>
+                </a:cxn>
+                <a:cxn ang="0">
+                  <a:pos x="connsiteX2" y="connsiteY2"/>
+                </a:cxn>
+              </a:cxnLst>
+              <a:rect l="l" t="t" r="r" b="b"/>
+              <a:pathLst>
+                <a:path w="2133600" h="1727200">
+                  <a:moveTo>
+                    <a:pt x="2133600" y="237067"/>
+                  </a:moveTo>
+                  <a:cubicBezTo>
+                    <a:pt x="1746955" y="118533"/>
+                    <a:pt x="1360311" y="0"/>
+                    <a:pt x="1004711" y="248356"/>
+                  </a:cubicBezTo>
+                  <a:cubicBezTo>
+                    <a:pt x="649111" y="496712"/>
+                    <a:pt x="156163" y="1493896"/>
+                    <a:pt x="0" y="1727200"/>
+                  </a:cubicBezTo>
+                </a:path>
+              </a:pathLst>
+            </a:custGeom>
+            <a:ln w="12700">
+              <a:solidFill>
+                <a:schemeClr val="tx1"/>
+              </a:solidFill>
+              <a:tailEnd type="stealth" w="lg" len="lg"/>
+            </a:ln>
+          </p:spPr>
+          <p:style>
+            <a:lnRef idx="1">
+              <a:schemeClr val="accent1"/>
+            </a:lnRef>
+            <a:fillRef idx="0">
+              <a:schemeClr val="accent1"/>
+            </a:fillRef>
+            <a:effectRef idx="0">
+              <a:schemeClr val="accent1"/>
+            </a:effectRef>
+            <a:fontRef idx="minor">
+              <a:schemeClr val="tx1"/>
+            </a:fontRef>
+          </p:style>
+          <p:txBody>
+            <a:bodyPr rtlCol="0" anchor="ctr"/>
+            <a:lstStyle/>
+            <a:p>
+              <a:pPr algn="ctr"/>
+              <a:endParaRPr lang="en-US"/>
+            </a:p>
+          </p:txBody>
+        </p:sp>
+      </p:grpSp>
+      <p:grpSp>
+        <p:nvGrpSpPr>
+          <p:cNvPr id="5" name="Group 16"/>
+          <p:cNvGrpSpPr/>
+          <p:nvPr/>
+        </p:nvGrpSpPr>
+        <p:grpSpPr>
+          <a:xfrm>
+            <a:off x="216370" y="3793067"/>
+            <a:ext cx="5117630" cy="2379133"/>
+            <a:chOff x="216370" y="3793067"/>
+            <a:chExt cx="5117630" cy="2379133"/>
+          </a:xfrm>
+        </p:grpSpPr>
+        <p:sp>
+          <p:nvSpPr>
+            <p:cNvPr id="10" name="Rectangle 9"/>
+            <p:cNvSpPr/>
+            <p:nvPr/>
+          </p:nvSpPr>
+          <p:spPr>
+            <a:xfrm>
+              <a:off x="1676400" y="5257800"/>
+              <a:ext cx="3657600" cy="914400"/>
+            </a:xfrm>
+            <a:prstGeom prst="rect">
+              <a:avLst/>
+            </a:prstGeom>
+            <a:ln/>
+          </p:spPr>
+          <p:style>
+            <a:lnRef idx="1">
+              <a:schemeClr val="accent3"/>
+            </a:lnRef>
+            <a:fillRef idx="3">
+              <a:schemeClr val="accent3"/>
+            </a:fillRef>
+            <a:effectRef idx="2">
+              <a:schemeClr val="accent3"/>
+            </a:effectRef>
+            <a:fontRef idx="minor">
+              <a:schemeClr val="lt1"/>
+            </a:fontRef>
+          </p:style>
+          <p:txBody>
+            <a:bodyPr rtlCol="0" anchor="ctr"/>
+            <a:lstStyle/>
+            <a:p>
+              <a:pPr algn="ctr"/>
+              <a:r>
+                <a:rPr lang="en-US" dirty="0">
                   <a:solidFill>
                     <a:schemeClr val="tx1"/>
                   </a:solidFill>
@@ -5591,139 +6189,6 @@
 </p:sld>
 </file>
 
-<file path=ppt/slides/slide11.xml><?xml version="1.0" encoding="utf-8"?>
-<p:sld xmlns:a="http://schemas.openxmlformats.org/drawingml/2006/main" xmlns:r="http://schemas.openxmlformats.org/officeDocument/2006/relationships" xmlns:p="http://schemas.openxmlformats.org/presentationml/2006/main">
-  <p:cSld>
-    <p:spTree>
-      <p:nvGrpSpPr>
-        <p:cNvPr id="1" name=""/>
-        <p:cNvGrpSpPr/>
-        <p:nvPr/>
-      </p:nvGrpSpPr>
-      <p:grpSpPr>
-        <a:xfrm>
-          <a:off x="0" y="0"/>
-          <a:ext cx="0" cy="0"/>
-          <a:chOff x="0" y="0"/>
-          <a:chExt cx="0" cy="0"/>
-        </a:xfrm>
-      </p:grpSpPr>
-      <p:sp>
-        <p:nvSpPr>
-          <p:cNvPr id="2" name="Title 1"/>
-          <p:cNvSpPr>
-            <a:spLocks noGrp="1"/>
-          </p:cNvSpPr>
-          <p:nvPr>
-            <p:ph type="title"/>
-          </p:nvPr>
-        </p:nvSpPr>
-        <p:spPr/>
-        <p:txBody>
-          <a:bodyPr/>
-          <a:lstStyle/>
-          <a:p>
-            <a:r>
-              <a:rPr lang="en-US" dirty="0" smtClean="0"/>
-              <a:t>Summary</a:t>
-            </a:r>
-            <a:endParaRPr lang="en-US" dirty="0"/>
-          </a:p>
-        </p:txBody>
-      </p:sp>
-      <p:sp>
-        <p:nvSpPr>
-          <p:cNvPr id="3" name="Content Placeholder 2"/>
-          <p:cNvSpPr>
-            <a:spLocks noGrp="1"/>
-          </p:cNvSpPr>
-          <p:nvPr>
-            <p:ph idx="1"/>
-          </p:nvPr>
-        </p:nvSpPr>
-        <p:spPr/>
-        <p:txBody>
-          <a:bodyPr>
-            <a:normAutofit/>
-          </a:bodyPr>
-          <a:lstStyle/>
-          <a:p>
-            <a:r>
-              <a:rPr lang="en-US" dirty="0" smtClean="0"/>
-              <a:t>You should now be able to:</a:t>
-            </a:r>
-          </a:p>
-          <a:p>
-            <a:pPr lvl="1"/>
-            <a:r>
-              <a:rPr lang="en-US" dirty="0"/>
-              <a:t>Write a data definition for tree-structured information</a:t>
-            </a:r>
-          </a:p>
-          <a:p>
-            <a:pPr lvl="1"/>
-            <a:r>
-              <a:rPr lang="en-US" dirty="0"/>
-              <a:t>Write a template for tree-structured information</a:t>
-            </a:r>
-          </a:p>
-          <a:p>
-            <a:pPr lvl="1"/>
-            <a:r>
-              <a:rPr lang="en-US" dirty="0"/>
-              <a:t>Write functions that manipulate that data, using the </a:t>
-            </a:r>
-            <a:r>
-              <a:rPr lang="en-US" dirty="0" smtClean="0"/>
-              <a:t>template</a:t>
-            </a:r>
-            <a:endParaRPr lang="en-US" dirty="0"/>
-          </a:p>
-        </p:txBody>
-      </p:sp>
-      <p:sp>
-        <p:nvSpPr>
-          <p:cNvPr id="4" name="Slide Number Placeholder 3"/>
-          <p:cNvSpPr>
-            <a:spLocks noGrp="1"/>
-          </p:cNvSpPr>
-          <p:nvPr>
-            <p:ph type="sldNum" sz="quarter" idx="12"/>
-          </p:nvPr>
-        </p:nvSpPr>
-        <p:spPr/>
-        <p:txBody>
-          <a:bodyPr/>
-          <a:lstStyle/>
-          <a:p>
-            <a:fld id="{C1D4534E-1B22-4A44-850A-B3E8E9EE687A}" type="slidenum">
-              <a:rPr lang="en-US" smtClean="0"/>
-              <a:t>11</a:t>
-            </a:fld>
-            <a:endParaRPr lang="en-US"/>
-          </a:p>
-        </p:txBody>
-      </p:sp>
-    </p:spTree>
-    <p:extLst>
-      <p:ext uri="{BB962C8B-B14F-4D97-AF65-F5344CB8AC3E}">
-        <p14:creationId xmlns:p14="http://schemas.microsoft.com/office/powerpoint/2010/main" val="1092783951"/>
-      </p:ext>
-    </p:extLst>
-  </p:cSld>
-  <p:clrMapOvr>
-    <a:masterClrMapping/>
-  </p:clrMapOvr>
-  <p:timing>
-    <p:tnLst>
-      <p:par>
-        <p:cTn id="1" dur="indefinite" restart="never" nodeType="tmRoot"/>
-      </p:par>
-    </p:tnLst>
-  </p:timing>
-</p:sld>
-</file>
-
 <file path=ppt/slides/slide12.xml><?xml version="1.0" encoding="utf-8"?>
 <p:sld xmlns:a="http://schemas.openxmlformats.org/drawingml/2006/main" xmlns:r="http://schemas.openxmlformats.org/officeDocument/2006/relationships" xmlns:p="http://schemas.openxmlformats.org/presentationml/2006/main">
   <p:cSld>
@@ -5757,10 +6222,9 @@
           <a:lstStyle/>
           <a:p>
             <a:r>
-              <a:rPr lang="en-US" dirty="0" smtClean="0"/>
-              <a:t>Next Steps</a:t>
-            </a:r>
-            <a:endParaRPr lang="en-US" dirty="0"/>
+              <a:rPr lang="en-US" dirty="0"/>
+              <a:t>Summary</a:t>
+            </a:r>
           </a:p>
         </p:txBody>
       </p:sp>
@@ -5776,40 +6240,36 @@
         </p:nvSpPr>
         <p:spPr/>
         <p:txBody>
-          <a:bodyPr/>
-          <a:lstStyle/>
-          <a:p>
-            <a:r>
-              <a:rPr lang="en-US" dirty="0" smtClean="0"/>
-              <a:t>Study the file 06-2-trees.rkt in the </a:t>
-            </a:r>
-            <a:r>
-              <a:rPr lang="en-US" smtClean="0"/>
-              <a:t>Examples folder.</a:t>
-            </a:r>
-          </a:p>
-          <a:p>
-            <a:r>
-              <a:rPr lang="en-US" dirty="0" smtClean="0"/>
-              <a:t>If </a:t>
-            </a:r>
-            <a:r>
-              <a:rPr lang="en-US" dirty="0" smtClean="0"/>
-              <a:t>you have questions about this lesson, ask them on the Discussion Board</a:t>
-            </a:r>
-          </a:p>
-          <a:p>
-            <a:r>
-              <a:rPr lang="en-US" dirty="0" smtClean="0"/>
-              <a:t>Do Guided Practice 6.2</a:t>
-            </a:r>
-          </a:p>
-          <a:p>
-            <a:r>
-              <a:rPr lang="en-US" dirty="0" smtClean="0"/>
-              <a:t>Go on to the next lesson</a:t>
-            </a:r>
-            <a:endParaRPr lang="en-US" dirty="0"/>
+          <a:bodyPr>
+            <a:normAutofit/>
+          </a:bodyPr>
+          <a:lstStyle/>
+          <a:p>
+            <a:r>
+              <a:rPr lang="en-US" dirty="0"/>
+              <a:t>You should now be able to:</a:t>
+            </a:r>
+          </a:p>
+          <a:p>
+            <a:pPr lvl="1"/>
+            <a:r>
+              <a:rPr lang="en-US" dirty="0"/>
+              <a:t>Write a data definition for tree-structured information</a:t>
+            </a:r>
+          </a:p>
+          <a:p>
+            <a:pPr lvl="1"/>
+            <a:r>
+              <a:rPr lang="en-US" dirty="0"/>
+              <a:t>Write a template for tree-structured information</a:t>
+            </a:r>
+          </a:p>
+          <a:p>
+            <a:pPr lvl="1"/>
+            <a:r>
+              <a:rPr lang="en-US" dirty="0"/>
+              <a:t>Write functions that manipulate that data, using the template</a:t>
+            </a:r>
           </a:p>
         </p:txBody>
       </p:sp>
@@ -5831,6 +6291,125 @@
             <a:fld id="{C1D4534E-1B22-4A44-850A-B3E8E9EE687A}" type="slidenum">
               <a:rPr lang="en-US" smtClean="0"/>
               <a:t>12</a:t>
+            </a:fld>
+            <a:endParaRPr lang="en-US"/>
+          </a:p>
+        </p:txBody>
+      </p:sp>
+    </p:spTree>
+    <p:extLst>
+      <p:ext uri="{BB962C8B-B14F-4D97-AF65-F5344CB8AC3E}">
+        <p14:creationId xmlns:p14="http://schemas.microsoft.com/office/powerpoint/2010/main" val="1092783951"/>
+      </p:ext>
+    </p:extLst>
+  </p:cSld>
+  <p:clrMapOvr>
+    <a:masterClrMapping/>
+  </p:clrMapOvr>
+</p:sld>
+</file>
+
+<file path=ppt/slides/slide13.xml><?xml version="1.0" encoding="utf-8"?>
+<p:sld xmlns:a="http://schemas.openxmlformats.org/drawingml/2006/main" xmlns:r="http://schemas.openxmlformats.org/officeDocument/2006/relationships" xmlns:p="http://schemas.openxmlformats.org/presentationml/2006/main">
+  <p:cSld>
+    <p:spTree>
+      <p:nvGrpSpPr>
+        <p:cNvPr id="1" name=""/>
+        <p:cNvGrpSpPr/>
+        <p:nvPr/>
+      </p:nvGrpSpPr>
+      <p:grpSpPr>
+        <a:xfrm>
+          <a:off x="0" y="0"/>
+          <a:ext cx="0" cy="0"/>
+          <a:chOff x="0" y="0"/>
+          <a:chExt cx="0" cy="0"/>
+        </a:xfrm>
+      </p:grpSpPr>
+      <p:sp>
+        <p:nvSpPr>
+          <p:cNvPr id="2" name="Title 1"/>
+          <p:cNvSpPr>
+            <a:spLocks noGrp="1"/>
+          </p:cNvSpPr>
+          <p:nvPr>
+            <p:ph type="title"/>
+          </p:nvPr>
+        </p:nvSpPr>
+        <p:spPr/>
+        <p:txBody>
+          <a:bodyPr/>
+          <a:lstStyle/>
+          <a:p>
+            <a:r>
+              <a:rPr lang="en-US" dirty="0"/>
+              <a:t>Next Steps</a:t>
+            </a:r>
+          </a:p>
+        </p:txBody>
+      </p:sp>
+      <p:sp>
+        <p:nvSpPr>
+          <p:cNvPr id="3" name="Content Placeholder 2"/>
+          <p:cNvSpPr>
+            <a:spLocks noGrp="1"/>
+          </p:cNvSpPr>
+          <p:nvPr>
+            <p:ph idx="1"/>
+          </p:nvPr>
+        </p:nvSpPr>
+        <p:spPr/>
+        <p:txBody>
+          <a:bodyPr/>
+          <a:lstStyle/>
+          <a:p>
+            <a:r>
+              <a:rPr lang="en-US" dirty="0"/>
+              <a:t>Study the file 06-2-trees.rkt in the </a:t>
+            </a:r>
+            <a:r>
+              <a:rPr lang="en-US"/>
+              <a:t>Examples folder.</a:t>
+            </a:r>
+          </a:p>
+          <a:p>
+            <a:r>
+              <a:rPr lang="en-US" dirty="0"/>
+              <a:t>If you have questions about this lesson, ask them on the Discussion Board</a:t>
+            </a:r>
+          </a:p>
+          <a:p>
+            <a:r>
+              <a:rPr lang="en-US" dirty="0"/>
+              <a:t>Do Guided Practice 6.2</a:t>
+            </a:r>
+          </a:p>
+          <a:p>
+            <a:r>
+              <a:rPr lang="en-US" dirty="0"/>
+              <a:t>Go on to the next lesson</a:t>
+            </a:r>
+          </a:p>
+        </p:txBody>
+      </p:sp>
+      <p:sp>
+        <p:nvSpPr>
+          <p:cNvPr id="4" name="Slide Number Placeholder 3"/>
+          <p:cNvSpPr>
+            <a:spLocks noGrp="1"/>
+          </p:cNvSpPr>
+          <p:nvPr>
+            <p:ph type="sldNum" sz="quarter" idx="12"/>
+          </p:nvPr>
+        </p:nvSpPr>
+        <p:spPr/>
+        <p:txBody>
+          <a:bodyPr/>
+          <a:lstStyle/>
+          <a:p>
+            <a:fld id="{C1D4534E-1B22-4A44-850A-B3E8E9EE687A}" type="slidenum">
+              <a:rPr lang="en-US" smtClean="0"/>
+              <a:t>13</a:t>
             </a:fld>
             <a:endParaRPr lang="en-US"/>
           </a:p>
@@ -5846,13 +6425,6 @@
   <p:clrMapOvr>
     <a:masterClrMapping/>
   </p:clrMapOvr>
-  <p:timing>
-    <p:tnLst>
-      <p:par>
-        <p:cTn id="1" dur="indefinite" restart="never" nodeType="tmRoot"/>
-      </p:par>
-    </p:tnLst>
-  </p:timing>
 </p:sld>
 </file>
 
@@ -5889,10 +6461,9 @@
           <a:lstStyle/>
           <a:p>
             <a:r>
-              <a:rPr lang="en-US" dirty="0" smtClean="0"/>
+              <a:rPr lang="en-US" dirty="0"/>
               <a:t>Introduction/Outline</a:t>
             </a:r>
-            <a:endParaRPr lang="en-US" dirty="0"/>
           </a:p>
         </p:txBody>
       </p:sp>
@@ -5909,41 +6480,20 @@
         <p:spPr/>
         <p:txBody>
           <a:bodyPr>
-            <a:normAutofit lnSpcReduction="10000"/>
+            <a:normAutofit/>
           </a:bodyPr>
           <a:lstStyle/>
           <a:p>
             <a:r>
-              <a:rPr lang="en-US" dirty="0" smtClean="0"/>
-              <a:t>We've now learned about two ways to represent sequence information.</a:t>
-            </a:r>
-          </a:p>
-          <a:p>
-            <a:r>
-              <a:rPr lang="en-US" dirty="0" smtClean="0"/>
-              <a:t>Many examples of information have a natural branching structure.</a:t>
-            </a:r>
-          </a:p>
-          <a:p>
-            <a:r>
-              <a:rPr lang="en-US" dirty="0" smtClean="0"/>
-              <a:t>These are represented as </a:t>
-            </a:r>
-            <a:r>
-              <a:rPr lang="en-US" i="1" dirty="0" smtClean="0"/>
-              <a:t>trees</a:t>
-            </a:r>
-            <a:r>
-              <a:rPr lang="en-US" dirty="0" smtClean="0"/>
-              <a:t>, which you should have learned about in your data structures course.</a:t>
-            </a:r>
-          </a:p>
-          <a:p>
-            <a:r>
-              <a:rPr lang="en-US" dirty="0" smtClean="0"/>
+              <a:rPr lang="en-US" dirty="0"/>
+              <a:t>Many examples of information have a natural structure which is not a sequence, but is rather a tree, which you should have learned about in your data structures course.</a:t>
+            </a:r>
+          </a:p>
+          <a:p>
+            <a:r>
+              <a:rPr lang="en-US" dirty="0"/>
               <a:t>In this lesson, we'll study how to apply the Design Recipe to trees.</a:t>
             </a:r>
-            <a:endParaRPr lang="en-US" dirty="0"/>
           </a:p>
         </p:txBody>
       </p:sp>
@@ -5980,13 +6530,6 @@
   <p:clrMapOvr>
     <a:masterClrMapping/>
   </p:clrMapOvr>
-  <p:timing>
-    <p:tnLst>
-      <p:par>
-        <p:cTn id="1" dur="indefinite" restart="never" nodeType="tmRoot"/>
-      </p:par>
-    </p:tnLst>
-  </p:timing>
 </p:sld>
 </file>
 
@@ -6023,10 +6566,9 @@
           <a:lstStyle/>
           <a:p>
             <a:r>
-              <a:rPr lang="en-US" dirty="0" smtClean="0"/>
+              <a:rPr lang="en-US" dirty="0"/>
               <a:t>Learning Objectives</a:t>
             </a:r>
-            <a:endParaRPr lang="en-US" dirty="0"/>
           </a:p>
         </p:txBody>
       </p:sp>
@@ -6048,7 +6590,7 @@
           <a:lstStyle/>
           <a:p>
             <a:r>
-              <a:rPr lang="en-US" dirty="0" smtClean="0"/>
+              <a:rPr lang="en-US" dirty="0"/>
               <a:t>At the end of this lesson you should be able to:</a:t>
             </a:r>
           </a:p>
@@ -6070,13 +6612,8 @@
             <a:pPr lvl="1"/>
             <a:r>
               <a:rPr lang="en-US" dirty="0"/>
-              <a:t>Write functions that manipulate that data, using the </a:t>
-            </a:r>
-            <a:r>
-              <a:rPr lang="en-US" dirty="0" smtClean="0"/>
-              <a:t>template</a:t>
-            </a:r>
-            <a:endParaRPr lang="en-US" dirty="0"/>
+              <a:t>Write functions that manipulate that data, using the template</a:t>
+            </a:r>
           </a:p>
         </p:txBody>
       </p:sp>
@@ -6113,13 +6650,6 @@
   <p:clrMapOvr>
     <a:masterClrMapping/>
   </p:clrMapOvr>
-  <p:timing>
-    <p:tnLst>
-      <p:par>
-        <p:cTn id="1" dur="indefinite" restart="never" nodeType="tmRoot"/>
-      </p:par>
-    </p:tnLst>
-  </p:timing>
 </p:sld>
 </file>
 
@@ -6156,10 +6686,9 @@
           <a:lstStyle/>
           <a:p>
             <a:r>
-              <a:rPr lang="en-US" dirty="0" smtClean="0"/>
+              <a:rPr lang="en-US" dirty="0"/>
               <a:t>Binary Trees</a:t>
             </a:r>
-            <a:endParaRPr lang="en-US" dirty="0"/>
           </a:p>
         </p:txBody>
       </p:sp>
@@ -6182,21 +6711,21 @@
               <a:buNone/>
             </a:pPr>
             <a:r>
-              <a:rPr lang="en-US" b="1" dirty="0" smtClean="0">
+              <a:rPr lang="en-US" b="1" dirty="0">
                 <a:latin typeface="Consolas" pitchFamily="49" charset="0"/>
                 <a:cs typeface="Consolas" pitchFamily="49" charset="0"/>
               </a:rPr>
               <a:t>(define-</a:t>
             </a:r>
             <a:r>
-              <a:rPr lang="en-US" b="1" dirty="0" err="1" smtClean="0">
+              <a:rPr lang="en-US" b="1" dirty="0" err="1">
                 <a:latin typeface="Consolas" pitchFamily="49" charset="0"/>
                 <a:cs typeface="Consolas" pitchFamily="49" charset="0"/>
               </a:rPr>
               <a:t>struct</a:t>
             </a:r>
             <a:r>
-              <a:rPr lang="en-US" b="1" dirty="0" smtClean="0">
+              <a:rPr lang="en-US" b="1" dirty="0">
                 <a:latin typeface="Consolas" pitchFamily="49" charset="0"/>
                 <a:cs typeface="Consolas" pitchFamily="49" charset="0"/>
               </a:rPr>
@@ -6208,49 +6737,49 @@
               <a:buNone/>
             </a:pPr>
             <a:r>
-              <a:rPr lang="en-US" b="1" dirty="0" smtClean="0">
+              <a:rPr lang="en-US" b="1" dirty="0">
                 <a:latin typeface="Consolas" pitchFamily="49" charset="0"/>
                 <a:cs typeface="Consolas" pitchFamily="49" charset="0"/>
               </a:rPr>
               <a:t>(define-</a:t>
             </a:r>
             <a:r>
-              <a:rPr lang="en-US" b="1" dirty="0" err="1" smtClean="0">
+              <a:rPr lang="en-US" b="1" dirty="0" err="1">
                 <a:latin typeface="Consolas" pitchFamily="49" charset="0"/>
                 <a:cs typeface="Consolas" pitchFamily="49" charset="0"/>
               </a:rPr>
               <a:t>struct</a:t>
             </a:r>
             <a:r>
-              <a:rPr lang="en-US" b="1" dirty="0" smtClean="0">
+              <a:rPr lang="en-US" b="1" dirty="0">
                 <a:latin typeface="Consolas" pitchFamily="49" charset="0"/>
                 <a:cs typeface="Consolas" pitchFamily="49" charset="0"/>
               </a:rPr>
               <a:t> node (</a:t>
             </a:r>
             <a:r>
-              <a:rPr lang="en-US" b="1" dirty="0" err="1" smtClean="0">
+              <a:rPr lang="en-US" b="1" dirty="0" err="1">
                 <a:latin typeface="Consolas" pitchFamily="49" charset="0"/>
                 <a:cs typeface="Consolas" pitchFamily="49" charset="0"/>
               </a:rPr>
               <a:t>lson</a:t>
             </a:r>
             <a:r>
-              <a:rPr lang="en-US" b="1" dirty="0" smtClean="0">
+              <a:rPr lang="en-US" b="1" dirty="0">
                 <a:latin typeface="Consolas" pitchFamily="49" charset="0"/>
                 <a:cs typeface="Consolas" pitchFamily="49" charset="0"/>
               </a:rPr>
               <a:t> </a:t>
             </a:r>
             <a:r>
-              <a:rPr lang="en-US" b="1" dirty="0" err="1" smtClean="0">
+              <a:rPr lang="en-US" b="1" dirty="0" err="1">
                 <a:latin typeface="Consolas" pitchFamily="49" charset="0"/>
                 <a:cs typeface="Consolas" pitchFamily="49" charset="0"/>
               </a:rPr>
               <a:t>rson</a:t>
             </a:r>
             <a:r>
-              <a:rPr lang="en-US" b="1" dirty="0" smtClean="0">
+              <a:rPr lang="en-US" b="1" dirty="0">
                 <a:latin typeface="Consolas" pitchFamily="49" charset="0"/>
                 <a:cs typeface="Consolas" pitchFamily="49" charset="0"/>
               </a:rPr>
@@ -6261,7 +6790,7 @@
             <a:pPr>
               <a:buNone/>
             </a:pPr>
-            <a:endParaRPr lang="en-US" b="1" dirty="0" smtClean="0">
+            <a:endParaRPr lang="en-US" b="1" dirty="0">
               <a:latin typeface="Consolas" pitchFamily="49" charset="0"/>
               <a:cs typeface="Consolas" pitchFamily="49" charset="0"/>
             </a:endParaRPr>
@@ -6271,14 +6800,14 @@
               <a:buNone/>
             </a:pPr>
             <a:r>
-              <a:rPr lang="en-US" b="1" dirty="0" smtClean="0">
+              <a:rPr lang="en-US" b="1" dirty="0">
                 <a:latin typeface="Consolas" pitchFamily="49" charset="0"/>
                 <a:cs typeface="Consolas" pitchFamily="49" charset="0"/>
               </a:rPr>
               <a:t>;; A </a:t>
             </a:r>
             <a:r>
-              <a:rPr lang="en-US" b="1" dirty="0" smtClean="0">
+              <a:rPr lang="en-US" b="1" dirty="0">
                 <a:solidFill>
                   <a:srgbClr val="FF0000"/>
                 </a:solidFill>
@@ -6288,7 +6817,7 @@
               <a:t>Tree</a:t>
             </a:r>
             <a:r>
-              <a:rPr lang="en-US" b="1" dirty="0" smtClean="0">
+              <a:rPr lang="en-US" b="1" dirty="0">
                 <a:latin typeface="Consolas" pitchFamily="49" charset="0"/>
                 <a:cs typeface="Consolas" pitchFamily="49" charset="0"/>
               </a:rPr>
@@ -6300,7 +6829,7 @@
               <a:buNone/>
             </a:pPr>
             <a:r>
-              <a:rPr lang="en-US" b="1" dirty="0" smtClean="0">
+              <a:rPr lang="en-US" b="1" dirty="0">
                 <a:latin typeface="Consolas" pitchFamily="49" charset="0"/>
                 <a:cs typeface="Consolas" pitchFamily="49" charset="0"/>
               </a:rPr>
@@ -6312,14 +6841,14 @@
               <a:buNone/>
             </a:pPr>
             <a:r>
-              <a:rPr lang="en-US" b="1" dirty="0" smtClean="0">
+              <a:rPr lang="en-US" b="1" dirty="0">
                 <a:latin typeface="Consolas" pitchFamily="49" charset="0"/>
                 <a:cs typeface="Consolas" pitchFamily="49" charset="0"/>
               </a:rPr>
               <a:t>;; -- (make-node </a:t>
             </a:r>
             <a:r>
-              <a:rPr lang="en-US" b="1" dirty="0" smtClean="0">
+              <a:rPr lang="en-US" b="1" dirty="0">
                 <a:solidFill>
                   <a:srgbClr val="FF0000"/>
                 </a:solidFill>
@@ -6329,14 +6858,14 @@
               <a:t>Tree</a:t>
             </a:r>
             <a:r>
-              <a:rPr lang="en-US" b="1" dirty="0" smtClean="0">
+              <a:rPr lang="en-US" b="1" dirty="0">
                 <a:latin typeface="Consolas" pitchFamily="49" charset="0"/>
                 <a:cs typeface="Consolas" pitchFamily="49" charset="0"/>
               </a:rPr>
               <a:t> </a:t>
             </a:r>
             <a:r>
-              <a:rPr lang="en-US" b="1" dirty="0" err="1" smtClean="0">
+              <a:rPr lang="en-US" b="1" dirty="0" err="1">
                 <a:solidFill>
                   <a:srgbClr val="FF0000"/>
                 </a:solidFill>
@@ -6346,7 +6875,7 @@
               <a:t>Tree</a:t>
             </a:r>
             <a:r>
-              <a:rPr lang="en-US" b="1" dirty="0" smtClean="0">
+              <a:rPr lang="en-US" b="1" dirty="0">
                 <a:latin typeface="Consolas" pitchFamily="49" charset="0"/>
                 <a:cs typeface="Consolas" pitchFamily="49" charset="0"/>
               </a:rPr>
@@ -6433,7 +6962,7 @@
           <a:lstStyle/>
           <a:p>
             <a:pPr algn="ctr"/>
-            <a:endParaRPr lang="en-US" dirty="0" smtClean="0">
+            <a:endParaRPr lang="en-US" dirty="0">
               <a:solidFill>
                 <a:schemeClr val="tx1"/>
               </a:solidFill>
@@ -6492,7 +7021,7 @@
           <a:lstStyle/>
           <a:p>
             <a:pPr algn="ctr"/>
-            <a:endParaRPr lang="en-US" dirty="0" smtClean="0">
+            <a:endParaRPr lang="en-US" dirty="0">
               <a:solidFill>
                 <a:schemeClr val="tx1"/>
               </a:solidFill>
@@ -6742,10 +7271,9 @@
           <a:lstStyle/>
           <a:p>
             <a:r>
-              <a:rPr lang="en-US" dirty="0" smtClean="0"/>
+              <a:rPr lang="en-US" dirty="0"/>
               <a:t>Template</a:t>
             </a:r>
-            <a:endParaRPr lang="en-US" dirty="0"/>
           </a:p>
         </p:txBody>
       </p:sp>
@@ -6770,7 +7298,7 @@
               <a:buNone/>
             </a:pPr>
             <a:r>
-              <a:rPr lang="en-US" sz="2400" b="1" dirty="0" smtClean="0">
+              <a:rPr lang="en-US" sz="2400" b="1" dirty="0">
                 <a:latin typeface="Consolas" pitchFamily="49" charset="0"/>
                 <a:cs typeface="Consolas" pitchFamily="49" charset="0"/>
               </a:rPr>
@@ -6782,14 +7310,14 @@
               <a:buNone/>
             </a:pPr>
             <a:r>
-              <a:rPr lang="en-US" sz="2400" b="1" dirty="0" smtClean="0">
+              <a:rPr lang="en-US" sz="2400" b="1" dirty="0">
                 <a:latin typeface="Consolas" pitchFamily="49" charset="0"/>
                 <a:cs typeface="Consolas" pitchFamily="49" charset="0"/>
               </a:rPr>
               <a:t>(define (</a:t>
             </a:r>
             <a:r>
-              <a:rPr lang="en-US" sz="2400" b="1" dirty="0" smtClean="0">
+              <a:rPr lang="en-US" sz="2400" b="1" dirty="0">
                 <a:solidFill>
                   <a:srgbClr val="FF0000"/>
                 </a:solidFill>
@@ -6799,7 +7327,7 @@
               <a:t>tree-fn</a:t>
             </a:r>
             <a:r>
-              <a:rPr lang="en-US" sz="2400" b="1" dirty="0" smtClean="0">
+              <a:rPr lang="en-US" sz="2400" b="1" dirty="0">
                 <a:latin typeface="Consolas" pitchFamily="49" charset="0"/>
                 <a:cs typeface="Consolas" pitchFamily="49" charset="0"/>
               </a:rPr>
@@ -6811,137 +7339,133 @@
               <a:buNone/>
             </a:pPr>
             <a:r>
-              <a:rPr lang="en-US" sz="2400" b="1" dirty="0" smtClean="0">
+              <a:rPr lang="en-US" sz="2400" b="1" dirty="0">
                 <a:latin typeface="Consolas" pitchFamily="49" charset="0"/>
                 <a:cs typeface="Consolas" pitchFamily="49" charset="0"/>
               </a:rPr>
               <a:t>  (</a:t>
             </a:r>
             <a:r>
-              <a:rPr lang="en-US" sz="2400" b="1" dirty="0" err="1" smtClean="0">
+              <a:rPr lang="en-US" sz="2400" b="1" dirty="0" err="1">
                 <a:latin typeface="Consolas" pitchFamily="49" charset="0"/>
                 <a:cs typeface="Consolas" pitchFamily="49" charset="0"/>
               </a:rPr>
               <a:t>cond</a:t>
-            </a:r>
-            <a:endParaRPr lang="en-US" sz="2400" b="1" dirty="0" smtClean="0">
-              <a:latin typeface="Consolas" pitchFamily="49" charset="0"/>
-              <a:cs typeface="Consolas" pitchFamily="49" charset="0"/>
-            </a:endParaRPr>
-          </a:p>
-          <a:p>
-            <a:pPr>
-              <a:buNone/>
-            </a:pPr>
-            <a:r>
-              <a:rPr lang="en-US" sz="2400" b="1" dirty="0" smtClean="0">
-                <a:latin typeface="Consolas" pitchFamily="49" charset="0"/>
-                <a:cs typeface="Consolas" pitchFamily="49" charset="0"/>
-              </a:rPr>
-              <a:t>    [(leaf? t) (... (leaf-datum t))]</a:t>
-            </a:r>
-          </a:p>
-          <a:p>
-            <a:pPr>
-              <a:buNone/>
-            </a:pPr>
-            <a:r>
-              <a:rPr lang="en-US" sz="2400" b="1" dirty="0" smtClean="0">
-                <a:latin typeface="Consolas" pitchFamily="49" charset="0"/>
-                <a:cs typeface="Consolas" pitchFamily="49" charset="0"/>
-              </a:rPr>
-              <a:t>    [else (...</a:t>
-            </a:r>
-          </a:p>
-          <a:p>
-            <a:pPr>
-              <a:buNone/>
-            </a:pPr>
-            <a:r>
-              <a:rPr lang="en-US" sz="2400" b="1" dirty="0" smtClean="0">
-                <a:latin typeface="Consolas" pitchFamily="49" charset="0"/>
-                <a:cs typeface="Consolas" pitchFamily="49" charset="0"/>
-              </a:rPr>
-              <a:t>            (</a:t>
-            </a:r>
-            <a:r>
-              <a:rPr lang="en-US" sz="2400" b="1" dirty="0" smtClean="0">
-                <a:solidFill>
-                  <a:srgbClr val="FF0000"/>
-                </a:solidFill>
-                <a:latin typeface="Consolas" pitchFamily="49" charset="0"/>
-                <a:cs typeface="Consolas" pitchFamily="49" charset="0"/>
-              </a:rPr>
-              <a:t>tree-fn</a:t>
-            </a:r>
-            <a:r>
-              <a:rPr lang="en-US" sz="2400" b="1" dirty="0" smtClean="0">
-                <a:latin typeface="Consolas" pitchFamily="49" charset="0"/>
-                <a:cs typeface="Consolas" pitchFamily="49" charset="0"/>
-              </a:rPr>
-              <a:t> (node-</a:t>
-            </a:r>
-            <a:r>
-              <a:rPr lang="en-US" sz="2400" b="1" dirty="0" err="1" smtClean="0">
-                <a:latin typeface="Consolas" pitchFamily="49" charset="0"/>
-                <a:cs typeface="Consolas" pitchFamily="49" charset="0"/>
-              </a:rPr>
-              <a:t>lson</a:t>
-            </a:r>
-            <a:r>
-              <a:rPr lang="en-US" sz="2400" b="1" dirty="0" smtClean="0">
-                <a:latin typeface="Consolas" pitchFamily="49" charset="0"/>
-                <a:cs typeface="Consolas" pitchFamily="49" charset="0"/>
-              </a:rPr>
-              <a:t> t))</a:t>
-            </a:r>
-          </a:p>
-          <a:p>
-            <a:pPr>
-              <a:buNone/>
-            </a:pPr>
-            <a:r>
-              <a:rPr lang="en-US" sz="2400" b="1" dirty="0" smtClean="0">
-                <a:latin typeface="Consolas" pitchFamily="49" charset="0"/>
-                <a:cs typeface="Consolas" pitchFamily="49" charset="0"/>
-              </a:rPr>
-              <a:t>            (</a:t>
-            </a:r>
-            <a:r>
-              <a:rPr lang="en-US" sz="2400" b="1" dirty="0" smtClean="0">
-                <a:solidFill>
-                  <a:srgbClr val="FF0000"/>
-                </a:solidFill>
-                <a:latin typeface="Consolas" pitchFamily="49" charset="0"/>
-                <a:cs typeface="Consolas" pitchFamily="49" charset="0"/>
-              </a:rPr>
-              <a:t>tree-fn</a:t>
-            </a:r>
-            <a:r>
-              <a:rPr lang="en-US" sz="2400" b="1" dirty="0" smtClean="0">
-                <a:latin typeface="Consolas" pitchFamily="49" charset="0"/>
-                <a:cs typeface="Consolas" pitchFamily="49" charset="0"/>
-              </a:rPr>
-              <a:t> (node-</a:t>
-            </a:r>
-            <a:r>
-              <a:rPr lang="en-US" sz="2400" b="1" dirty="0" err="1" smtClean="0">
-                <a:latin typeface="Consolas" pitchFamily="49" charset="0"/>
-                <a:cs typeface="Consolas" pitchFamily="49" charset="0"/>
-              </a:rPr>
-              <a:t>rson</a:t>
-            </a:r>
-            <a:r>
-              <a:rPr lang="en-US" sz="2400" b="1" dirty="0" smtClean="0">
-                <a:latin typeface="Consolas" pitchFamily="49" charset="0"/>
-                <a:cs typeface="Consolas" pitchFamily="49" charset="0"/>
-              </a:rPr>
-              <a:t> t)))]))</a:t>
             </a:r>
             <a:endParaRPr lang="en-US" sz="2400" b="1" dirty="0">
               <a:latin typeface="Consolas" pitchFamily="49" charset="0"/>
               <a:cs typeface="Consolas" pitchFamily="49" charset="0"/>
             </a:endParaRPr>
+          </a:p>
+          <a:p>
+            <a:pPr>
+              <a:buNone/>
+            </a:pPr>
+            <a:r>
+              <a:rPr lang="en-US" sz="2400" b="1" dirty="0">
+                <a:latin typeface="Consolas" pitchFamily="49" charset="0"/>
+                <a:cs typeface="Consolas" pitchFamily="49" charset="0"/>
+              </a:rPr>
+              <a:t>    [(leaf? t) (... (leaf-datum t))]</a:t>
+            </a:r>
+          </a:p>
+          <a:p>
+            <a:pPr>
+              <a:buNone/>
+            </a:pPr>
+            <a:r>
+              <a:rPr lang="en-US" sz="2400" b="1" dirty="0">
+                <a:latin typeface="Consolas" pitchFamily="49" charset="0"/>
+                <a:cs typeface="Consolas" pitchFamily="49" charset="0"/>
+              </a:rPr>
+              <a:t>    [else (...</a:t>
+            </a:r>
+          </a:p>
+          <a:p>
+            <a:pPr>
+              <a:buNone/>
+            </a:pPr>
+            <a:r>
+              <a:rPr lang="en-US" sz="2400" b="1" dirty="0">
+                <a:latin typeface="Consolas" pitchFamily="49" charset="0"/>
+                <a:cs typeface="Consolas" pitchFamily="49" charset="0"/>
+              </a:rPr>
+              <a:t>            (</a:t>
+            </a:r>
+            <a:r>
+              <a:rPr lang="en-US" sz="2400" b="1" dirty="0">
+                <a:solidFill>
+                  <a:srgbClr val="FF0000"/>
+                </a:solidFill>
+                <a:latin typeface="Consolas" pitchFamily="49" charset="0"/>
+                <a:cs typeface="Consolas" pitchFamily="49" charset="0"/>
+              </a:rPr>
+              <a:t>tree-fn</a:t>
+            </a:r>
+            <a:r>
+              <a:rPr lang="en-US" sz="2400" b="1" dirty="0">
+                <a:latin typeface="Consolas" pitchFamily="49" charset="0"/>
+                <a:cs typeface="Consolas" pitchFamily="49" charset="0"/>
+              </a:rPr>
+              <a:t> (node-</a:t>
+            </a:r>
+            <a:r>
+              <a:rPr lang="en-US" sz="2400" b="1" dirty="0" err="1">
+                <a:latin typeface="Consolas" pitchFamily="49" charset="0"/>
+                <a:cs typeface="Consolas" pitchFamily="49" charset="0"/>
+              </a:rPr>
+              <a:t>lson</a:t>
+            </a:r>
+            <a:r>
+              <a:rPr lang="en-US" sz="2400" b="1" dirty="0">
+                <a:latin typeface="Consolas" pitchFamily="49" charset="0"/>
+                <a:cs typeface="Consolas" pitchFamily="49" charset="0"/>
+              </a:rPr>
+              <a:t> t))</a:t>
+            </a:r>
+          </a:p>
+          <a:p>
+            <a:pPr>
+              <a:buNone/>
+            </a:pPr>
+            <a:r>
+              <a:rPr lang="en-US" sz="2400" b="1" dirty="0">
+                <a:latin typeface="Consolas" pitchFamily="49" charset="0"/>
+                <a:cs typeface="Consolas" pitchFamily="49" charset="0"/>
+              </a:rPr>
+              <a:t>            (</a:t>
+            </a:r>
+            <a:r>
+              <a:rPr lang="en-US" sz="2400" b="1" dirty="0">
+                <a:solidFill>
+                  <a:srgbClr val="FF0000"/>
+                </a:solidFill>
+                <a:latin typeface="Consolas" pitchFamily="49" charset="0"/>
+                <a:cs typeface="Consolas" pitchFamily="49" charset="0"/>
+              </a:rPr>
+              <a:t>tree-fn</a:t>
+            </a:r>
+            <a:r>
+              <a:rPr lang="en-US" sz="2400" b="1" dirty="0">
+                <a:latin typeface="Consolas" pitchFamily="49" charset="0"/>
+                <a:cs typeface="Consolas" pitchFamily="49" charset="0"/>
+              </a:rPr>
+              <a:t> (node-</a:t>
+            </a:r>
+            <a:r>
+              <a:rPr lang="en-US" sz="2400" b="1" dirty="0" err="1">
+                <a:latin typeface="Consolas" pitchFamily="49" charset="0"/>
+                <a:cs typeface="Consolas" pitchFamily="49" charset="0"/>
+              </a:rPr>
+              <a:t>rson</a:t>
+            </a:r>
+            <a:r>
+              <a:rPr lang="en-US" sz="2400" b="1" dirty="0">
+                <a:latin typeface="Consolas" pitchFamily="49" charset="0"/>
+                <a:cs typeface="Consolas" pitchFamily="49" charset="0"/>
+              </a:rPr>
+              <a:t> t)))]))</a:t>
+            </a:r>
           </a:p>
         </p:txBody>
       </p:sp>
@@ -7014,7 +7538,7 @@
           <a:lstStyle/>
           <a:p>
             <a:pPr algn="ctr"/>
-            <a:endParaRPr lang="en-US" dirty="0" smtClean="0">
+            <a:endParaRPr lang="en-US" dirty="0">
               <a:solidFill>
                 <a:schemeClr val="tx1"/>
               </a:solidFill>
@@ -7068,7 +7592,7 @@
           <a:lstStyle/>
           <a:p>
             <a:pPr algn="ctr"/>
-            <a:endParaRPr lang="en-US" dirty="0" smtClean="0">
+            <a:endParaRPr lang="en-US" dirty="0">
               <a:solidFill>
                 <a:schemeClr val="tx1"/>
               </a:solidFill>
@@ -7438,10 +7962,9 @@
           <a:lstStyle/>
           <a:p>
             <a:r>
-              <a:rPr lang="en-US" dirty="0" smtClean="0"/>
+              <a:rPr lang="en-US" dirty="0"/>
               <a:t>The template questions</a:t>
             </a:r>
-            <a:endParaRPr lang="en-US" dirty="0"/>
           </a:p>
         </p:txBody>
       </p:sp>
@@ -7466,7 +7989,7 @@
               <a:buNone/>
             </a:pPr>
             <a:r>
-              <a:rPr lang="en-US" sz="2400" b="1" dirty="0" smtClean="0">
+              <a:rPr lang="en-US" sz="2400" b="1" dirty="0">
                 <a:latin typeface="Consolas" pitchFamily="49" charset="0"/>
                 <a:cs typeface="Consolas" pitchFamily="49" charset="0"/>
               </a:rPr>
@@ -7478,14 +8001,14 @@
               <a:buNone/>
             </a:pPr>
             <a:r>
-              <a:rPr lang="en-US" sz="2400" b="1" dirty="0" smtClean="0">
+              <a:rPr lang="en-US" sz="2400" b="1" dirty="0">
                 <a:latin typeface="Consolas" pitchFamily="49" charset="0"/>
                 <a:cs typeface="Consolas" pitchFamily="49" charset="0"/>
               </a:rPr>
               <a:t>(define (</a:t>
             </a:r>
             <a:r>
-              <a:rPr lang="en-US" sz="2400" b="1" dirty="0" smtClean="0">
+              <a:rPr lang="en-US" sz="2400" b="1" dirty="0">
                 <a:solidFill>
                   <a:srgbClr val="FF0000"/>
                 </a:solidFill>
@@ -7495,7 +8018,7 @@
               <a:t>tree-fn</a:t>
             </a:r>
             <a:r>
-              <a:rPr lang="en-US" sz="2400" b="1" dirty="0" smtClean="0">
+              <a:rPr lang="en-US" sz="2400" b="1" dirty="0">
                 <a:latin typeface="Consolas" pitchFamily="49" charset="0"/>
                 <a:cs typeface="Consolas" pitchFamily="49" charset="0"/>
               </a:rPr>
@@ -7507,137 +8030,133 @@
               <a:buNone/>
             </a:pPr>
             <a:r>
-              <a:rPr lang="en-US" sz="2400" b="1" dirty="0" smtClean="0">
+              <a:rPr lang="en-US" sz="2400" b="1" dirty="0">
                 <a:latin typeface="Consolas" pitchFamily="49" charset="0"/>
                 <a:cs typeface="Consolas" pitchFamily="49" charset="0"/>
               </a:rPr>
               <a:t>  (</a:t>
             </a:r>
             <a:r>
-              <a:rPr lang="en-US" sz="2400" b="1" dirty="0" err="1" smtClean="0">
+              <a:rPr lang="en-US" sz="2400" b="1" dirty="0" err="1">
                 <a:latin typeface="Consolas" pitchFamily="49" charset="0"/>
                 <a:cs typeface="Consolas" pitchFamily="49" charset="0"/>
               </a:rPr>
               <a:t>cond</a:t>
-            </a:r>
-            <a:endParaRPr lang="en-US" sz="2400" b="1" dirty="0" smtClean="0">
-              <a:latin typeface="Consolas" pitchFamily="49" charset="0"/>
-              <a:cs typeface="Consolas" pitchFamily="49" charset="0"/>
-            </a:endParaRPr>
-          </a:p>
-          <a:p>
-            <a:pPr>
-              <a:buNone/>
-            </a:pPr>
-            <a:r>
-              <a:rPr lang="en-US" sz="2400" b="1" dirty="0" smtClean="0">
-                <a:latin typeface="Consolas" pitchFamily="49" charset="0"/>
-                <a:cs typeface="Consolas" pitchFamily="49" charset="0"/>
-              </a:rPr>
-              <a:t>    [(leaf? t) (... (leaf-datum t))]</a:t>
-            </a:r>
-          </a:p>
-          <a:p>
-            <a:pPr>
-              <a:buNone/>
-            </a:pPr>
-            <a:r>
-              <a:rPr lang="en-US" sz="2400" b="1" dirty="0" smtClean="0">
-                <a:latin typeface="Consolas" pitchFamily="49" charset="0"/>
-                <a:cs typeface="Consolas" pitchFamily="49" charset="0"/>
-              </a:rPr>
-              <a:t>    [else (...</a:t>
-            </a:r>
-          </a:p>
-          <a:p>
-            <a:pPr>
-              <a:buNone/>
-            </a:pPr>
-            <a:r>
-              <a:rPr lang="en-US" sz="2400" b="1" dirty="0" smtClean="0">
-                <a:latin typeface="Consolas" pitchFamily="49" charset="0"/>
-                <a:cs typeface="Consolas" pitchFamily="49" charset="0"/>
-              </a:rPr>
-              <a:t>            (</a:t>
-            </a:r>
-            <a:r>
-              <a:rPr lang="en-US" sz="2400" b="1" dirty="0" smtClean="0">
-                <a:solidFill>
-                  <a:srgbClr val="FF0000"/>
-                </a:solidFill>
-                <a:latin typeface="Consolas" pitchFamily="49" charset="0"/>
-                <a:cs typeface="Consolas" pitchFamily="49" charset="0"/>
-              </a:rPr>
-              <a:t>tree-fn</a:t>
-            </a:r>
-            <a:r>
-              <a:rPr lang="en-US" sz="2400" b="1" dirty="0" smtClean="0">
-                <a:latin typeface="Consolas" pitchFamily="49" charset="0"/>
-                <a:cs typeface="Consolas" pitchFamily="49" charset="0"/>
-              </a:rPr>
-              <a:t> (node-</a:t>
-            </a:r>
-            <a:r>
-              <a:rPr lang="en-US" sz="2400" b="1" dirty="0" err="1" smtClean="0">
-                <a:latin typeface="Consolas" pitchFamily="49" charset="0"/>
-                <a:cs typeface="Consolas" pitchFamily="49" charset="0"/>
-              </a:rPr>
-              <a:t>lson</a:t>
-            </a:r>
-            <a:r>
-              <a:rPr lang="en-US" sz="2400" b="1" dirty="0" smtClean="0">
-                <a:latin typeface="Consolas" pitchFamily="49" charset="0"/>
-                <a:cs typeface="Consolas" pitchFamily="49" charset="0"/>
-              </a:rPr>
-              <a:t> t))</a:t>
-            </a:r>
-          </a:p>
-          <a:p>
-            <a:pPr>
-              <a:buNone/>
-            </a:pPr>
-            <a:r>
-              <a:rPr lang="en-US" sz="2400" b="1" dirty="0" smtClean="0">
-                <a:latin typeface="Consolas" pitchFamily="49" charset="0"/>
-                <a:cs typeface="Consolas" pitchFamily="49" charset="0"/>
-              </a:rPr>
-              <a:t>            (</a:t>
-            </a:r>
-            <a:r>
-              <a:rPr lang="en-US" sz="2400" b="1" dirty="0" smtClean="0">
-                <a:solidFill>
-                  <a:srgbClr val="FF0000"/>
-                </a:solidFill>
-                <a:latin typeface="Consolas" pitchFamily="49" charset="0"/>
-                <a:cs typeface="Consolas" pitchFamily="49" charset="0"/>
-              </a:rPr>
-              <a:t>tree-fn</a:t>
-            </a:r>
-            <a:r>
-              <a:rPr lang="en-US" sz="2400" b="1" dirty="0" smtClean="0">
-                <a:latin typeface="Consolas" pitchFamily="49" charset="0"/>
-                <a:cs typeface="Consolas" pitchFamily="49" charset="0"/>
-              </a:rPr>
-              <a:t> (node-</a:t>
-            </a:r>
-            <a:r>
-              <a:rPr lang="en-US" sz="2400" b="1" dirty="0" err="1" smtClean="0">
-                <a:latin typeface="Consolas" pitchFamily="49" charset="0"/>
-                <a:cs typeface="Consolas" pitchFamily="49" charset="0"/>
-              </a:rPr>
-              <a:t>rson</a:t>
-            </a:r>
-            <a:r>
-              <a:rPr lang="en-US" sz="2400" b="1" dirty="0" smtClean="0">
-                <a:latin typeface="Consolas" pitchFamily="49" charset="0"/>
-                <a:cs typeface="Consolas" pitchFamily="49" charset="0"/>
-              </a:rPr>
-              <a:t> t) ))]))</a:t>
             </a:r>
             <a:endParaRPr lang="en-US" sz="2400" b="1" dirty="0">
               <a:latin typeface="Consolas" pitchFamily="49" charset="0"/>
               <a:cs typeface="Consolas" pitchFamily="49" charset="0"/>
             </a:endParaRPr>
+          </a:p>
+          <a:p>
+            <a:pPr>
+              <a:buNone/>
+            </a:pPr>
+            <a:r>
+              <a:rPr lang="en-US" sz="2400" b="1" dirty="0">
+                <a:latin typeface="Consolas" pitchFamily="49" charset="0"/>
+                <a:cs typeface="Consolas" pitchFamily="49" charset="0"/>
+              </a:rPr>
+              <a:t>    [(leaf? t) (... (leaf-datum t))]</a:t>
+            </a:r>
+          </a:p>
+          <a:p>
+            <a:pPr>
+              <a:buNone/>
+            </a:pPr>
+            <a:r>
+              <a:rPr lang="en-US" sz="2400" b="1" dirty="0">
+                <a:latin typeface="Consolas" pitchFamily="49" charset="0"/>
+                <a:cs typeface="Consolas" pitchFamily="49" charset="0"/>
+              </a:rPr>
+              <a:t>    [else (...</a:t>
+            </a:r>
+          </a:p>
+          <a:p>
+            <a:pPr>
+              <a:buNone/>
+            </a:pPr>
+            <a:r>
+              <a:rPr lang="en-US" sz="2400" b="1" dirty="0">
+                <a:latin typeface="Consolas" pitchFamily="49" charset="0"/>
+                <a:cs typeface="Consolas" pitchFamily="49" charset="0"/>
+              </a:rPr>
+              <a:t>            (</a:t>
+            </a:r>
+            <a:r>
+              <a:rPr lang="en-US" sz="2400" b="1" dirty="0">
+                <a:solidFill>
+                  <a:srgbClr val="FF0000"/>
+                </a:solidFill>
+                <a:latin typeface="Consolas" pitchFamily="49" charset="0"/>
+                <a:cs typeface="Consolas" pitchFamily="49" charset="0"/>
+              </a:rPr>
+              <a:t>tree-fn</a:t>
+            </a:r>
+            <a:r>
+              <a:rPr lang="en-US" sz="2400" b="1" dirty="0">
+                <a:latin typeface="Consolas" pitchFamily="49" charset="0"/>
+                <a:cs typeface="Consolas" pitchFamily="49" charset="0"/>
+              </a:rPr>
+              <a:t> (node-</a:t>
+            </a:r>
+            <a:r>
+              <a:rPr lang="en-US" sz="2400" b="1" dirty="0" err="1">
+                <a:latin typeface="Consolas" pitchFamily="49" charset="0"/>
+                <a:cs typeface="Consolas" pitchFamily="49" charset="0"/>
+              </a:rPr>
+              <a:t>lson</a:t>
+            </a:r>
+            <a:r>
+              <a:rPr lang="en-US" sz="2400" b="1" dirty="0">
+                <a:latin typeface="Consolas" pitchFamily="49" charset="0"/>
+                <a:cs typeface="Consolas" pitchFamily="49" charset="0"/>
+              </a:rPr>
+              <a:t> t))</a:t>
+            </a:r>
+          </a:p>
+          <a:p>
+            <a:pPr>
+              <a:buNone/>
+            </a:pPr>
+            <a:r>
+              <a:rPr lang="en-US" sz="2400" b="1" dirty="0">
+                <a:latin typeface="Consolas" pitchFamily="49" charset="0"/>
+                <a:cs typeface="Consolas" pitchFamily="49" charset="0"/>
+              </a:rPr>
+              <a:t>            (</a:t>
+            </a:r>
+            <a:r>
+              <a:rPr lang="en-US" sz="2400" b="1" dirty="0">
+                <a:solidFill>
+                  <a:srgbClr val="FF0000"/>
+                </a:solidFill>
+                <a:latin typeface="Consolas" pitchFamily="49" charset="0"/>
+                <a:cs typeface="Consolas" pitchFamily="49" charset="0"/>
+              </a:rPr>
+              <a:t>tree-fn</a:t>
+            </a:r>
+            <a:r>
+              <a:rPr lang="en-US" sz="2400" b="1" dirty="0">
+                <a:latin typeface="Consolas" pitchFamily="49" charset="0"/>
+                <a:cs typeface="Consolas" pitchFamily="49" charset="0"/>
+              </a:rPr>
+              <a:t> (node-</a:t>
+            </a:r>
+            <a:r>
+              <a:rPr lang="en-US" sz="2400" b="1" dirty="0" err="1">
+                <a:latin typeface="Consolas" pitchFamily="49" charset="0"/>
+                <a:cs typeface="Consolas" pitchFamily="49" charset="0"/>
+              </a:rPr>
+              <a:t>rson</a:t>
+            </a:r>
+            <a:r>
+              <a:rPr lang="en-US" sz="2400" b="1" dirty="0">
+                <a:latin typeface="Consolas" pitchFamily="49" charset="0"/>
+                <a:cs typeface="Consolas" pitchFamily="49" charset="0"/>
+              </a:rPr>
+              <a:t> t) ))]))</a:t>
+            </a:r>
           </a:p>
         </p:txBody>
       </p:sp>
@@ -7714,7 +8233,7 @@
             <a:p>
               <a:pPr algn="ctr"/>
               <a:r>
-                <a:rPr lang="en-US" dirty="0" smtClean="0">
+                <a:rPr lang="en-US" dirty="0">
                   <a:solidFill>
                     <a:schemeClr val="tx1"/>
                   </a:solidFill>
@@ -8001,23 +8520,7 @@
                   <a:schemeClr val="tx1"/>
                 </a:solidFill>
               </a:rPr>
-              <a:t>And here are the template questions.  When we write a function </a:t>
-            </a:r>
-            <a:r>
-              <a:rPr lang="en-US" dirty="0" smtClean="0">
-                <a:solidFill>
-                  <a:schemeClr val="tx1"/>
-                </a:solidFill>
-              </a:rPr>
-              <a:t>using the template, </a:t>
-            </a:r>
-            <a:r>
-              <a:rPr lang="en-US" dirty="0">
-                <a:solidFill>
-                  <a:schemeClr val="tx1"/>
-                </a:solidFill>
-              </a:rPr>
-              <a:t>we fill in the template with the answers to these questions.</a:t>
+              <a:t>And here are the template questions.  When we write a function using the template, we fill in the template with the answers to these questions.</a:t>
             </a:r>
           </a:p>
         </p:txBody>
@@ -8206,10 +8709,9 @@
           <a:lstStyle/>
           <a:p>
             <a:r>
-              <a:rPr lang="en-US" dirty="0" smtClean="0"/>
+              <a:rPr lang="en-US" dirty="0"/>
               <a:t>The template recipe</a:t>
             </a:r>
-            <a:endParaRPr lang="en-US" dirty="0"/>
           </a:p>
         </p:txBody>
       </p:sp>
@@ -8239,8 +8741,20 @@
                 <a:tableStyleId>{5C22544A-7EE6-4342-B048-85BDC9FD1C3A}</a:tableStyleId>
               </a:tblPr>
               <a:tblGrid>
-                <a:gridCol w="4114800"/>
-                <a:gridCol w="4114800"/>
+                <a:gridCol w="4114800">
+                  <a:extLst>
+                    <a:ext uri="{9D8B030D-6E8A-4147-A177-3AD203B41FA5}">
+                      <a16:colId xmlns:a16="http://schemas.microsoft.com/office/drawing/2014/main" val="20000"/>
+                    </a:ext>
+                  </a:extLst>
+                </a:gridCol>
+                <a:gridCol w="4114800">
+                  <a:extLst>
+                    <a:ext uri="{9D8B030D-6E8A-4147-A177-3AD203B41FA5}">
+                      <a16:colId xmlns:a16="http://schemas.microsoft.com/office/drawing/2014/main" val="20001"/>
+                    </a:ext>
+                  </a:extLst>
+                </a:gridCol>
               </a:tblGrid>
               <a:tr h="370840">
                 <a:tc>
@@ -8249,10 +8763,9 @@
                     <a:lstStyle/>
                     <a:p>
                       <a:r>
-                        <a:rPr lang="en-US" dirty="0" smtClean="0"/>
+                        <a:rPr lang="en-US" dirty="0"/>
                         <a:t>Question</a:t>
                       </a:r>
-                      <a:endParaRPr lang="en-US" dirty="0"/>
                     </a:p>
                   </a:txBody>
                   <a:tcPr/>
@@ -8263,14 +8776,18 @@
                     <a:lstStyle/>
                     <a:p>
                       <a:r>
-                        <a:rPr lang="en-US" dirty="0" smtClean="0"/>
+                        <a:rPr lang="en-US" dirty="0"/>
                         <a:t>Answer</a:t>
                       </a:r>
-                      <a:endParaRPr lang="en-US" dirty="0"/>
                     </a:p>
                   </a:txBody>
                   <a:tcPr/>
                 </a:tc>
+                <a:extLst>
+                  <a:ext uri="{0D108BD9-81ED-4DB2-BD59-A6C34878D82A}">
+                    <a16:rowId xmlns:a16="http://schemas.microsoft.com/office/drawing/2014/main" val="10000"/>
+                  </a:ext>
+                </a:extLst>
               </a:tr>
               <a:tr h="370840">
                 <a:tc>
@@ -8279,10 +8796,9 @@
                     <a:lstStyle/>
                     <a:p>
                       <a:r>
-                        <a:rPr lang="en-US" dirty="0" smtClean="0"/>
+                        <a:rPr lang="en-US" dirty="0"/>
                         <a:t>Does the data definition distinguish among different subclasses of data?</a:t>
                       </a:r>
-                      <a:endParaRPr lang="en-US" dirty="0"/>
                     </a:p>
                   </a:txBody>
                   <a:tcPr/>
@@ -8293,24 +8809,28 @@
                     <a:lstStyle/>
                     <a:p>
                       <a:r>
-                        <a:rPr lang="en-US" dirty="0" smtClean="0"/>
+                        <a:rPr lang="en-US" dirty="0"/>
                         <a:t>Your template needs as many </a:t>
                       </a:r>
                       <a:r>
-                        <a:rPr lang="en-US" dirty="0" err="1" smtClean="0">
+                        <a:rPr lang="en-US" dirty="0" err="1">
                           <a:hlinkClick r:id="rId2"/>
                         </a:rPr>
                         <a:t>cond</a:t>
                       </a:r>
                       <a:r>
-                        <a:rPr lang="en-US" dirty="0" smtClean="0"/>
+                        <a:rPr lang="en-US" dirty="0"/>
                         <a:t> clauses as subclasses that the data definition distinguishes.</a:t>
                       </a:r>
-                      <a:endParaRPr lang="en-US" dirty="0"/>
                     </a:p>
                   </a:txBody>
                   <a:tcPr/>
                 </a:tc>
+                <a:extLst>
+                  <a:ext uri="{0D108BD9-81ED-4DB2-BD59-A6C34878D82A}">
+                    <a16:rowId xmlns:a16="http://schemas.microsoft.com/office/drawing/2014/main" val="10001"/>
+                  </a:ext>
+                </a:extLst>
               </a:tr>
               <a:tr h="370840">
                 <a:tc>
@@ -8319,10 +8839,9 @@
                     <a:lstStyle/>
                     <a:p>
                       <a:r>
-                        <a:rPr lang="en-US" dirty="0" smtClean="0"/>
+                        <a:rPr lang="en-US" dirty="0"/>
                         <a:t>How do the subclasses differ from each other?</a:t>
                       </a:r>
-                      <a:endParaRPr lang="en-US" dirty="0"/>
                     </a:p>
                   </a:txBody>
                   <a:tcPr/>
@@ -8333,14 +8852,18 @@
                     <a:lstStyle/>
                     <a:p>
                       <a:r>
-                        <a:rPr lang="en-US" dirty="0" smtClean="0"/>
+                        <a:rPr lang="en-US" dirty="0"/>
                         <a:t>Use the differences to formulate a condition per clause.</a:t>
                       </a:r>
-                      <a:endParaRPr lang="en-US" dirty="0"/>
                     </a:p>
                   </a:txBody>
                   <a:tcPr/>
                 </a:tc>
+                <a:extLst>
+                  <a:ext uri="{0D108BD9-81ED-4DB2-BD59-A6C34878D82A}">
+                    <a16:rowId xmlns:a16="http://schemas.microsoft.com/office/drawing/2014/main" val="10002"/>
+                  </a:ext>
+                </a:extLst>
               </a:tr>
               <a:tr h="370840">
                 <a:tc>
@@ -8349,10 +8872,9 @@
                     <a:lstStyle/>
                     <a:p>
                       <a:r>
-                        <a:rPr lang="en-US" dirty="0" smtClean="0"/>
+                        <a:rPr lang="en-US" dirty="0"/>
                         <a:t>Do any of the clauses deal with structured values?</a:t>
                       </a:r>
-                      <a:endParaRPr lang="en-US" dirty="0"/>
                     </a:p>
                   </a:txBody>
                   <a:tcPr/>
@@ -8363,14 +8885,18 @@
                     <a:lstStyle/>
                     <a:p>
                       <a:r>
-                        <a:rPr lang="en-US" dirty="0" smtClean="0"/>
+                        <a:rPr lang="en-US" dirty="0"/>
                         <a:t>If so, add appropriate selector expressions to the clause.</a:t>
                       </a:r>
-                      <a:endParaRPr lang="en-US" dirty="0"/>
                     </a:p>
                   </a:txBody>
                   <a:tcPr/>
                 </a:tc>
+                <a:extLst>
+                  <a:ext uri="{0D108BD9-81ED-4DB2-BD59-A6C34878D82A}">
+                    <a16:rowId xmlns:a16="http://schemas.microsoft.com/office/drawing/2014/main" val="10003"/>
+                  </a:ext>
+                </a:extLst>
               </a:tr>
               <a:tr h="370840">
                 <a:tc>
@@ -8379,18 +8905,13 @@
                     <a:lstStyle/>
                     <a:p>
                       <a:r>
-                        <a:rPr lang="en-US" dirty="0" smtClean="0">
+                        <a:rPr lang="en-US" dirty="0">
                           <a:solidFill>
                             <a:schemeClr val="tx1"/>
                           </a:solidFill>
                         </a:rPr>
                         <a:t>Does the data definition use self-references?</a:t>
                       </a:r>
-                      <a:endParaRPr lang="en-US" dirty="0">
-                        <a:solidFill>
-                          <a:schemeClr val="tx1"/>
-                        </a:solidFill>
-                      </a:endParaRPr>
                     </a:p>
                   </a:txBody>
                   <a:tcPr/>
@@ -8401,22 +8922,22 @@
                     <a:lstStyle/>
                     <a:p>
                       <a:r>
-                        <a:rPr lang="en-US" dirty="0" smtClean="0">
+                        <a:rPr lang="en-US" dirty="0">
                           <a:solidFill>
                             <a:schemeClr val="tx1"/>
                           </a:solidFill>
                         </a:rPr>
                         <a:t>Formulate ``natural recursions'' for the template to represent the self-references of the data definition.</a:t>
                       </a:r>
-                      <a:endParaRPr lang="en-US" dirty="0">
-                        <a:solidFill>
-                          <a:schemeClr val="tx1"/>
-                        </a:solidFill>
-                      </a:endParaRPr>
                     </a:p>
                   </a:txBody>
                   <a:tcPr/>
                 </a:tc>
+                <a:extLst>
+                  <a:ext uri="{0D108BD9-81ED-4DB2-BD59-A6C34878D82A}">
+                    <a16:rowId xmlns:a16="http://schemas.microsoft.com/office/drawing/2014/main" val="10004"/>
+                  </a:ext>
+                </a:extLst>
               </a:tr>
               <a:tr h="370840">
                 <a:tc>
@@ -8425,7 +8946,7 @@
                     <a:lstStyle/>
                     <a:p>
                       <a:r>
-                        <a:rPr lang="en-US" dirty="0" smtClean="0">
+                        <a:rPr lang="en-US" dirty="0">
                           <a:solidFill>
                             <a:schemeClr val="tx1"/>
                           </a:solidFill>
@@ -8433,7 +8954,7 @@
                         <a:t>Do any of the fields contain compound</a:t>
                       </a:r>
                       <a:r>
-                        <a:rPr lang="en-US" baseline="0" dirty="0" smtClean="0">
+                        <a:rPr lang="en-US" baseline="0" dirty="0">
                           <a:solidFill>
                             <a:schemeClr val="tx1"/>
                           </a:solidFill>
@@ -8455,7 +8976,7 @@
                     <a:lstStyle/>
                     <a:p>
                       <a:r>
-                        <a:rPr lang="en-US" dirty="0" smtClean="0">
+                        <a:rPr lang="en-US" dirty="0">
                           <a:solidFill>
                             <a:schemeClr val="tx1"/>
                           </a:solidFill>
@@ -8463,7 +8984,7 @@
                         <a:t>If the value of a field is a foo,</a:t>
                       </a:r>
                       <a:r>
-                        <a:rPr lang="en-US" baseline="0" dirty="0" smtClean="0">
+                        <a:rPr lang="en-US" baseline="0" dirty="0">
                           <a:solidFill>
                             <a:schemeClr val="tx1"/>
                           </a:solidFill>
@@ -8471,7 +8992,7 @@
                         <a:t> add a call to a foo-</a:t>
                       </a:r>
                       <a:r>
-                        <a:rPr lang="en-US" baseline="0" dirty="0" err="1" smtClean="0">
+                        <a:rPr lang="en-US" baseline="0" dirty="0" err="1">
                           <a:solidFill>
                             <a:schemeClr val="tx1"/>
                           </a:solidFill>
@@ -8479,7 +9000,7 @@
                         <a:t>fn</a:t>
                       </a:r>
                       <a:r>
-                        <a:rPr lang="en-US" baseline="0" dirty="0" smtClean="0">
+                        <a:rPr lang="en-US" baseline="0" dirty="0">
                           <a:solidFill>
                             <a:schemeClr val="tx1"/>
                           </a:solidFill>
@@ -8495,6 +9016,11 @@
                   </a:txBody>
                   <a:tcPr/>
                 </a:tc>
+                <a:extLst>
+                  <a:ext uri="{0D108BD9-81ED-4DB2-BD59-A6C34878D82A}">
+                    <a16:rowId xmlns:a16="http://schemas.microsoft.com/office/drawing/2014/main" val="10005"/>
+                  </a:ext>
+                </a:extLst>
               </a:tr>
             </a:tbl>
           </a:graphicData>
@@ -8570,7 +9096,7 @@
           <a:p>
             <a:pPr algn="ctr"/>
             <a:r>
-              <a:rPr lang="en-US" dirty="0" smtClean="0">
+              <a:rPr lang="en-US" dirty="0">
                 <a:solidFill>
                   <a:schemeClr val="tx1"/>
                 </a:solidFill>
@@ -8704,10 +9230,9 @@
           <a:lstStyle/>
           <a:p>
             <a:r>
-              <a:rPr lang="en-US" dirty="0" smtClean="0"/>
+              <a:rPr lang="en-US" dirty="0"/>
               <a:t>leaf-sum</a:t>
             </a:r>
-            <a:endParaRPr lang="en-US" dirty="0"/>
           </a:p>
         </p:txBody>
       </p:sp>
@@ -8732,7 +9257,7 @@
               <a:buNone/>
             </a:pPr>
             <a:r>
-              <a:rPr lang="en-US" sz="2400" b="1" dirty="0" smtClean="0">
+              <a:rPr lang="en-US" sz="2400" b="1" dirty="0">
                 <a:solidFill>
                   <a:srgbClr val="FF0000"/>
                 </a:solidFill>
@@ -8742,7 +9267,7 @@
               <a:t>leaf-sum</a:t>
             </a:r>
             <a:r>
-              <a:rPr lang="en-US" sz="2400" b="1" dirty="0" smtClean="0">
+              <a:rPr lang="en-US" sz="2400" b="1" dirty="0">
                 <a:latin typeface="Consolas" pitchFamily="49" charset="0"/>
                 <a:cs typeface="Consolas" pitchFamily="49" charset="0"/>
               </a:rPr>
@@ -8754,14 +9279,14 @@
               <a:buNone/>
             </a:pPr>
             <a:r>
-              <a:rPr lang="en-US" sz="2400" b="1" dirty="0" smtClean="0">
+              <a:rPr lang="en-US" sz="2400" b="1" dirty="0">
                 <a:latin typeface="Consolas" pitchFamily="49" charset="0"/>
                 <a:cs typeface="Consolas" pitchFamily="49" charset="0"/>
               </a:rPr>
               <a:t>(define (</a:t>
             </a:r>
             <a:r>
-              <a:rPr lang="en-US" sz="2400" b="1" dirty="0" smtClean="0">
+              <a:rPr lang="en-US" sz="2400" b="1" dirty="0">
                 <a:solidFill>
                   <a:srgbClr val="FF0000"/>
                 </a:solidFill>
@@ -8771,7 +9296,7 @@
               <a:t>leaf-sum</a:t>
             </a:r>
             <a:r>
-              <a:rPr lang="en-US" sz="2400" b="1" dirty="0" smtClean="0">
+              <a:rPr lang="en-US" sz="2400" b="1" dirty="0">
                 <a:latin typeface="Consolas" pitchFamily="49" charset="0"/>
                 <a:cs typeface="Consolas" pitchFamily="49" charset="0"/>
               </a:rPr>
@@ -8783,147 +9308,143 @@
               <a:buNone/>
             </a:pPr>
             <a:r>
-              <a:rPr lang="en-US" sz="2400" b="1" dirty="0" smtClean="0">
+              <a:rPr lang="en-US" sz="2400" b="1" dirty="0">
                 <a:latin typeface="Consolas" pitchFamily="49" charset="0"/>
                 <a:cs typeface="Consolas" pitchFamily="49" charset="0"/>
               </a:rPr>
               <a:t>  (</a:t>
             </a:r>
             <a:r>
-              <a:rPr lang="en-US" sz="2400" b="1" dirty="0" err="1" smtClean="0">
+              <a:rPr lang="en-US" sz="2400" b="1" dirty="0" err="1">
                 <a:latin typeface="Consolas" pitchFamily="49" charset="0"/>
                 <a:cs typeface="Consolas" pitchFamily="49" charset="0"/>
               </a:rPr>
               <a:t>cond</a:t>
-            </a:r>
-            <a:endParaRPr lang="en-US" sz="2400" b="1" dirty="0" smtClean="0">
-              <a:latin typeface="Consolas" pitchFamily="49" charset="0"/>
-              <a:cs typeface="Consolas" pitchFamily="49" charset="0"/>
-            </a:endParaRPr>
-          </a:p>
-          <a:p>
-            <a:pPr>
-              <a:buNone/>
-            </a:pPr>
-            <a:r>
-              <a:rPr lang="en-US" sz="2400" b="1" dirty="0" smtClean="0">
-                <a:latin typeface="Consolas" pitchFamily="49" charset="0"/>
-                <a:cs typeface="Consolas" pitchFamily="49" charset="0"/>
-              </a:rPr>
-              <a:t>    [(leaf? t) (leaf-datum t)]</a:t>
-            </a:r>
-          </a:p>
-          <a:p>
-            <a:pPr>
-              <a:buNone/>
-            </a:pPr>
-            <a:r>
-              <a:rPr lang="en-US" sz="2400" b="1" dirty="0" smtClean="0">
-                <a:latin typeface="Consolas" pitchFamily="49" charset="0"/>
-                <a:cs typeface="Consolas" pitchFamily="49" charset="0"/>
-              </a:rPr>
-              <a:t>    [else (</a:t>
-            </a:r>
-            <a:r>
-              <a:rPr lang="en-US" sz="2400" b="1" dirty="0" smtClean="0">
-                <a:solidFill>
-                  <a:srgbClr val="FF0000"/>
-                </a:solidFill>
-                <a:latin typeface="Consolas" pitchFamily="49" charset="0"/>
-                <a:cs typeface="Consolas" pitchFamily="49" charset="0"/>
-              </a:rPr>
-              <a:t>+</a:t>
-            </a:r>
-          </a:p>
-          <a:p>
-            <a:pPr>
-              <a:buNone/>
-            </a:pPr>
-            <a:r>
-              <a:rPr lang="en-US" sz="2400" b="1" dirty="0" smtClean="0">
-                <a:latin typeface="Consolas" pitchFamily="49" charset="0"/>
-                <a:cs typeface="Consolas" pitchFamily="49" charset="0"/>
-              </a:rPr>
-              <a:t>            (</a:t>
-            </a:r>
-            <a:r>
-              <a:rPr lang="en-US" sz="2400" b="1" dirty="0" smtClean="0">
-                <a:solidFill>
-                  <a:srgbClr val="FF0000"/>
-                </a:solidFill>
-                <a:latin typeface="Consolas" pitchFamily="49" charset="0"/>
-                <a:cs typeface="Consolas" pitchFamily="49" charset="0"/>
-              </a:rPr>
-              <a:t>leaf-sum</a:t>
-            </a:r>
-            <a:r>
-              <a:rPr lang="en-US" sz="2400" b="1" dirty="0" smtClean="0">
-                <a:latin typeface="Consolas" pitchFamily="49" charset="0"/>
-                <a:cs typeface="Consolas" pitchFamily="49" charset="0"/>
-              </a:rPr>
-              <a:t> (node-</a:t>
-            </a:r>
-            <a:r>
-              <a:rPr lang="en-US" sz="2400" b="1" dirty="0" err="1" smtClean="0">
-                <a:latin typeface="Consolas" pitchFamily="49" charset="0"/>
-                <a:cs typeface="Consolas" pitchFamily="49" charset="0"/>
-              </a:rPr>
-              <a:t>lson</a:t>
-            </a:r>
-            <a:r>
-              <a:rPr lang="en-US" sz="2400" b="1" dirty="0" smtClean="0">
-                <a:latin typeface="Consolas" pitchFamily="49" charset="0"/>
-                <a:cs typeface="Consolas" pitchFamily="49" charset="0"/>
-              </a:rPr>
-              <a:t> t))</a:t>
-            </a:r>
-          </a:p>
-          <a:p>
-            <a:pPr>
-              <a:buNone/>
-            </a:pPr>
-            <a:r>
-              <a:rPr lang="en-US" sz="2400" b="1" dirty="0" smtClean="0">
-                <a:latin typeface="Consolas" pitchFamily="49" charset="0"/>
-                <a:cs typeface="Consolas" pitchFamily="49" charset="0"/>
-              </a:rPr>
-              <a:t>            (</a:t>
-            </a:r>
-            <a:r>
-              <a:rPr lang="en-US" sz="2400" b="1" dirty="0" smtClean="0">
-                <a:solidFill>
-                  <a:srgbClr val="FF0000"/>
-                </a:solidFill>
-                <a:latin typeface="Consolas" pitchFamily="49" charset="0"/>
-                <a:cs typeface="Consolas" pitchFamily="49" charset="0"/>
-              </a:rPr>
-              <a:t>leaf-sum</a:t>
-            </a:r>
-            <a:r>
-              <a:rPr lang="en-US" sz="2400" b="1" dirty="0" smtClean="0">
-                <a:latin typeface="Consolas" pitchFamily="49" charset="0"/>
-                <a:cs typeface="Consolas" pitchFamily="49" charset="0"/>
-              </a:rPr>
-              <a:t> (node-</a:t>
-            </a:r>
-            <a:r>
-              <a:rPr lang="en-US" sz="2400" b="1" dirty="0" err="1" smtClean="0">
-                <a:latin typeface="Consolas" pitchFamily="49" charset="0"/>
-                <a:cs typeface="Consolas" pitchFamily="49" charset="0"/>
-              </a:rPr>
-              <a:t>rson</a:t>
-            </a:r>
-            <a:r>
-              <a:rPr lang="en-US" sz="2400" b="1" dirty="0" smtClean="0">
-                <a:latin typeface="Consolas" pitchFamily="49" charset="0"/>
-                <a:cs typeface="Consolas" pitchFamily="49" charset="0"/>
-              </a:rPr>
-              <a:t> t)))]))</a:t>
             </a:r>
             <a:endParaRPr lang="en-US" sz="2400" b="1" dirty="0">
               <a:latin typeface="Consolas" pitchFamily="49" charset="0"/>
               <a:cs typeface="Consolas" pitchFamily="49" charset="0"/>
             </a:endParaRPr>
+          </a:p>
+          <a:p>
+            <a:pPr>
+              <a:buNone/>
+            </a:pPr>
+            <a:r>
+              <a:rPr lang="en-US" sz="2400" b="1" dirty="0">
+                <a:latin typeface="Consolas" pitchFamily="49" charset="0"/>
+                <a:cs typeface="Consolas" pitchFamily="49" charset="0"/>
+              </a:rPr>
+              <a:t>    [(leaf? t) (leaf-datum t)]</a:t>
+            </a:r>
+          </a:p>
+          <a:p>
+            <a:pPr>
+              <a:buNone/>
+            </a:pPr>
+            <a:r>
+              <a:rPr lang="en-US" sz="2400" b="1" dirty="0">
+                <a:latin typeface="Consolas" pitchFamily="49" charset="0"/>
+                <a:cs typeface="Consolas" pitchFamily="49" charset="0"/>
+              </a:rPr>
+              <a:t>    [else (</a:t>
+            </a:r>
+            <a:r>
+              <a:rPr lang="en-US" sz="2400" b="1" dirty="0">
+                <a:solidFill>
+                  <a:srgbClr val="FF0000"/>
+                </a:solidFill>
+                <a:latin typeface="Consolas" pitchFamily="49" charset="0"/>
+                <a:cs typeface="Consolas" pitchFamily="49" charset="0"/>
+              </a:rPr>
+              <a:t>+</a:t>
+            </a:r>
+          </a:p>
+          <a:p>
+            <a:pPr>
+              <a:buNone/>
+            </a:pPr>
+            <a:r>
+              <a:rPr lang="en-US" sz="2400" b="1" dirty="0">
+                <a:latin typeface="Consolas" pitchFamily="49" charset="0"/>
+                <a:cs typeface="Consolas" pitchFamily="49" charset="0"/>
+              </a:rPr>
+              <a:t>            (</a:t>
+            </a:r>
+            <a:r>
+              <a:rPr lang="en-US" sz="2400" b="1" dirty="0">
+                <a:solidFill>
+                  <a:srgbClr val="FF0000"/>
+                </a:solidFill>
+                <a:latin typeface="Consolas" pitchFamily="49" charset="0"/>
+                <a:cs typeface="Consolas" pitchFamily="49" charset="0"/>
+              </a:rPr>
+              <a:t>leaf-sum</a:t>
+            </a:r>
+            <a:r>
+              <a:rPr lang="en-US" sz="2400" b="1" dirty="0">
+                <a:latin typeface="Consolas" pitchFamily="49" charset="0"/>
+                <a:cs typeface="Consolas" pitchFamily="49" charset="0"/>
+              </a:rPr>
+              <a:t> (node-</a:t>
+            </a:r>
+            <a:r>
+              <a:rPr lang="en-US" sz="2400" b="1" dirty="0" err="1">
+                <a:latin typeface="Consolas" pitchFamily="49" charset="0"/>
+                <a:cs typeface="Consolas" pitchFamily="49" charset="0"/>
+              </a:rPr>
+              <a:t>lson</a:t>
+            </a:r>
+            <a:r>
+              <a:rPr lang="en-US" sz="2400" b="1" dirty="0">
+                <a:latin typeface="Consolas" pitchFamily="49" charset="0"/>
+                <a:cs typeface="Consolas" pitchFamily="49" charset="0"/>
+              </a:rPr>
+              <a:t> t))</a:t>
+            </a:r>
+          </a:p>
+          <a:p>
+            <a:pPr>
+              <a:buNone/>
+            </a:pPr>
+            <a:r>
+              <a:rPr lang="en-US" sz="2400" b="1" dirty="0">
+                <a:latin typeface="Consolas" pitchFamily="49" charset="0"/>
+                <a:cs typeface="Consolas" pitchFamily="49" charset="0"/>
+              </a:rPr>
+              <a:t>            (</a:t>
+            </a:r>
+            <a:r>
+              <a:rPr lang="en-US" sz="2400" b="1" dirty="0">
+                <a:solidFill>
+                  <a:srgbClr val="FF0000"/>
+                </a:solidFill>
+                <a:latin typeface="Consolas" pitchFamily="49" charset="0"/>
+                <a:cs typeface="Consolas" pitchFamily="49" charset="0"/>
+              </a:rPr>
+              <a:t>leaf-sum</a:t>
+            </a:r>
+            <a:r>
+              <a:rPr lang="en-US" sz="2400" b="1" dirty="0">
+                <a:latin typeface="Consolas" pitchFamily="49" charset="0"/>
+                <a:cs typeface="Consolas" pitchFamily="49" charset="0"/>
+              </a:rPr>
+              <a:t> (node-</a:t>
+            </a:r>
+            <a:r>
+              <a:rPr lang="en-US" sz="2400" b="1" dirty="0" err="1">
+                <a:latin typeface="Consolas" pitchFamily="49" charset="0"/>
+                <a:cs typeface="Consolas" pitchFamily="49" charset="0"/>
+              </a:rPr>
+              <a:t>rson</a:t>
+            </a:r>
+            <a:r>
+              <a:rPr lang="en-US" sz="2400" b="1" dirty="0">
+                <a:latin typeface="Consolas" pitchFamily="49" charset="0"/>
+                <a:cs typeface="Consolas" pitchFamily="49" charset="0"/>
+              </a:rPr>
+              <a:t> t)))]))</a:t>
+            </a:r>
           </a:p>
         </p:txBody>
       </p:sp>
@@ -9143,28 +9664,12 @@
             <a:p>
               <a:pPr algn="ctr"/>
               <a:r>
-                <a:rPr lang="en-US" dirty="0" smtClean="0">
-                  <a:solidFill>
-                    <a:schemeClr val="tx1"/>
-                  </a:solidFill>
-                </a:rPr>
-                <a:t>If you knew the answers for the 2 sons, </a:t>
-              </a:r>
-              <a:r>
                 <a:rPr lang="en-US" dirty="0">
                   <a:solidFill>
                     <a:schemeClr val="tx1"/>
                   </a:solidFill>
                 </a:rPr>
-                <a:t>how</a:t>
-              </a:r>
-              <a:r>
-                <a:rPr lang="en-US" dirty="0" smtClean="0">
-                  <a:solidFill>
-                    <a:schemeClr val="tx1"/>
-                  </a:solidFill>
-                </a:rPr>
-                <a:t> could you find the answer for the whole tree?</a:t>
+                <a:t>If you knew the answers for the 2 sons, how could you find the answer for the whole tree?</a:t>
               </a:r>
             </a:p>
           </p:txBody>
@@ -9496,10 +10001,9 @@
           <a:lstStyle/>
           <a:p>
             <a:r>
-              <a:rPr lang="en-US" dirty="0" smtClean="0"/>
-              <a:t>leaf-max</a:t>
-            </a:r>
-            <a:endParaRPr lang="en-US" dirty="0"/>
+              <a:rPr lang="en-US" dirty="0"/>
+              <a:t>Halting Measure for trees</a:t>
+            </a:r>
           </a:p>
         </p:txBody>
       </p:sp>
@@ -9515,213 +10019,61 @@
         </p:nvSpPr>
         <p:spPr/>
         <p:txBody>
-          <a:bodyPr>
-            <a:normAutofit/>
-          </a:bodyPr>
-          <a:lstStyle/>
-          <a:p>
-            <a:pPr>
-              <a:buNone/>
-            </a:pPr>
-            <a:r>
-              <a:rPr lang="en-US" sz="2400" b="1" dirty="0" smtClean="0">
-                <a:solidFill>
-                  <a:srgbClr val="FF0000"/>
-                </a:solidFill>
-                <a:latin typeface="Consolas" pitchFamily="49" charset="0"/>
-                <a:cs typeface="Consolas" pitchFamily="49" charset="0"/>
-              </a:rPr>
-              <a:t>leaf-max</a:t>
-            </a:r>
-            <a:r>
-              <a:rPr lang="en-US" sz="2400" b="1" dirty="0" smtClean="0">
-                <a:latin typeface="Consolas" pitchFamily="49" charset="0"/>
-                <a:cs typeface="Consolas" pitchFamily="49" charset="0"/>
-              </a:rPr>
-              <a:t> : Tree -&gt; Number</a:t>
-            </a:r>
-          </a:p>
-          <a:p>
-            <a:pPr>
-              <a:buNone/>
-            </a:pPr>
-            <a:r>
-              <a:rPr lang="en-US" sz="2400" b="1" dirty="0" smtClean="0">
-                <a:latin typeface="Consolas" pitchFamily="49" charset="0"/>
-                <a:cs typeface="Consolas" pitchFamily="49" charset="0"/>
-              </a:rPr>
-              <a:t>(define (</a:t>
-            </a:r>
-            <a:r>
-              <a:rPr lang="en-US" sz="2400" b="1" dirty="0" smtClean="0">
-                <a:solidFill>
-                  <a:srgbClr val="FF0000"/>
-                </a:solidFill>
-                <a:latin typeface="Consolas" pitchFamily="49" charset="0"/>
-                <a:cs typeface="Consolas" pitchFamily="49" charset="0"/>
-              </a:rPr>
-              <a:t>leaf-max</a:t>
-            </a:r>
-            <a:r>
-              <a:rPr lang="en-US" sz="2400" b="1" dirty="0" smtClean="0">
-                <a:latin typeface="Consolas" pitchFamily="49" charset="0"/>
-                <a:cs typeface="Consolas" pitchFamily="49" charset="0"/>
-              </a:rPr>
-              <a:t> t)</a:t>
-            </a:r>
-          </a:p>
-          <a:p>
-            <a:pPr>
-              <a:buNone/>
-            </a:pPr>
-            <a:r>
-              <a:rPr lang="en-US" sz="2400" b="1" dirty="0" smtClean="0">
-                <a:latin typeface="Consolas" pitchFamily="49" charset="0"/>
-                <a:cs typeface="Consolas" pitchFamily="49" charset="0"/>
-              </a:rPr>
-              <a:t>  (</a:t>
-            </a:r>
-            <a:r>
-              <a:rPr lang="en-US" sz="2400" b="1" dirty="0" err="1" smtClean="0">
-                <a:latin typeface="Consolas" pitchFamily="49" charset="0"/>
-                <a:cs typeface="Consolas" pitchFamily="49" charset="0"/>
-              </a:rPr>
-              <a:t>cond</a:t>
-            </a:r>
-            <a:endParaRPr lang="en-US" sz="2400" b="1" dirty="0" smtClean="0">
-              <a:latin typeface="Consolas" pitchFamily="49" charset="0"/>
-              <a:cs typeface="Consolas" pitchFamily="49" charset="0"/>
-            </a:endParaRPr>
-          </a:p>
-          <a:p>
-            <a:pPr>
-              <a:buNone/>
-            </a:pPr>
-            <a:r>
-              <a:rPr lang="en-US" sz="2400" b="1" dirty="0" smtClean="0">
-                <a:latin typeface="Consolas" pitchFamily="49" charset="0"/>
-                <a:cs typeface="Consolas" pitchFamily="49" charset="0"/>
-              </a:rPr>
-              <a:t>    [(leaf? t) (leaf-datum t)]</a:t>
-            </a:r>
-          </a:p>
-          <a:p>
-            <a:pPr>
-              <a:buNone/>
-            </a:pPr>
-            <a:r>
-              <a:rPr lang="en-US" sz="2400" b="1" dirty="0" smtClean="0">
-                <a:latin typeface="Consolas" pitchFamily="49" charset="0"/>
-                <a:cs typeface="Consolas" pitchFamily="49" charset="0"/>
-              </a:rPr>
-              <a:t>    [else (</a:t>
-            </a:r>
-            <a:r>
-              <a:rPr lang="en-US" sz="2400" b="1" dirty="0" smtClean="0">
-                <a:solidFill>
-                  <a:srgbClr val="FF0000"/>
-                </a:solidFill>
-                <a:latin typeface="Consolas" pitchFamily="49" charset="0"/>
-                <a:cs typeface="Consolas" pitchFamily="49" charset="0"/>
-              </a:rPr>
-              <a:t>max</a:t>
-            </a:r>
-          </a:p>
-          <a:p>
-            <a:pPr>
-              <a:buNone/>
-            </a:pPr>
-            <a:r>
-              <a:rPr lang="en-US" sz="2400" b="1" dirty="0" smtClean="0">
-                <a:latin typeface="Consolas" pitchFamily="49" charset="0"/>
-                <a:cs typeface="Consolas" pitchFamily="49" charset="0"/>
-              </a:rPr>
-              <a:t>            (</a:t>
-            </a:r>
-            <a:r>
-              <a:rPr lang="en-US" sz="2400" b="1" dirty="0" smtClean="0">
-                <a:solidFill>
-                  <a:srgbClr val="FF0000"/>
-                </a:solidFill>
-                <a:latin typeface="Consolas" pitchFamily="49" charset="0"/>
-                <a:cs typeface="Consolas" pitchFamily="49" charset="0"/>
-              </a:rPr>
-              <a:t>leaf-max</a:t>
-            </a:r>
-            <a:r>
-              <a:rPr lang="en-US" sz="2400" b="1" dirty="0" smtClean="0">
-                <a:latin typeface="Consolas" pitchFamily="49" charset="0"/>
-                <a:cs typeface="Consolas" pitchFamily="49" charset="0"/>
-              </a:rPr>
-              <a:t> (node-</a:t>
-            </a:r>
-            <a:r>
-              <a:rPr lang="en-US" sz="2400" b="1" dirty="0" err="1" smtClean="0">
-                <a:latin typeface="Consolas" pitchFamily="49" charset="0"/>
-                <a:cs typeface="Consolas" pitchFamily="49" charset="0"/>
-              </a:rPr>
-              <a:t>lson</a:t>
-            </a:r>
-            <a:r>
-              <a:rPr lang="en-US" sz="2400" b="1" dirty="0" smtClean="0">
-                <a:latin typeface="Consolas" pitchFamily="49" charset="0"/>
-                <a:cs typeface="Consolas" pitchFamily="49" charset="0"/>
-              </a:rPr>
-              <a:t> t))</a:t>
-            </a:r>
-          </a:p>
-          <a:p>
-            <a:pPr>
-              <a:buNone/>
-            </a:pPr>
-            <a:r>
-              <a:rPr lang="en-US" sz="2400" b="1" dirty="0" smtClean="0">
-                <a:latin typeface="Consolas" pitchFamily="49" charset="0"/>
-                <a:cs typeface="Consolas" pitchFamily="49" charset="0"/>
-              </a:rPr>
-              <a:t>            (</a:t>
-            </a:r>
-            <a:r>
-              <a:rPr lang="en-US" sz="2400" b="1" dirty="0" smtClean="0">
-                <a:solidFill>
-                  <a:srgbClr val="FF0000"/>
-                </a:solidFill>
-                <a:latin typeface="Consolas" pitchFamily="49" charset="0"/>
-                <a:cs typeface="Consolas" pitchFamily="49" charset="0"/>
-              </a:rPr>
-              <a:t>leaf-max</a:t>
-            </a:r>
-            <a:r>
-              <a:rPr lang="en-US" sz="2400" b="1" dirty="0" smtClean="0">
-                <a:latin typeface="Consolas" pitchFamily="49" charset="0"/>
-                <a:cs typeface="Consolas" pitchFamily="49" charset="0"/>
-              </a:rPr>
-              <a:t> (node-</a:t>
-            </a:r>
-            <a:r>
-              <a:rPr lang="en-US" sz="2400" b="1" dirty="0" err="1" smtClean="0">
-                <a:latin typeface="Consolas" pitchFamily="49" charset="0"/>
-                <a:cs typeface="Consolas" pitchFamily="49" charset="0"/>
-              </a:rPr>
-              <a:t>rson</a:t>
-            </a:r>
-            <a:r>
-              <a:rPr lang="en-US" sz="2400" b="1" dirty="0" smtClean="0">
-                <a:latin typeface="Consolas" pitchFamily="49" charset="0"/>
-                <a:cs typeface="Consolas" pitchFamily="49" charset="0"/>
-              </a:rPr>
-              <a:t> t)))]))</a:t>
-            </a:r>
-            <a:endParaRPr lang="en-US" sz="2400" b="1" dirty="0">
-              <a:latin typeface="Consolas" pitchFamily="49" charset="0"/>
-              <a:cs typeface="Consolas" pitchFamily="49" charset="0"/>
-            </a:endParaRPr>
-          </a:p>
-        </p:txBody>
-      </p:sp>
-      <p:sp>
-        <p:nvSpPr>
-          <p:cNvPr id="6" name="Slide Number Placeholder 5"/>
+          <a:bodyPr/>
+          <a:lstStyle/>
+          <a:p>
+            <a:r>
+              <a:rPr lang="en-US" b="1" dirty="0"/>
+              <a:t>t1 </a:t>
+            </a:r>
+            <a:r>
+              <a:rPr lang="en-US" dirty="0"/>
+              <a:t>has fewer nodes than </a:t>
+            </a:r>
+            <a:r>
+              <a:rPr lang="en-US" b="1" dirty="0"/>
+              <a:t>(make-node t1 t2)</a:t>
+            </a:r>
+          </a:p>
+          <a:p>
+            <a:r>
+              <a:rPr lang="en-US" dirty="0"/>
+              <a:t>Similarly, </a:t>
+            </a:r>
+            <a:r>
+              <a:rPr lang="en-US" b="1" dirty="0"/>
+              <a:t>t2</a:t>
+            </a:r>
+            <a:r>
+              <a:rPr lang="en-US" dirty="0"/>
+              <a:t> has fewer nodes than </a:t>
+            </a:r>
+            <a:r>
+              <a:rPr lang="en-US" b="1" dirty="0"/>
+              <a:t>(make-node t1 t2) </a:t>
+            </a:r>
+            <a:r>
+              <a:rPr lang="en-US" dirty="0"/>
+              <a:t>.</a:t>
+            </a:r>
+          </a:p>
+          <a:p>
+            <a:r>
+              <a:rPr lang="en-US" dirty="0"/>
+              <a:t>So the number of nodes is a halting measure for any function that follows the template</a:t>
+            </a:r>
+          </a:p>
+          <a:p>
+            <a:r>
+              <a:rPr lang="en-US" dirty="0"/>
+              <a:t>You can easily adapt this to any tree-like data definition.</a:t>
+            </a:r>
+          </a:p>
+        </p:txBody>
+      </p:sp>
+      <p:sp>
+        <p:nvSpPr>
+          <p:cNvPr id="4" name="Slide Number Placeholder 3"/>
           <p:cNvSpPr>
             <a:spLocks noGrp="1"/>
           </p:cNvSpPr>
@@ -9734,7 +10086,7 @@
           <a:bodyPr/>
           <a:lstStyle/>
           <a:p>
-            <a:fld id="{C1D4534E-1B22-4A44-850A-B3E8E9EE687A}" type="slidenum">
+            <a:fld id="{2AF3B5EA-18B6-4040-9F78-6052AF49C681}" type="slidenum">
               <a:rPr lang="en-US" smtClean="0"/>
               <a:t>9</a:t>
             </a:fld>
@@ -9742,438 +10094,16 @@
           </a:p>
         </p:txBody>
       </p:sp>
-      <p:grpSp>
-        <p:nvGrpSpPr>
-          <p:cNvPr id="4" name="Group 8"/>
-          <p:cNvGrpSpPr/>
-          <p:nvPr/>
-        </p:nvGrpSpPr>
-        <p:grpSpPr>
-          <a:xfrm>
-            <a:off x="3793067" y="1066800"/>
-            <a:ext cx="4360333" cy="1936044"/>
-            <a:chOff x="3793067" y="1066800"/>
-            <a:chExt cx="4360333" cy="1936044"/>
-          </a:xfrm>
-        </p:grpSpPr>
-        <p:sp>
-          <p:nvSpPr>
-            <p:cNvPr id="7" name="Rectangle 6"/>
-            <p:cNvSpPr/>
-            <p:nvPr/>
-          </p:nvSpPr>
-          <p:spPr>
-            <a:xfrm>
-              <a:off x="5943600" y="1066800"/>
-              <a:ext cx="2209800" cy="914400"/>
-            </a:xfrm>
-            <a:prstGeom prst="rect">
-              <a:avLst/>
-            </a:prstGeom>
-            <a:ln/>
-          </p:spPr>
-          <p:style>
-            <a:lnRef idx="1">
-              <a:schemeClr val="accent3"/>
-            </a:lnRef>
-            <a:fillRef idx="3">
-              <a:schemeClr val="accent3"/>
-            </a:fillRef>
-            <a:effectRef idx="2">
-              <a:schemeClr val="accent3"/>
-            </a:effectRef>
-            <a:fontRef idx="minor">
-              <a:schemeClr val="lt1"/>
-            </a:fontRef>
-          </p:style>
-          <p:txBody>
-            <a:bodyPr rtlCol="0" anchor="ctr"/>
-            <a:lstStyle/>
-            <a:p>
-              <a:pPr algn="ctr"/>
-              <a:r>
-                <a:rPr lang="en-US" dirty="0" smtClean="0">
-                  <a:solidFill>
-                    <a:schemeClr val="tx1"/>
-                  </a:solidFill>
-                </a:rPr>
-                <a:t>What’s the answer for a leaf?</a:t>
-              </a:r>
-            </a:p>
-          </p:txBody>
-        </p:sp>
-        <p:sp>
-          <p:nvSpPr>
-            <p:cNvPr id="8" name="Freeform 7"/>
-            <p:cNvSpPr/>
-            <p:nvPr/>
-          </p:nvSpPr>
-          <p:spPr>
-            <a:xfrm>
-              <a:off x="3793067" y="1275644"/>
-              <a:ext cx="2133600" cy="1727200"/>
-            </a:xfrm>
-            <a:custGeom>
-              <a:avLst/>
-              <a:gdLst>
-                <a:gd name="connsiteX0" fmla="*/ 2133600 w 2133600"/>
-                <a:gd name="connsiteY0" fmla="*/ 237067 h 1727200"/>
-                <a:gd name="connsiteX1" fmla="*/ 1004711 w 2133600"/>
-                <a:gd name="connsiteY1" fmla="*/ 248356 h 1727200"/>
-                <a:gd name="connsiteX2" fmla="*/ 0 w 2133600"/>
-                <a:gd name="connsiteY2" fmla="*/ 1727200 h 1727200"/>
-              </a:gdLst>
-              <a:ahLst/>
-              <a:cxnLst>
-                <a:cxn ang="0">
-                  <a:pos x="connsiteX0" y="connsiteY0"/>
-                </a:cxn>
-                <a:cxn ang="0">
-                  <a:pos x="connsiteX1" y="connsiteY1"/>
-                </a:cxn>
-                <a:cxn ang="0">
-                  <a:pos x="connsiteX2" y="connsiteY2"/>
-                </a:cxn>
-              </a:cxnLst>
-              <a:rect l="l" t="t" r="r" b="b"/>
-              <a:pathLst>
-                <a:path w="2133600" h="1727200">
-                  <a:moveTo>
-                    <a:pt x="2133600" y="237067"/>
-                  </a:moveTo>
-                  <a:cubicBezTo>
-                    <a:pt x="1746955" y="118533"/>
-                    <a:pt x="1360311" y="0"/>
-                    <a:pt x="1004711" y="248356"/>
-                  </a:cubicBezTo>
-                  <a:cubicBezTo>
-                    <a:pt x="649111" y="496712"/>
-                    <a:pt x="156163" y="1493896"/>
-                    <a:pt x="0" y="1727200"/>
-                  </a:cubicBezTo>
-                </a:path>
-              </a:pathLst>
-            </a:custGeom>
-            <a:ln w="12700">
-              <a:solidFill>
-                <a:schemeClr val="tx1"/>
-              </a:solidFill>
-              <a:tailEnd type="stealth" w="lg" len="lg"/>
-            </a:ln>
-          </p:spPr>
-          <p:style>
-            <a:lnRef idx="1">
-              <a:schemeClr val="accent1"/>
-            </a:lnRef>
-            <a:fillRef idx="0">
-              <a:schemeClr val="accent1"/>
-            </a:fillRef>
-            <a:effectRef idx="0">
-              <a:schemeClr val="accent1"/>
-            </a:effectRef>
-            <a:fontRef idx="minor">
-              <a:schemeClr val="tx1"/>
-            </a:fontRef>
-          </p:style>
-          <p:txBody>
-            <a:bodyPr rtlCol="0" anchor="ctr"/>
-            <a:lstStyle/>
-            <a:p>
-              <a:pPr algn="ctr"/>
-              <a:endParaRPr lang="en-US"/>
-            </a:p>
-          </p:txBody>
-        </p:sp>
-      </p:grpSp>
-      <p:grpSp>
-        <p:nvGrpSpPr>
-          <p:cNvPr id="5" name="Group 16"/>
-          <p:cNvGrpSpPr/>
-          <p:nvPr/>
-        </p:nvGrpSpPr>
-        <p:grpSpPr>
-          <a:xfrm>
-            <a:off x="216370" y="3793067"/>
-            <a:ext cx="5117630" cy="2379133"/>
-            <a:chOff x="216370" y="3793067"/>
-            <a:chExt cx="5117630" cy="2379133"/>
-          </a:xfrm>
-        </p:grpSpPr>
-        <p:sp>
-          <p:nvSpPr>
-            <p:cNvPr id="10" name="Rectangle 9"/>
-            <p:cNvSpPr/>
-            <p:nvPr/>
-          </p:nvSpPr>
-          <p:spPr>
-            <a:xfrm>
-              <a:off x="1676400" y="5257800"/>
-              <a:ext cx="3657600" cy="914400"/>
-            </a:xfrm>
-            <a:prstGeom prst="rect">
-              <a:avLst/>
-            </a:prstGeom>
-            <a:ln/>
-          </p:spPr>
-          <p:style>
-            <a:lnRef idx="1">
-              <a:schemeClr val="accent3"/>
-            </a:lnRef>
-            <a:fillRef idx="3">
-              <a:schemeClr val="accent3"/>
-            </a:fillRef>
-            <a:effectRef idx="2">
-              <a:schemeClr val="accent3"/>
-            </a:effectRef>
-            <a:fontRef idx="minor">
-              <a:schemeClr val="lt1"/>
-            </a:fontRef>
-          </p:style>
-          <p:txBody>
-            <a:bodyPr rtlCol="0" anchor="ctr"/>
-            <a:lstStyle/>
-            <a:p>
-              <a:pPr algn="ctr"/>
-              <a:r>
-                <a:rPr lang="en-US" dirty="0" smtClean="0">
-                  <a:solidFill>
-                    <a:schemeClr val="tx1"/>
-                  </a:solidFill>
-                </a:rPr>
-                <a:t>If you knew the answers for the 2 sons, how could you find the answer for the whole tree?</a:t>
-              </a:r>
-            </a:p>
-          </p:txBody>
-        </p:sp>
-        <p:sp>
-          <p:nvSpPr>
-            <p:cNvPr id="16" name="Freeform 15"/>
-            <p:cNvSpPr/>
-            <p:nvPr/>
-          </p:nvSpPr>
-          <p:spPr>
-            <a:xfrm>
-              <a:off x="216370" y="3793067"/>
-              <a:ext cx="2391363" cy="2227674"/>
-            </a:xfrm>
-            <a:custGeom>
-              <a:avLst/>
-              <a:gdLst>
-                <a:gd name="connsiteX0" fmla="*/ 1454386 w 2391363"/>
-                <a:gd name="connsiteY0" fmla="*/ 1919111 h 2227674"/>
-                <a:gd name="connsiteX1" fmla="*/ 156163 w 2391363"/>
-                <a:gd name="connsiteY1" fmla="*/ 1907822 h 2227674"/>
-                <a:gd name="connsiteX2" fmla="*/ 2391363 w 2391363"/>
-                <a:gd name="connsiteY2" fmla="*/ 0 h 2227674"/>
-              </a:gdLst>
-              <a:ahLst/>
-              <a:cxnLst>
-                <a:cxn ang="0">
-                  <a:pos x="connsiteX0" y="connsiteY0"/>
-                </a:cxn>
-                <a:cxn ang="0">
-                  <a:pos x="connsiteX1" y="connsiteY1"/>
-                </a:cxn>
-                <a:cxn ang="0">
-                  <a:pos x="connsiteX2" y="connsiteY2"/>
-                </a:cxn>
-              </a:cxnLst>
-              <a:rect l="l" t="t" r="r" b="b"/>
-              <a:pathLst>
-                <a:path w="2391363" h="2227674">
-                  <a:moveTo>
-                    <a:pt x="1454386" y="1919111"/>
-                  </a:moveTo>
-                  <a:cubicBezTo>
-                    <a:pt x="727193" y="2073392"/>
-                    <a:pt x="0" y="2227674"/>
-                    <a:pt x="156163" y="1907822"/>
-                  </a:cubicBezTo>
-                  <a:cubicBezTo>
-                    <a:pt x="312326" y="1587970"/>
-                    <a:pt x="1351844" y="793985"/>
-                    <a:pt x="2391363" y="0"/>
-                  </a:cubicBezTo>
-                </a:path>
-              </a:pathLst>
-            </a:custGeom>
-            <a:ln w="12700">
-              <a:solidFill>
-                <a:schemeClr val="tx1"/>
-              </a:solidFill>
-              <a:tailEnd type="stealth" w="lg" len="lg"/>
-            </a:ln>
-          </p:spPr>
-          <p:style>
-            <a:lnRef idx="1">
-              <a:schemeClr val="accent1"/>
-            </a:lnRef>
-            <a:fillRef idx="0">
-              <a:schemeClr val="accent1"/>
-            </a:fillRef>
-            <a:effectRef idx="0">
-              <a:schemeClr val="accent1"/>
-            </a:effectRef>
-            <a:fontRef idx="minor">
-              <a:schemeClr val="tx1"/>
-            </a:fontRef>
-          </p:style>
-          <p:txBody>
-            <a:bodyPr rtlCol="0" anchor="ctr"/>
-            <a:lstStyle/>
-            <a:p>
-              <a:pPr algn="ctr"/>
-              <a:endParaRPr lang="en-US"/>
-            </a:p>
-          </p:txBody>
-        </p:sp>
-      </p:grpSp>
     </p:spTree>
     <p:extLst>
       <p:ext uri="{BB962C8B-B14F-4D97-AF65-F5344CB8AC3E}">
-        <p14:creationId xmlns:p14="http://schemas.microsoft.com/office/powerpoint/2010/main" val="2348661399"/>
+        <p14:creationId xmlns:p14="http://schemas.microsoft.com/office/powerpoint/2010/main" val="2121322835"/>
       </p:ext>
     </p:extLst>
   </p:cSld>
   <p:clrMapOvr>
     <a:masterClrMapping/>
   </p:clrMapOvr>
-  <p:timing>
-    <p:tnLst>
-      <p:par>
-        <p:cTn id="1" dur="indefinite" restart="never" nodeType="tmRoot">
-          <p:childTnLst>
-            <p:seq concurrent="1" nextAc="seek">
-              <p:cTn id="2" dur="indefinite" nodeType="mainSeq">
-                <p:childTnLst>
-                  <p:par>
-                    <p:cTn id="3" fill="hold">
-                      <p:stCondLst>
-                        <p:cond delay="indefinite"/>
-                      </p:stCondLst>
-                      <p:childTnLst>
-                        <p:par>
-                          <p:cTn id="4" fill="hold">
-                            <p:stCondLst>
-                              <p:cond delay="0"/>
-                            </p:stCondLst>
-                            <p:childTnLst>
-                              <p:par>
-                                <p:cTn id="5" presetID="10" presetClass="entr" presetSubtype="0" fill="hold" nodeType="clickEffect">
-                                  <p:stCondLst>
-                                    <p:cond delay="0"/>
-                                  </p:stCondLst>
-                                  <p:childTnLst>
-                                    <p:set>
-                                      <p:cBhvr>
-                                        <p:cTn id="6" dur="1" fill="hold">
-                                          <p:stCondLst>
-                                            <p:cond delay="0"/>
-                                          </p:stCondLst>
-                                        </p:cTn>
-                                        <p:tgtEl>
-                                          <p:spTgt spid="4"/>
-                                        </p:tgtEl>
-                                        <p:attrNameLst>
-                                          <p:attrName>style.visibility</p:attrName>
-                                        </p:attrNameLst>
-                                      </p:cBhvr>
-                                      <p:to>
-                                        <p:strVal val="visible"/>
-                                      </p:to>
-                                    </p:set>
-                                    <p:animEffect transition="in" filter="fade">
-                                      <p:cBhvr>
-                                        <p:cTn id="7" dur="2000"/>
-                                        <p:tgtEl>
-                                          <p:spTgt spid="4"/>
-                                        </p:tgtEl>
-                                      </p:cBhvr>
-                                    </p:animEffect>
-                                  </p:childTnLst>
-                                </p:cTn>
-                              </p:par>
-                            </p:childTnLst>
-                          </p:cTn>
-                        </p:par>
-                      </p:childTnLst>
-                    </p:cTn>
-                  </p:par>
-                  <p:par>
-                    <p:cTn id="8" fill="hold">
-                      <p:stCondLst>
-                        <p:cond delay="indefinite"/>
-                      </p:stCondLst>
-                      <p:childTnLst>
-                        <p:par>
-                          <p:cTn id="9" fill="hold">
-                            <p:stCondLst>
-                              <p:cond delay="0"/>
-                            </p:stCondLst>
-                            <p:childTnLst>
-                              <p:par>
-                                <p:cTn id="10" presetID="22" presetClass="entr" presetSubtype="4" fill="hold" nodeType="clickEffect">
-                                  <p:stCondLst>
-                                    <p:cond delay="0"/>
-                                  </p:stCondLst>
-                                  <p:childTnLst>
-                                    <p:set>
-                                      <p:cBhvr>
-                                        <p:cTn id="11" dur="1" fill="hold">
-                                          <p:stCondLst>
-                                            <p:cond delay="0"/>
-                                          </p:stCondLst>
-                                        </p:cTn>
-                                        <p:tgtEl>
-                                          <p:spTgt spid="5"/>
-                                        </p:tgtEl>
-                                        <p:attrNameLst>
-                                          <p:attrName>style.visibility</p:attrName>
-                                        </p:attrNameLst>
-                                      </p:cBhvr>
-                                      <p:to>
-                                        <p:strVal val="visible"/>
-                                      </p:to>
-                                    </p:set>
-                                    <p:animEffect transition="in" filter="wipe(down)">
-                                      <p:cBhvr>
-                                        <p:cTn id="12" dur="500"/>
-                                        <p:tgtEl>
-                                          <p:spTgt spid="5"/>
-                                        </p:tgtEl>
-                                      </p:cBhvr>
-                                    </p:animEffect>
-                                  </p:childTnLst>
-                                </p:cTn>
-                              </p:par>
-                            </p:childTnLst>
-                          </p:cTn>
-                        </p:par>
-                      </p:childTnLst>
-                    </p:cTn>
-                  </p:par>
-                </p:childTnLst>
-              </p:cTn>
-              <p:prevCondLst>
-                <p:cond evt="onPrev" delay="0">
-                  <p:tgtEl>
-                    <p:sldTgt/>
-                  </p:tgtEl>
-                </p:cond>
-              </p:prevCondLst>
-              <p:nextCondLst>
-                <p:cond evt="onNext" delay="0">
-                  <p:tgtEl>
-                    <p:sldTgt/>
-                  </p:tgtEl>
-                </p:cond>
-              </p:nextCondLst>
-            </p:seq>
-          </p:childTnLst>
-        </p:cTn>
-      </p:par>
-    </p:tnLst>
-  </p:timing>
 </p:sld>
 </file>
 
